--- a/PITCH/Pitch.pptx
+++ b/PITCH/Pitch.pptx
@@ -5,10 +5,10 @@
     <p:sldMasterId id="2147483648" r:id="rId4"/>
   </p:sldMasterIdLst>
   <p:notesMasterIdLst>
-    <p:notesMasterId r:id="rId16"/>
+    <p:notesMasterId r:id="rId15"/>
   </p:notesMasterIdLst>
   <p:handoutMasterIdLst>
-    <p:handoutMasterId r:id="rId17"/>
+    <p:handoutMasterId r:id="rId16"/>
   </p:handoutMasterIdLst>
   <p:sldIdLst>
     <p:sldId id="286" r:id="rId5"/>
@@ -18,10 +18,9 @@
     <p:sldId id="263" r:id="rId9"/>
     <p:sldId id="264" r:id="rId10"/>
     <p:sldId id="266" r:id="rId11"/>
-    <p:sldId id="272" r:id="rId12"/>
-    <p:sldId id="277" r:id="rId13"/>
-    <p:sldId id="279" r:id="rId14"/>
-    <p:sldId id="280" r:id="rId15"/>
+    <p:sldId id="277" r:id="rId12"/>
+    <p:sldId id="279" r:id="rId13"/>
+    <p:sldId id="280" r:id="rId14"/>
   </p:sldIdLst>
   <p:sldSz cx="12192000" cy="6858000"/>
   <p:notesSz cx="6858000" cy="9144000"/>
@@ -735,7 +734,7 @@
           <a:p>
             <a:fld id="{EFDDBACE-0F8F-43FD-98F0-DEE13552DADA}" type="slidenum">
               <a:rPr lang="en-ZA" smtClean="0"/>
-              <a:t>11</a:t>
+              <a:t>10</a:t>
             </a:fld>
             <a:endParaRPr lang="en-ZA" dirty="0"/>
           </a:p>
@@ -20227,511 +20226,6 @@
       </p:grpSpPr>
       <p:sp>
         <p:nvSpPr>
-          <p:cNvPr id="5" name="Slide Number Placeholder 4">
-            <a:extLst>
-              <a:ext uri="{FF2B5EF4-FFF2-40B4-BE49-F238E27FC236}">
-                <a16:creationId xmlns:a16="http://schemas.microsoft.com/office/drawing/2014/main" id="{1CF390BA-F9E5-4A53-AE84-CFF647158688}"/>
-              </a:ext>
-            </a:extLst>
-          </p:cNvPr>
-          <p:cNvSpPr>
-            <a:spLocks noGrp="1"/>
-          </p:cNvSpPr>
-          <p:nvPr>
-            <p:ph type="sldNum" sz="quarter" idx="12"/>
-          </p:nvPr>
-        </p:nvSpPr>
-        <p:spPr/>
-        <p:txBody>
-          <a:bodyPr/>
-          <a:lstStyle/>
-          <a:p>
-            <a:r>
-              <a:rPr lang="en-ZA" dirty="0"/>
-              <a:t>page </a:t>
-            </a:r>
-            <a:fld id="{19B51A1E-902D-48AF-9020-955120F399B6}" type="slidenum">
-              <a:rPr lang="en-ZA" smtClean="0"/>
-              <a:pPr/>
-              <a:t>10</a:t>
-            </a:fld>
-            <a:endParaRPr lang="en-ZA" dirty="0"/>
-          </a:p>
-        </p:txBody>
-      </p:sp>
-      <p:sp>
-        <p:nvSpPr>
-          <p:cNvPr id="6" name="Content Placeholder 5">
-            <a:extLst>
-              <a:ext uri="{FF2B5EF4-FFF2-40B4-BE49-F238E27FC236}">
-                <a16:creationId xmlns:a16="http://schemas.microsoft.com/office/drawing/2014/main" id="{F9513B8E-BE7A-486A-9F5A-9FEE77C9ED27}"/>
-              </a:ext>
-            </a:extLst>
-          </p:cNvPr>
-          <p:cNvSpPr>
-            <a:spLocks noGrp="1"/>
-          </p:cNvSpPr>
-          <p:nvPr>
-            <p:ph idx="13"/>
-          </p:nvPr>
-        </p:nvSpPr>
-        <p:spPr/>
-        <p:txBody>
-          <a:bodyPr/>
-          <a:lstStyle/>
-          <a:p>
-            <a:r>
-              <a:rPr lang="en-ZA" dirty="0"/>
-              <a:t>Lorem </a:t>
-            </a:r>
-            <a:r>
-              <a:rPr lang="en-ZA" noProof="1"/>
-              <a:t>ipsum dolor sit amet, consectetur adipiscing elit. Etiam aliquet eu mi quis lacinia. </a:t>
-            </a:r>
-          </a:p>
-          <a:p>
-            <a:r>
-              <a:rPr lang="en-ZA" noProof="1"/>
-              <a:t>Ut fermentum a magna ut eleifend. Integer convallis suscipit ante eu varius. Morbi a purus dolor. Suspendisse sit amet ipsum finibus justo viverra blandit. </a:t>
-            </a:r>
-          </a:p>
-          <a:p>
-            <a:r>
-              <a:rPr lang="en-ZA" noProof="1"/>
-              <a:t>Ut congue quis tortor eget sodales. Nulla a erat eget nunc hendrerit ultrices eu.</a:t>
-            </a:r>
-          </a:p>
-        </p:txBody>
-      </p:sp>
-      <p:sp>
-        <p:nvSpPr>
-          <p:cNvPr id="3" name="Title 2">
-            <a:extLst>
-              <a:ext uri="{FF2B5EF4-FFF2-40B4-BE49-F238E27FC236}">
-                <a16:creationId xmlns:a16="http://schemas.microsoft.com/office/drawing/2014/main" id="{DF5E3BD5-1051-4A50-9F18-DFC536C0E08E}"/>
-              </a:ext>
-            </a:extLst>
-          </p:cNvPr>
-          <p:cNvSpPr>
-            <a:spLocks noGrp="1"/>
-          </p:cNvSpPr>
-          <p:nvPr>
-            <p:ph type="ctrTitle"/>
-          </p:nvPr>
-        </p:nvSpPr>
-        <p:spPr/>
-        <p:txBody>
-          <a:bodyPr/>
-          <a:lstStyle/>
-          <a:p>
-            <a:r>
-              <a:rPr lang="en-ZA" dirty="0"/>
-              <a:t>Summary</a:t>
-            </a:r>
-          </a:p>
-        </p:txBody>
-      </p:sp>
-      <p:sp>
-        <p:nvSpPr>
-          <p:cNvPr id="4" name="Subtitle 3">
-            <a:extLst>
-              <a:ext uri="{FF2B5EF4-FFF2-40B4-BE49-F238E27FC236}">
-                <a16:creationId xmlns:a16="http://schemas.microsoft.com/office/drawing/2014/main" id="{EC56582A-55F9-4B18-95E7-DD8795CF21B9}"/>
-              </a:ext>
-            </a:extLst>
-          </p:cNvPr>
-          <p:cNvSpPr>
-            <a:spLocks noGrp="1"/>
-          </p:cNvSpPr>
-          <p:nvPr>
-            <p:ph type="subTitle" idx="1"/>
-          </p:nvPr>
-        </p:nvSpPr>
-        <p:spPr/>
-        <p:txBody>
-          <a:bodyPr/>
-          <a:lstStyle/>
-          <a:p>
-            <a:r>
-              <a:rPr lang="en-ZA" dirty="0"/>
-              <a:t>Summary tagline </a:t>
-            </a:r>
-            <a:br>
-              <a:rPr lang="en-ZA" dirty="0"/>
-            </a:br>
-            <a:r>
-              <a:rPr lang="en-ZA" dirty="0"/>
-              <a:t>or sub-headline</a:t>
-            </a:r>
-          </a:p>
-        </p:txBody>
-      </p:sp>
-      <p:grpSp>
-        <p:nvGrpSpPr>
-          <p:cNvPr id="12" name="Group 11" descr="decorative element">
-            <a:extLst>
-              <a:ext uri="{FF2B5EF4-FFF2-40B4-BE49-F238E27FC236}">
-                <a16:creationId xmlns:a16="http://schemas.microsoft.com/office/drawing/2014/main" id="{24760C03-A974-4492-8BDC-3A3B1DA41C3B}"/>
-              </a:ext>
-              <a:ext uri="{C183D7F6-B498-43B3-948B-1728B52AA6E4}">
-                <adec:decorative xmlns:adec="http://schemas.microsoft.com/office/drawing/2017/decorative" val="1"/>
-              </a:ext>
-            </a:extLst>
-          </p:cNvPr>
-          <p:cNvGrpSpPr/>
-          <p:nvPr/>
-        </p:nvGrpSpPr>
-        <p:grpSpPr>
-          <a:xfrm>
-            <a:off x="9220200" y="1125275"/>
-            <a:ext cx="2381250" cy="2335471"/>
-            <a:chOff x="1952144" y="833521"/>
-            <a:chExt cx="2846074" cy="2791358"/>
-          </a:xfrm>
-        </p:grpSpPr>
-        <p:sp>
-          <p:nvSpPr>
-            <p:cNvPr id="13" name="Oval 12">
-              <a:extLst>
-                <a:ext uri="{FF2B5EF4-FFF2-40B4-BE49-F238E27FC236}">
-                  <a16:creationId xmlns:a16="http://schemas.microsoft.com/office/drawing/2014/main" id="{82663A09-922C-4254-9D30-7A8E6E2694A8}"/>
-                </a:ext>
-              </a:extLst>
-            </p:cNvPr>
-            <p:cNvSpPr/>
-            <p:nvPr userDrawn="1"/>
-          </p:nvSpPr>
-          <p:spPr>
-            <a:xfrm>
-              <a:off x="3775686" y="2602347"/>
-              <a:ext cx="1022532" cy="1022532"/>
-            </a:xfrm>
-            <a:prstGeom prst="ellipse">
-              <a:avLst/>
-            </a:prstGeom>
-            <a:noFill/>
-            <a:ln w="3175">
-              <a:solidFill>
-                <a:schemeClr val="bg1"/>
-              </a:solidFill>
-            </a:ln>
-            <a:effectLst>
-              <a:glow rad="165100">
-                <a:schemeClr val="bg1">
-                  <a:alpha val="9000"/>
-                </a:schemeClr>
-              </a:glow>
-            </a:effectLst>
-          </p:spPr>
-          <p:style>
-            <a:lnRef idx="2">
-              <a:schemeClr val="accent1">
-                <a:shade val="50000"/>
-              </a:schemeClr>
-            </a:lnRef>
-            <a:fillRef idx="1">
-              <a:schemeClr val="accent1"/>
-            </a:fillRef>
-            <a:effectRef idx="0">
-              <a:schemeClr val="accent1"/>
-            </a:effectRef>
-            <a:fontRef idx="minor">
-              <a:schemeClr val="lt1"/>
-            </a:fontRef>
-          </p:style>
-          <p:txBody>
-            <a:bodyPr rot="0" spcFirstLastPara="0" vertOverflow="overflow" horzOverflow="overflow" vert="horz" wrap="square" lIns="91440" tIns="45720" rIns="91440" bIns="45720" numCol="1" spcCol="0" rtlCol="0" fromWordArt="0" anchor="ctr" anchorCtr="0" forceAA="0" compatLnSpc="1">
-              <a:prstTxWarp prst="textNoShape">
-                <a:avLst/>
-              </a:prstTxWarp>
-              <a:noAutofit/>
-            </a:bodyPr>
-            <a:lstStyle/>
-            <a:p>
-              <a:pPr algn="ctr"/>
-              <a:endParaRPr lang="en-ZA" dirty="0"/>
-            </a:p>
-          </p:txBody>
-        </p:sp>
-        <p:sp>
-          <p:nvSpPr>
-            <p:cNvPr id="14" name="Oval 13">
-              <a:extLst>
-                <a:ext uri="{FF2B5EF4-FFF2-40B4-BE49-F238E27FC236}">
-                  <a16:creationId xmlns:a16="http://schemas.microsoft.com/office/drawing/2014/main" id="{C045C08B-B7E1-453E-BC2E-F22D7AC53DC5}"/>
-                </a:ext>
-              </a:extLst>
-            </p:cNvPr>
-            <p:cNvSpPr/>
-            <p:nvPr userDrawn="1"/>
-          </p:nvSpPr>
-          <p:spPr>
-            <a:xfrm>
-              <a:off x="2172489" y="1005639"/>
-              <a:ext cx="399819" cy="406102"/>
-            </a:xfrm>
-            <a:prstGeom prst="ellipse">
-              <a:avLst/>
-            </a:prstGeom>
-            <a:noFill/>
-            <a:ln w="3175">
-              <a:solidFill>
-                <a:schemeClr val="bg1"/>
-              </a:solidFill>
-            </a:ln>
-            <a:effectLst>
-              <a:glow rad="114300">
-                <a:schemeClr val="bg1">
-                  <a:alpha val="15000"/>
-                </a:schemeClr>
-              </a:glow>
-            </a:effectLst>
-          </p:spPr>
-          <p:style>
-            <a:lnRef idx="2">
-              <a:schemeClr val="accent1">
-                <a:shade val="50000"/>
-              </a:schemeClr>
-            </a:lnRef>
-            <a:fillRef idx="1">
-              <a:schemeClr val="accent1"/>
-            </a:fillRef>
-            <a:effectRef idx="0">
-              <a:schemeClr val="accent1"/>
-            </a:effectRef>
-            <a:fontRef idx="minor">
-              <a:schemeClr val="lt1"/>
-            </a:fontRef>
-          </p:style>
-          <p:txBody>
-            <a:bodyPr rot="0" spcFirstLastPara="0" vertOverflow="overflow" horzOverflow="overflow" vert="horz" wrap="square" lIns="91440" tIns="45720" rIns="91440" bIns="45720" numCol="1" spcCol="0" rtlCol="0" fromWordArt="0" anchor="ctr" anchorCtr="0" forceAA="0" compatLnSpc="1">
-              <a:prstTxWarp prst="textNoShape">
-                <a:avLst/>
-              </a:prstTxWarp>
-              <a:noAutofit/>
-            </a:bodyPr>
-            <a:lstStyle/>
-            <a:p>
-              <a:pPr algn="ctr"/>
-              <a:endParaRPr lang="en-ZA" dirty="0"/>
-            </a:p>
-          </p:txBody>
-        </p:sp>
-        <p:sp>
-          <p:nvSpPr>
-            <p:cNvPr id="15" name="Oval 14">
-              <a:extLst>
-                <a:ext uri="{FF2B5EF4-FFF2-40B4-BE49-F238E27FC236}">
-                  <a16:creationId xmlns:a16="http://schemas.microsoft.com/office/drawing/2014/main" id="{E7A6E3CD-53B5-46DB-988D-203236BF22B0}"/>
-                </a:ext>
-              </a:extLst>
-            </p:cNvPr>
-            <p:cNvSpPr/>
-            <p:nvPr userDrawn="1"/>
-          </p:nvSpPr>
-          <p:spPr>
-            <a:xfrm>
-              <a:off x="4257769" y="3084430"/>
-              <a:ext cx="58366" cy="58366"/>
-            </a:xfrm>
-            <a:prstGeom prst="ellipse">
-              <a:avLst/>
-            </a:prstGeom>
-            <a:gradFill flip="none" rotWithShape="1">
-              <a:gsLst>
-                <a:gs pos="0">
-                  <a:srgbClr val="FFFFFF"/>
-                </a:gs>
-                <a:gs pos="70000">
-                  <a:schemeClr val="accent2">
-                    <a:lumMod val="20000"/>
-                    <a:lumOff val="80000"/>
-                  </a:schemeClr>
-                </a:gs>
-                <a:gs pos="65000">
-                  <a:srgbClr val="F7FFFF"/>
-                </a:gs>
-              </a:gsLst>
-              <a:path path="circle">
-                <a:fillToRect l="50000" t="50000" r="50000" b="50000"/>
-              </a:path>
-              <a:tileRect/>
-            </a:gradFill>
-            <a:ln>
-              <a:noFill/>
-            </a:ln>
-            <a:effectLst>
-              <a:glow rad="165100">
-                <a:schemeClr val="accent2">
-                  <a:satMod val="175000"/>
-                  <a:alpha val="40000"/>
-                </a:schemeClr>
-              </a:glow>
-            </a:effectLst>
-          </p:spPr>
-          <p:style>
-            <a:lnRef idx="2">
-              <a:schemeClr val="accent1">
-                <a:shade val="50000"/>
-              </a:schemeClr>
-            </a:lnRef>
-            <a:fillRef idx="1">
-              <a:schemeClr val="accent1"/>
-            </a:fillRef>
-            <a:effectRef idx="0">
-              <a:schemeClr val="accent1"/>
-            </a:effectRef>
-            <a:fontRef idx="minor">
-              <a:schemeClr val="lt1"/>
-            </a:fontRef>
-          </p:style>
-          <p:txBody>
-            <a:bodyPr rtlCol="0" anchor="ctr"/>
-            <a:lstStyle/>
-            <a:p>
-              <a:pPr algn="ctr"/>
-              <a:endParaRPr lang="en-ZA" dirty="0"/>
-            </a:p>
-          </p:txBody>
-        </p:sp>
-        <p:sp>
-          <p:nvSpPr>
-            <p:cNvPr id="16" name="Oval 15">
-              <a:extLst>
-                <a:ext uri="{FF2B5EF4-FFF2-40B4-BE49-F238E27FC236}">
-                  <a16:creationId xmlns:a16="http://schemas.microsoft.com/office/drawing/2014/main" id="{57E3E48F-4C52-4C35-B945-1A097E0030DC}"/>
-                </a:ext>
-              </a:extLst>
-            </p:cNvPr>
-            <p:cNvSpPr/>
-            <p:nvPr userDrawn="1"/>
-          </p:nvSpPr>
-          <p:spPr>
-            <a:xfrm>
-              <a:off x="1952144" y="833521"/>
-              <a:ext cx="2678654" cy="2720745"/>
-            </a:xfrm>
-            <a:prstGeom prst="ellipse">
-              <a:avLst/>
-            </a:prstGeom>
-            <a:noFill/>
-            <a:ln w="111125">
-              <a:solidFill>
-                <a:schemeClr val="bg1">
-                  <a:alpha val="6000"/>
-                </a:schemeClr>
-              </a:solidFill>
-            </a:ln>
-            <a:effectLst/>
-          </p:spPr>
-          <p:style>
-            <a:lnRef idx="2">
-              <a:schemeClr val="accent1">
-                <a:shade val="50000"/>
-              </a:schemeClr>
-            </a:lnRef>
-            <a:fillRef idx="1">
-              <a:schemeClr val="accent1"/>
-            </a:fillRef>
-            <a:effectRef idx="0">
-              <a:schemeClr val="accent1"/>
-            </a:effectRef>
-            <a:fontRef idx="minor">
-              <a:schemeClr val="lt1"/>
-            </a:fontRef>
-          </p:style>
-          <p:txBody>
-            <a:bodyPr rot="0" spcFirstLastPara="0" vertOverflow="overflow" horzOverflow="overflow" vert="horz" wrap="square" lIns="91440" tIns="45720" rIns="91440" bIns="45720" numCol="1" spcCol="0" rtlCol="0" fromWordArt="0" anchor="ctr" anchorCtr="0" forceAA="0" compatLnSpc="1">
-              <a:prstTxWarp prst="textNoShape">
-                <a:avLst/>
-              </a:prstTxWarp>
-              <a:noAutofit/>
-            </a:bodyPr>
-            <a:lstStyle/>
-            <a:p>
-              <a:pPr algn="ctr"/>
-              <a:endParaRPr lang="en-ZA" dirty="0"/>
-            </a:p>
-          </p:txBody>
-        </p:sp>
-        <p:cxnSp>
-          <p:nvCxnSpPr>
-            <p:cNvPr id="17" name="Straight Connector 16">
-              <a:extLst>
-                <a:ext uri="{FF2B5EF4-FFF2-40B4-BE49-F238E27FC236}">
-                  <a16:creationId xmlns:a16="http://schemas.microsoft.com/office/drawing/2014/main" id="{F5E22542-B340-4287-91C8-BED785B7355D}"/>
-                </a:ext>
-              </a:extLst>
-            </p:cNvPr>
-            <p:cNvCxnSpPr>
-              <a:cxnSpLocks/>
-            </p:cNvCxnSpPr>
-            <p:nvPr userDrawn="1"/>
-          </p:nvCxnSpPr>
-          <p:spPr>
-            <a:xfrm>
-              <a:off x="2085771" y="923049"/>
-              <a:ext cx="2332466" cy="2332466"/>
-            </a:xfrm>
-            <a:prstGeom prst="line">
-              <a:avLst/>
-            </a:prstGeom>
-            <a:ln>
-              <a:solidFill>
-                <a:schemeClr val="bg2">
-                  <a:alpha val="30000"/>
-                </a:schemeClr>
-              </a:solidFill>
-            </a:ln>
-          </p:spPr>
-          <p:style>
-            <a:lnRef idx="1">
-              <a:schemeClr val="accent1"/>
-            </a:lnRef>
-            <a:fillRef idx="0">
-              <a:schemeClr val="accent1"/>
-            </a:fillRef>
-            <a:effectRef idx="0">
-              <a:schemeClr val="accent1"/>
-            </a:effectRef>
-            <a:fontRef idx="minor">
-              <a:schemeClr val="tx1"/>
-            </a:fontRef>
-          </p:style>
-        </p:cxnSp>
-      </p:grpSp>
-    </p:spTree>
-    <p:extLst>
-      <p:ext uri="{BB962C8B-B14F-4D97-AF65-F5344CB8AC3E}">
-        <p14:creationId xmlns:p14="http://schemas.microsoft.com/office/powerpoint/2010/main" val="3190245698"/>
-      </p:ext>
-    </p:extLst>
-  </p:cSld>
-  <p:clrMapOvr>
-    <a:masterClrMapping/>
-  </p:clrMapOvr>
-</p:sld>
-</file>
-
-<file path=ppt/slides/slide11.xml><?xml version="1.0" encoding="utf-8"?>
-<p:sld xmlns:a="http://schemas.openxmlformats.org/drawingml/2006/main" xmlns:r="http://schemas.openxmlformats.org/officeDocument/2006/relationships" xmlns:p="http://schemas.openxmlformats.org/presentationml/2006/main" showMasterSp="0">
-  <p:cSld>
-    <p:spTree>
-      <p:nvGrpSpPr>
-        <p:cNvPr id="1" name=""/>
-        <p:cNvGrpSpPr/>
-        <p:nvPr/>
-      </p:nvGrpSpPr>
-      <p:grpSpPr>
-        <a:xfrm>
-          <a:off x="0" y="0"/>
-          <a:ext cx="0" cy="0"/>
-          <a:chOff x="0" y="0"/>
-          <a:chExt cx="0" cy="0"/>
-        </a:xfrm>
-      </p:grpSpPr>
-      <p:sp>
-        <p:nvSpPr>
           <p:cNvPr id="30" name="Rectangle 29" title="Overlay Graphic">
             <a:extLst>
               <a:ext uri="{FF2B5EF4-FFF2-40B4-BE49-F238E27FC236}">
@@ -20866,121 +20360,6 @@
           </a:p>
         </p:txBody>
       </p:sp>
-      <p:sp>
-        <p:nvSpPr>
-          <p:cNvPr id="4" name="Subtitle 3">
-            <a:extLst>
-              <a:ext uri="{FF2B5EF4-FFF2-40B4-BE49-F238E27FC236}">
-                <a16:creationId xmlns:a16="http://schemas.microsoft.com/office/drawing/2014/main" id="{37530160-A714-49C8-85A0-932553905B40}"/>
-              </a:ext>
-            </a:extLst>
-          </p:cNvPr>
-          <p:cNvSpPr>
-            <a:spLocks noGrp="1"/>
-          </p:cNvSpPr>
-          <p:nvPr>
-            <p:ph type="subTitle" idx="1"/>
-          </p:nvPr>
-        </p:nvSpPr>
-        <p:spPr/>
-        <p:txBody>
-          <a:bodyPr/>
-          <a:lstStyle/>
-          <a:p>
-            <a:r>
-              <a:rPr lang="en-ZA" noProof="1"/>
-              <a:t>Allan Mattsson</a:t>
-            </a:r>
-          </a:p>
-        </p:txBody>
-      </p:sp>
-      <p:sp>
-        <p:nvSpPr>
-          <p:cNvPr id="6" name="Text Placeholder 5">
-            <a:extLst>
-              <a:ext uri="{FF2B5EF4-FFF2-40B4-BE49-F238E27FC236}">
-                <a16:creationId xmlns:a16="http://schemas.microsoft.com/office/drawing/2014/main" id="{282CA365-4170-41B8-B4B3-7A2FA6DBD751}"/>
-              </a:ext>
-            </a:extLst>
-          </p:cNvPr>
-          <p:cNvSpPr>
-            <a:spLocks noGrp="1"/>
-          </p:cNvSpPr>
-          <p:nvPr>
-            <p:ph type="body" sz="quarter" idx="15"/>
-          </p:nvPr>
-        </p:nvSpPr>
-        <p:spPr/>
-        <p:txBody>
-          <a:bodyPr/>
-          <a:lstStyle/>
-          <a:p>
-            <a:r>
-              <a:rPr lang="en-ZA" dirty="0"/>
-              <a:t>+1 555-0100</a:t>
-            </a:r>
-          </a:p>
-        </p:txBody>
-      </p:sp>
-      <p:sp>
-        <p:nvSpPr>
-          <p:cNvPr id="7" name="Text Placeholder 6">
-            <a:extLst>
-              <a:ext uri="{FF2B5EF4-FFF2-40B4-BE49-F238E27FC236}">
-                <a16:creationId xmlns:a16="http://schemas.microsoft.com/office/drawing/2014/main" id="{75739431-ADAD-416E-818C-4B616D2870E5}"/>
-              </a:ext>
-            </a:extLst>
-          </p:cNvPr>
-          <p:cNvSpPr>
-            <a:spLocks noGrp="1"/>
-          </p:cNvSpPr>
-          <p:nvPr>
-            <p:ph type="body" sz="quarter" idx="16"/>
-          </p:nvPr>
-        </p:nvSpPr>
-        <p:spPr/>
-        <p:txBody>
-          <a:bodyPr/>
-          <a:lstStyle/>
-          <a:p>
-            <a:r>
-              <a:rPr lang="en-ZA" dirty="0"/>
-              <a:t>allan@contoso.com</a:t>
-            </a:r>
-          </a:p>
-          <a:p>
-            <a:endParaRPr lang="en-ZA" dirty="0"/>
-          </a:p>
-        </p:txBody>
-      </p:sp>
-      <p:sp>
-        <p:nvSpPr>
-          <p:cNvPr id="8" name="Text Placeholder 7">
-            <a:extLst>
-              <a:ext uri="{FF2B5EF4-FFF2-40B4-BE49-F238E27FC236}">
-                <a16:creationId xmlns:a16="http://schemas.microsoft.com/office/drawing/2014/main" id="{2258B848-99A6-4681-9D22-50069C0BDE97}"/>
-              </a:ext>
-            </a:extLst>
-          </p:cNvPr>
-          <p:cNvSpPr>
-            <a:spLocks noGrp="1"/>
-          </p:cNvSpPr>
-          <p:nvPr>
-            <p:ph type="body" sz="quarter" idx="17"/>
-          </p:nvPr>
-        </p:nvSpPr>
-        <p:spPr/>
-        <p:txBody>
-          <a:bodyPr/>
-          <a:lstStyle/>
-          <a:p>
-            <a:r>
-              <a:rPr lang="en-ZA" dirty="0"/>
-              <a:t>www.contoso.com</a:t>
-            </a:r>
-          </a:p>
-        </p:txBody>
-      </p:sp>
       <p:cxnSp>
         <p:nvCxnSpPr>
           <p:cNvPr id="20" name="Straight Connector 19" descr="decorative element">
@@ -21128,162 +20507,6 @@
           </a:fontRef>
         </p:style>
       </p:cxnSp>
-      <p:pic>
-        <p:nvPicPr>
-          <p:cNvPr id="12" name="Graphic 11" descr="User" title="Icon - Presenter Name">
-            <a:extLst>
-              <a:ext uri="{FF2B5EF4-FFF2-40B4-BE49-F238E27FC236}">
-                <a16:creationId xmlns:a16="http://schemas.microsoft.com/office/drawing/2014/main" id="{3FD34FCD-807B-4BBC-8AFE-2162CCE29BE9}"/>
-              </a:ext>
-            </a:extLst>
-          </p:cNvPr>
-          <p:cNvPicPr>
-            <a:picLocks noChangeAspect="1"/>
-          </p:cNvPicPr>
-          <p:nvPr/>
-        </p:nvPicPr>
-        <p:blipFill>
-          <a:blip r:embed="rId3" cstate="screen">
-            <a:extLst>
-              <a:ext uri="{28A0092B-C50C-407E-A947-70E740481C1C}">
-                <a14:useLocalDpi xmlns:a14="http://schemas.microsoft.com/office/drawing/2010/main"/>
-              </a:ext>
-              <a:ext uri="{96DAC541-7B7A-43D3-8B79-37D633B846F1}">
-                <asvg:svgBlip xmlns:asvg="http://schemas.microsoft.com/office/drawing/2016/SVG/main" r:embed="rId4"/>
-              </a:ext>
-            </a:extLst>
-          </a:blip>
-          <a:stretch>
-            <a:fillRect/>
-          </a:stretch>
-        </p:blipFill>
-        <p:spPr bwMode="black">
-          <a:xfrm>
-            <a:off x="11400284" y="5059754"/>
-            <a:ext cx="218900" cy="218900"/>
-          </a:xfrm>
-          <a:prstGeom prst="rect">
-            <a:avLst/>
-          </a:prstGeom>
-        </p:spPr>
-      </p:pic>
-      <p:pic>
-        <p:nvPicPr>
-          <p:cNvPr id="14" name="Graphic 13" descr="Smart Phone" title="Icon - Presenter Phone Number">
-            <a:extLst>
-              <a:ext uri="{FF2B5EF4-FFF2-40B4-BE49-F238E27FC236}">
-                <a16:creationId xmlns:a16="http://schemas.microsoft.com/office/drawing/2014/main" id="{E51263B5-564A-401A-810D-0896F97EF0CB}"/>
-              </a:ext>
-            </a:extLst>
-          </p:cNvPr>
-          <p:cNvPicPr>
-            <a:picLocks noChangeAspect="1"/>
-          </p:cNvPicPr>
-          <p:nvPr/>
-        </p:nvPicPr>
-        <p:blipFill>
-          <a:blip r:embed="rId5" cstate="screen">
-            <a:extLst>
-              <a:ext uri="{28A0092B-C50C-407E-A947-70E740481C1C}">
-                <a14:useLocalDpi xmlns:a14="http://schemas.microsoft.com/office/drawing/2010/main"/>
-              </a:ext>
-              <a:ext uri="{96DAC541-7B7A-43D3-8B79-37D633B846F1}">
-                <asvg:svgBlip xmlns:asvg="http://schemas.microsoft.com/office/drawing/2016/SVG/main" r:embed="rId6"/>
-              </a:ext>
-            </a:extLst>
-          </a:blip>
-          <a:stretch>
-            <a:fillRect/>
-          </a:stretch>
-        </p:blipFill>
-        <p:spPr bwMode="black">
-          <a:xfrm>
-            <a:off x="11400284" y="5468514"/>
-            <a:ext cx="218900" cy="218900"/>
-          </a:xfrm>
-          <a:prstGeom prst="rect">
-            <a:avLst/>
-          </a:prstGeom>
-        </p:spPr>
-      </p:pic>
-      <p:pic>
-        <p:nvPicPr>
-          <p:cNvPr id="13" name="Graphic 12" descr="Envelope" title="Icon Presenter Email">
-            <a:extLst>
-              <a:ext uri="{FF2B5EF4-FFF2-40B4-BE49-F238E27FC236}">
-                <a16:creationId xmlns:a16="http://schemas.microsoft.com/office/drawing/2014/main" id="{A24A1417-AE3F-44AE-98EB-3E6ADA1E2017}"/>
-              </a:ext>
-            </a:extLst>
-          </p:cNvPr>
-          <p:cNvPicPr>
-            <a:picLocks noChangeAspect="1"/>
-          </p:cNvPicPr>
-          <p:nvPr/>
-        </p:nvPicPr>
-        <p:blipFill>
-          <a:blip r:embed="rId7" cstate="screen">
-            <a:extLst>
-              <a:ext uri="{28A0092B-C50C-407E-A947-70E740481C1C}">
-                <a14:useLocalDpi xmlns:a14="http://schemas.microsoft.com/office/drawing/2010/main"/>
-              </a:ext>
-              <a:ext uri="{96DAC541-7B7A-43D3-8B79-37D633B846F1}">
-                <asvg:svgBlip xmlns:asvg="http://schemas.microsoft.com/office/drawing/2016/SVG/main" r:embed="rId8"/>
-              </a:ext>
-            </a:extLst>
-          </a:blip>
-          <a:stretch>
-            <a:fillRect/>
-          </a:stretch>
-        </p:blipFill>
-        <p:spPr bwMode="black">
-          <a:xfrm>
-            <a:off x="11400284" y="5836232"/>
-            <a:ext cx="218900" cy="218900"/>
-          </a:xfrm>
-          <a:prstGeom prst="rect">
-            <a:avLst/>
-          </a:prstGeom>
-        </p:spPr>
-      </p:pic>
-      <p:pic>
-        <p:nvPicPr>
-          <p:cNvPr id="15" name="Graphic 14" descr="Link">
-            <a:extLst>
-              <a:ext uri="{FF2B5EF4-FFF2-40B4-BE49-F238E27FC236}">
-                <a16:creationId xmlns:a16="http://schemas.microsoft.com/office/drawing/2014/main" id="{0161B5EF-405A-4DEA-8E00-0A6A7B71F7BA}"/>
-              </a:ext>
-            </a:extLst>
-          </p:cNvPr>
-          <p:cNvPicPr>
-            <a:picLocks noChangeAspect="1"/>
-          </p:cNvPicPr>
-          <p:nvPr/>
-        </p:nvPicPr>
-        <p:blipFill>
-          <a:blip r:embed="rId9" cstate="screen">
-            <a:extLst>
-              <a:ext uri="{28A0092B-C50C-407E-A947-70E740481C1C}">
-                <a14:useLocalDpi xmlns:a14="http://schemas.microsoft.com/office/drawing/2010/main"/>
-              </a:ext>
-              <a:ext uri="{96DAC541-7B7A-43D3-8B79-37D633B846F1}">
-                <asvg:svgBlip xmlns:asvg="http://schemas.microsoft.com/office/drawing/2016/SVG/main" r:embed="rId10"/>
-              </a:ext>
-            </a:extLst>
-          </a:blip>
-          <a:stretch>
-            <a:fillRect/>
-          </a:stretch>
-        </p:blipFill>
-        <p:spPr bwMode="black">
-          <a:xfrm>
-            <a:off x="11383425" y="6203950"/>
-            <a:ext cx="244786" cy="244786"/>
-          </a:xfrm>
-          <a:prstGeom prst="rect">
-            <a:avLst/>
-          </a:prstGeom>
-        </p:spPr>
-      </p:pic>
     </p:spTree>
     <p:extLst>
       <p:ext uri="{BB962C8B-B14F-4D97-AF65-F5344CB8AC3E}">
@@ -24053,366 +23276,6 @@
           <a:chExt cx="0" cy="0"/>
         </a:xfrm>
       </p:grpSpPr>
-      <p:sp>
-        <p:nvSpPr>
-          <p:cNvPr id="5" name="Content Placeholder 4">
-            <a:extLst>
-              <a:ext uri="{FF2B5EF4-FFF2-40B4-BE49-F238E27FC236}">
-                <a16:creationId xmlns:a16="http://schemas.microsoft.com/office/drawing/2014/main" id="{A444DFB7-7E28-41B4-9BF9-BE436E0FC9E8}"/>
-              </a:ext>
-            </a:extLst>
-          </p:cNvPr>
-          <p:cNvSpPr>
-            <a:spLocks noGrp="1"/>
-          </p:cNvSpPr>
-          <p:nvPr>
-            <p:ph idx="14"/>
-          </p:nvPr>
-        </p:nvSpPr>
-        <p:spPr/>
-        <p:txBody>
-          <a:bodyPr/>
-          <a:lstStyle/>
-          <a:p>
-            <a:r>
-              <a:rPr lang="en-ZA" dirty="0"/>
-              <a:t>Lorem </a:t>
-            </a:r>
-            <a:r>
-              <a:rPr lang="en-ZA" noProof="1"/>
-              <a:t>ipsum dolor sit amet, consectetur adipiscing elit. </a:t>
-            </a:r>
-          </a:p>
-          <a:p>
-            <a:r>
-              <a:rPr lang="en-ZA" noProof="1"/>
-              <a:t>Etiam aliquet eu mi quis lacinia. Ut fermentum a magna ut eleifend. Integer convallis suscipit ante eu varius. </a:t>
-            </a:r>
-          </a:p>
-          <a:p>
-            <a:endParaRPr lang="en-ZA" noProof="1"/>
-          </a:p>
-          <a:p>
-            <a:endParaRPr lang="en-ZA" dirty="0"/>
-          </a:p>
-        </p:txBody>
-      </p:sp>
-      <p:sp>
-        <p:nvSpPr>
-          <p:cNvPr id="6" name="Content Placeholder 5">
-            <a:extLst>
-              <a:ext uri="{FF2B5EF4-FFF2-40B4-BE49-F238E27FC236}">
-                <a16:creationId xmlns:a16="http://schemas.microsoft.com/office/drawing/2014/main" id="{8F1F20C0-022B-4E7D-BF64-E9B2AFE01D1E}"/>
-              </a:ext>
-            </a:extLst>
-          </p:cNvPr>
-          <p:cNvSpPr>
-            <a:spLocks noGrp="1"/>
-          </p:cNvSpPr>
-          <p:nvPr>
-            <p:ph idx="15"/>
-          </p:nvPr>
-        </p:nvSpPr>
-        <p:spPr/>
-        <p:txBody>
-          <a:bodyPr/>
-          <a:lstStyle/>
-          <a:p>
-            <a:r>
-              <a:rPr lang="en-ZA" dirty="0"/>
-              <a:t>Lorem </a:t>
-            </a:r>
-            <a:r>
-              <a:rPr lang="en-ZA" noProof="1"/>
-              <a:t>ipsum dolor sit amet, consectetur adipiscing elit. </a:t>
-            </a:r>
-          </a:p>
-          <a:p>
-            <a:r>
-              <a:rPr lang="en-ZA" noProof="1"/>
-              <a:t>Etiam aliquet eu mi quis lacinia. Ut fermentum a magna ut eleifend. Integer convallis suscipit ante eu varius. </a:t>
-            </a:r>
-          </a:p>
-          <a:p>
-            <a:endParaRPr lang="en-ZA" noProof="1"/>
-          </a:p>
-          <a:p>
-            <a:endParaRPr lang="en-ZA" dirty="0"/>
-          </a:p>
-        </p:txBody>
-      </p:sp>
-      <p:sp>
-        <p:nvSpPr>
-          <p:cNvPr id="7" name="Content Placeholder 6">
-            <a:extLst>
-              <a:ext uri="{FF2B5EF4-FFF2-40B4-BE49-F238E27FC236}">
-                <a16:creationId xmlns:a16="http://schemas.microsoft.com/office/drawing/2014/main" id="{9356C085-A0B2-4CAD-B8CD-22F8E31F72C7}"/>
-              </a:ext>
-            </a:extLst>
-          </p:cNvPr>
-          <p:cNvSpPr>
-            <a:spLocks noGrp="1"/>
-          </p:cNvSpPr>
-          <p:nvPr>
-            <p:ph idx="16"/>
-          </p:nvPr>
-        </p:nvSpPr>
-        <p:spPr/>
-        <p:txBody>
-          <a:bodyPr/>
-          <a:lstStyle/>
-          <a:p>
-            <a:r>
-              <a:rPr lang="en-ZA" dirty="0"/>
-              <a:t>Lorem </a:t>
-            </a:r>
-            <a:r>
-              <a:rPr lang="en-ZA" noProof="1"/>
-              <a:t>ipsum dolor sit amet, consectetur adipiscing elit. </a:t>
-            </a:r>
-          </a:p>
-          <a:p>
-            <a:r>
-              <a:rPr lang="en-ZA" noProof="1"/>
-              <a:t>Etiam aliquet eu mi quis lacinia. Ut fermentum a magna ut eleifend. Integer convallis suscipit ante eu varius. </a:t>
-            </a:r>
-          </a:p>
-          <a:p>
-            <a:endParaRPr lang="en-ZA" noProof="1"/>
-          </a:p>
-          <a:p>
-            <a:endParaRPr lang="en-ZA" dirty="0"/>
-          </a:p>
-        </p:txBody>
-      </p:sp>
-      <p:sp>
-        <p:nvSpPr>
-          <p:cNvPr id="2" name="Title 1">
-            <a:extLst>
-              <a:ext uri="{FF2B5EF4-FFF2-40B4-BE49-F238E27FC236}">
-                <a16:creationId xmlns:a16="http://schemas.microsoft.com/office/drawing/2014/main" id="{77A3196A-A76D-47F1-A8FB-7438D050CE4B}"/>
-              </a:ext>
-            </a:extLst>
-          </p:cNvPr>
-          <p:cNvSpPr>
-            <a:spLocks noGrp="1"/>
-          </p:cNvSpPr>
-          <p:nvPr>
-            <p:ph type="title"/>
-          </p:nvPr>
-        </p:nvSpPr>
-        <p:spPr/>
-        <p:txBody>
-          <a:bodyPr/>
-          <a:lstStyle/>
-          <a:p>
-            <a:r>
-              <a:rPr lang="en-ZA" dirty="0"/>
-              <a:t>Growth Strategy</a:t>
-            </a:r>
-          </a:p>
-        </p:txBody>
-      </p:sp>
-      <p:sp>
-        <p:nvSpPr>
-          <p:cNvPr id="3" name="Slide Number Placeholder 2">
-            <a:extLst>
-              <a:ext uri="{FF2B5EF4-FFF2-40B4-BE49-F238E27FC236}">
-                <a16:creationId xmlns:a16="http://schemas.microsoft.com/office/drawing/2014/main" id="{91156343-8474-456D-AFB4-0D3E683B5C8F}"/>
-              </a:ext>
-            </a:extLst>
-          </p:cNvPr>
-          <p:cNvSpPr>
-            <a:spLocks noGrp="1"/>
-          </p:cNvSpPr>
-          <p:nvPr>
-            <p:ph type="sldNum" sz="quarter" idx="20"/>
-          </p:nvPr>
-        </p:nvSpPr>
-        <p:spPr/>
-        <p:txBody>
-          <a:bodyPr/>
-          <a:lstStyle/>
-          <a:p>
-            <a:r>
-              <a:rPr lang="en-ZA" dirty="0"/>
-              <a:t>page </a:t>
-            </a:r>
-            <a:fld id="{19B51A1E-902D-48AF-9020-955120F399B6}" type="slidenum">
-              <a:rPr lang="en-ZA" smtClean="0"/>
-              <a:pPr/>
-              <a:t>8</a:t>
-            </a:fld>
-            <a:endParaRPr lang="en-ZA" dirty="0"/>
-          </a:p>
-        </p:txBody>
-      </p:sp>
-      <p:sp>
-        <p:nvSpPr>
-          <p:cNvPr id="4" name="Text Placeholder 3">
-            <a:extLst>
-              <a:ext uri="{FF2B5EF4-FFF2-40B4-BE49-F238E27FC236}">
-                <a16:creationId xmlns:a16="http://schemas.microsoft.com/office/drawing/2014/main" id="{4BBB1AB1-BCAC-49C5-AF28-BBDC686990F9}"/>
-              </a:ext>
-            </a:extLst>
-          </p:cNvPr>
-          <p:cNvSpPr>
-            <a:spLocks noGrp="1"/>
-          </p:cNvSpPr>
-          <p:nvPr>
-            <p:ph type="body" sz="quarter" idx="13"/>
-          </p:nvPr>
-        </p:nvSpPr>
-        <p:spPr/>
-        <p:txBody>
-          <a:bodyPr/>
-          <a:lstStyle/>
-          <a:p>
-            <a:r>
-              <a:rPr lang="en-ZA" dirty="0"/>
-              <a:t>How will we scale in the future</a:t>
-            </a:r>
-          </a:p>
-        </p:txBody>
-      </p:sp>
-      <p:sp>
-        <p:nvSpPr>
-          <p:cNvPr id="8" name="Content Placeholder 7">
-            <a:extLst>
-              <a:ext uri="{FF2B5EF4-FFF2-40B4-BE49-F238E27FC236}">
-                <a16:creationId xmlns:a16="http://schemas.microsoft.com/office/drawing/2014/main" id="{AD5B11C5-EB75-4884-ADDC-73EA04FE9FCE}"/>
-              </a:ext>
-            </a:extLst>
-          </p:cNvPr>
-          <p:cNvSpPr>
-            <a:spLocks noGrp="1"/>
-          </p:cNvSpPr>
-          <p:nvPr>
-            <p:ph idx="21"/>
-          </p:nvPr>
-        </p:nvSpPr>
-        <p:spPr/>
-        <p:txBody>
-          <a:bodyPr/>
-          <a:lstStyle/>
-          <a:p>
-            <a:r>
-              <a:rPr lang="en-ZA" dirty="0"/>
-              <a:t>Phase 1</a:t>
-            </a:r>
-            <a:br>
-              <a:rPr lang="en-ZA" dirty="0"/>
-            </a:br>
-            <a:r>
-              <a:rPr lang="en-ZA" sz="1800" b="0" dirty="0"/>
-              <a:t>Month, Year</a:t>
-            </a:r>
-            <a:endParaRPr lang="en-ZA" b="0" dirty="0"/>
-          </a:p>
-        </p:txBody>
-      </p:sp>
-      <p:sp>
-        <p:nvSpPr>
-          <p:cNvPr id="9" name="Content Placeholder 8">
-            <a:extLst>
-              <a:ext uri="{FF2B5EF4-FFF2-40B4-BE49-F238E27FC236}">
-                <a16:creationId xmlns:a16="http://schemas.microsoft.com/office/drawing/2014/main" id="{C1931C4D-A892-4FF3-8E0D-09189255CCF9}"/>
-              </a:ext>
-            </a:extLst>
-          </p:cNvPr>
-          <p:cNvSpPr>
-            <a:spLocks noGrp="1"/>
-          </p:cNvSpPr>
-          <p:nvPr>
-            <p:ph idx="22"/>
-          </p:nvPr>
-        </p:nvSpPr>
-        <p:spPr/>
-        <p:txBody>
-          <a:bodyPr/>
-          <a:lstStyle/>
-          <a:p>
-            <a:r>
-              <a:rPr lang="en-ZA" dirty="0"/>
-              <a:t>Phase 2</a:t>
-            </a:r>
-            <a:br>
-              <a:rPr lang="en-ZA" dirty="0"/>
-            </a:br>
-            <a:r>
-              <a:rPr lang="en-ZA" sz="1800" b="0" dirty="0"/>
-              <a:t>Month, Year</a:t>
-            </a:r>
-            <a:endParaRPr lang="en-ZA" b="0" dirty="0"/>
-          </a:p>
-        </p:txBody>
-      </p:sp>
-      <p:sp>
-        <p:nvSpPr>
-          <p:cNvPr id="10" name="Content Placeholder 9">
-            <a:extLst>
-              <a:ext uri="{FF2B5EF4-FFF2-40B4-BE49-F238E27FC236}">
-                <a16:creationId xmlns:a16="http://schemas.microsoft.com/office/drawing/2014/main" id="{09A5516D-8C31-4428-AF93-D3D26BBCBCDF}"/>
-              </a:ext>
-            </a:extLst>
-          </p:cNvPr>
-          <p:cNvSpPr>
-            <a:spLocks noGrp="1"/>
-          </p:cNvSpPr>
-          <p:nvPr>
-            <p:ph idx="23"/>
-          </p:nvPr>
-        </p:nvSpPr>
-        <p:spPr/>
-        <p:txBody>
-          <a:bodyPr/>
-          <a:lstStyle/>
-          <a:p>
-            <a:r>
-              <a:rPr lang="en-ZA" dirty="0"/>
-              <a:t>Phase 3</a:t>
-            </a:r>
-            <a:br>
-              <a:rPr lang="en-ZA" dirty="0"/>
-            </a:br>
-            <a:r>
-              <a:rPr lang="en-ZA" sz="1800" b="0" dirty="0"/>
-              <a:t>Month, Year</a:t>
-            </a:r>
-            <a:endParaRPr lang="en-ZA" b="0" dirty="0"/>
-          </a:p>
-        </p:txBody>
-      </p:sp>
-    </p:spTree>
-    <p:extLst>
-      <p:ext uri="{BB962C8B-B14F-4D97-AF65-F5344CB8AC3E}">
-        <p14:creationId xmlns:p14="http://schemas.microsoft.com/office/powerpoint/2010/main" val="1601389975"/>
-      </p:ext>
-    </p:extLst>
-  </p:cSld>
-  <p:clrMapOvr>
-    <a:masterClrMapping/>
-  </p:clrMapOvr>
-</p:sld>
-</file>
-
-<file path=ppt/slides/slide9.xml><?xml version="1.0" encoding="utf-8"?>
-<p:sld xmlns:a="http://schemas.openxmlformats.org/drawingml/2006/main" xmlns:r="http://schemas.openxmlformats.org/officeDocument/2006/relationships" xmlns:p="http://schemas.openxmlformats.org/presentationml/2006/main" showMasterSp="0">
-  <p:cSld>
-    <p:spTree>
-      <p:nvGrpSpPr>
-        <p:cNvPr id="1" name=""/>
-        <p:cNvGrpSpPr/>
-        <p:nvPr/>
-      </p:nvGrpSpPr>
-      <p:grpSpPr>
-        <a:xfrm>
-          <a:off x="0" y="0"/>
-          <a:ext cx="0" cy="0"/>
-          <a:chOff x="0" y="0"/>
-          <a:chExt cx="0" cy="0"/>
-        </a:xfrm>
-      </p:grpSpPr>
       <p:pic>
         <p:nvPicPr>
           <p:cNvPr id="24" name="Picture Placeholder 23" descr="Profile Photo">
@@ -24997,7 +23860,7 @@
             <a:fld id="{19B51A1E-902D-48AF-9020-955120F399B6}" type="slidenum">
               <a:rPr lang="en-ZA" smtClean="0"/>
               <a:pPr/>
-              <a:t>9</a:t>
+              <a:t>8</a:t>
             </a:fld>
             <a:endParaRPr lang="en-ZA" dirty="0"/>
           </a:p>
@@ -25161,6 +24024,488 @@
     <p:extLst>
       <p:ext uri="{BB962C8B-B14F-4D97-AF65-F5344CB8AC3E}">
         <p14:creationId xmlns:p14="http://schemas.microsoft.com/office/powerpoint/2010/main" val="214253364"/>
+      </p:ext>
+    </p:extLst>
+  </p:cSld>
+  <p:clrMapOvr>
+    <a:masterClrMapping/>
+  </p:clrMapOvr>
+</p:sld>
+</file>
+
+<file path=ppt/slides/slide9.xml><?xml version="1.0" encoding="utf-8"?>
+<p:sld xmlns:a="http://schemas.openxmlformats.org/drawingml/2006/main" xmlns:r="http://schemas.openxmlformats.org/officeDocument/2006/relationships" xmlns:p="http://schemas.openxmlformats.org/presentationml/2006/main" showMasterSp="0">
+  <p:cSld>
+    <p:spTree>
+      <p:nvGrpSpPr>
+        <p:cNvPr id="1" name=""/>
+        <p:cNvGrpSpPr/>
+        <p:nvPr/>
+      </p:nvGrpSpPr>
+      <p:grpSpPr>
+        <a:xfrm>
+          <a:off x="0" y="0"/>
+          <a:ext cx="0" cy="0"/>
+          <a:chOff x="0" y="0"/>
+          <a:chExt cx="0" cy="0"/>
+        </a:xfrm>
+      </p:grpSpPr>
+      <p:sp>
+        <p:nvSpPr>
+          <p:cNvPr id="5" name="Slide Number Placeholder 4">
+            <a:extLst>
+              <a:ext uri="{FF2B5EF4-FFF2-40B4-BE49-F238E27FC236}">
+                <a16:creationId xmlns:a16="http://schemas.microsoft.com/office/drawing/2014/main" id="{1CF390BA-F9E5-4A53-AE84-CFF647158688}"/>
+              </a:ext>
+            </a:extLst>
+          </p:cNvPr>
+          <p:cNvSpPr>
+            <a:spLocks noGrp="1"/>
+          </p:cNvSpPr>
+          <p:nvPr>
+            <p:ph type="sldNum" sz="quarter" idx="12"/>
+          </p:nvPr>
+        </p:nvSpPr>
+        <p:spPr/>
+        <p:txBody>
+          <a:bodyPr/>
+          <a:lstStyle/>
+          <a:p>
+            <a:r>
+              <a:rPr lang="en-ZA" dirty="0"/>
+              <a:t>page </a:t>
+            </a:r>
+            <a:fld id="{19B51A1E-902D-48AF-9020-955120F399B6}" type="slidenum">
+              <a:rPr lang="en-ZA" smtClean="0"/>
+              <a:pPr/>
+              <a:t>9</a:t>
+            </a:fld>
+            <a:endParaRPr lang="en-ZA" dirty="0"/>
+          </a:p>
+        </p:txBody>
+      </p:sp>
+      <p:sp>
+        <p:nvSpPr>
+          <p:cNvPr id="6" name="Content Placeholder 5">
+            <a:extLst>
+              <a:ext uri="{FF2B5EF4-FFF2-40B4-BE49-F238E27FC236}">
+                <a16:creationId xmlns:a16="http://schemas.microsoft.com/office/drawing/2014/main" id="{F9513B8E-BE7A-486A-9F5A-9FEE77C9ED27}"/>
+              </a:ext>
+            </a:extLst>
+          </p:cNvPr>
+          <p:cNvSpPr>
+            <a:spLocks noGrp="1"/>
+          </p:cNvSpPr>
+          <p:nvPr>
+            <p:ph idx="13"/>
+          </p:nvPr>
+        </p:nvSpPr>
+        <p:spPr/>
+        <p:txBody>
+          <a:bodyPr/>
+          <a:lstStyle/>
+          <a:p>
+            <a:r>
+              <a:rPr lang="en-ZA" noProof="1"/>
+              <a:t>We aim to improve the lives of our audience by </a:t>
+            </a:r>
+          </a:p>
+        </p:txBody>
+      </p:sp>
+      <p:sp>
+        <p:nvSpPr>
+          <p:cNvPr id="3" name="Title 2">
+            <a:extLst>
+              <a:ext uri="{FF2B5EF4-FFF2-40B4-BE49-F238E27FC236}">
+                <a16:creationId xmlns:a16="http://schemas.microsoft.com/office/drawing/2014/main" id="{DF5E3BD5-1051-4A50-9F18-DFC536C0E08E}"/>
+              </a:ext>
+            </a:extLst>
+          </p:cNvPr>
+          <p:cNvSpPr>
+            <a:spLocks noGrp="1"/>
+          </p:cNvSpPr>
+          <p:nvPr>
+            <p:ph type="ctrTitle"/>
+          </p:nvPr>
+        </p:nvSpPr>
+        <p:spPr/>
+        <p:txBody>
+          <a:bodyPr/>
+          <a:lstStyle/>
+          <a:p>
+            <a:r>
+              <a:rPr lang="en-ZA" dirty="0"/>
+              <a:t>Summary</a:t>
+            </a:r>
+          </a:p>
+        </p:txBody>
+      </p:sp>
+      <p:sp>
+        <p:nvSpPr>
+          <p:cNvPr id="4" name="Subtitle 3">
+            <a:extLst>
+              <a:ext uri="{FF2B5EF4-FFF2-40B4-BE49-F238E27FC236}">
+                <a16:creationId xmlns:a16="http://schemas.microsoft.com/office/drawing/2014/main" id="{EC56582A-55F9-4B18-95E7-DD8795CF21B9}"/>
+              </a:ext>
+            </a:extLst>
+          </p:cNvPr>
+          <p:cNvSpPr>
+            <a:spLocks noGrp="1"/>
+          </p:cNvSpPr>
+          <p:nvPr>
+            <p:ph type="subTitle" idx="1"/>
+          </p:nvPr>
+        </p:nvSpPr>
+        <p:spPr/>
+        <p:txBody>
+          <a:bodyPr/>
+          <a:lstStyle/>
+          <a:p>
+            <a:r>
+              <a:rPr lang="en-ZA" dirty="0"/>
+              <a:t>Take a step to make their lives better</a:t>
+            </a:r>
+          </a:p>
+        </p:txBody>
+      </p:sp>
+      <p:grpSp>
+        <p:nvGrpSpPr>
+          <p:cNvPr id="12" name="Group 11" descr="decorative element">
+            <a:extLst>
+              <a:ext uri="{FF2B5EF4-FFF2-40B4-BE49-F238E27FC236}">
+                <a16:creationId xmlns:a16="http://schemas.microsoft.com/office/drawing/2014/main" id="{24760C03-A974-4492-8BDC-3A3B1DA41C3B}"/>
+              </a:ext>
+              <a:ext uri="{C183D7F6-B498-43B3-948B-1728B52AA6E4}">
+                <adec:decorative xmlns:adec="http://schemas.microsoft.com/office/drawing/2017/decorative" val="1"/>
+              </a:ext>
+            </a:extLst>
+          </p:cNvPr>
+          <p:cNvGrpSpPr/>
+          <p:nvPr/>
+        </p:nvGrpSpPr>
+        <p:grpSpPr>
+          <a:xfrm>
+            <a:off x="9220200" y="1125275"/>
+            <a:ext cx="2381250" cy="2335471"/>
+            <a:chOff x="1952144" y="833521"/>
+            <a:chExt cx="2846074" cy="2791358"/>
+          </a:xfrm>
+        </p:grpSpPr>
+        <p:sp>
+          <p:nvSpPr>
+            <p:cNvPr id="13" name="Oval 12">
+              <a:extLst>
+                <a:ext uri="{FF2B5EF4-FFF2-40B4-BE49-F238E27FC236}">
+                  <a16:creationId xmlns:a16="http://schemas.microsoft.com/office/drawing/2014/main" id="{82663A09-922C-4254-9D30-7A8E6E2694A8}"/>
+                </a:ext>
+              </a:extLst>
+            </p:cNvPr>
+            <p:cNvSpPr/>
+            <p:nvPr userDrawn="1"/>
+          </p:nvSpPr>
+          <p:spPr>
+            <a:xfrm>
+              <a:off x="3775686" y="2602347"/>
+              <a:ext cx="1022532" cy="1022532"/>
+            </a:xfrm>
+            <a:prstGeom prst="ellipse">
+              <a:avLst/>
+            </a:prstGeom>
+            <a:noFill/>
+            <a:ln w="3175">
+              <a:solidFill>
+                <a:schemeClr val="bg1"/>
+              </a:solidFill>
+            </a:ln>
+            <a:effectLst>
+              <a:glow rad="165100">
+                <a:schemeClr val="bg1">
+                  <a:alpha val="9000"/>
+                </a:schemeClr>
+              </a:glow>
+            </a:effectLst>
+          </p:spPr>
+          <p:style>
+            <a:lnRef idx="2">
+              <a:schemeClr val="accent1">
+                <a:shade val="50000"/>
+              </a:schemeClr>
+            </a:lnRef>
+            <a:fillRef idx="1">
+              <a:schemeClr val="accent1"/>
+            </a:fillRef>
+            <a:effectRef idx="0">
+              <a:schemeClr val="accent1"/>
+            </a:effectRef>
+            <a:fontRef idx="minor">
+              <a:schemeClr val="lt1"/>
+            </a:fontRef>
+          </p:style>
+          <p:txBody>
+            <a:bodyPr rot="0" spcFirstLastPara="0" vertOverflow="overflow" horzOverflow="overflow" vert="horz" wrap="square" lIns="91440" tIns="45720" rIns="91440" bIns="45720" numCol="1" spcCol="0" rtlCol="0" fromWordArt="0" anchor="ctr" anchorCtr="0" forceAA="0" compatLnSpc="1">
+              <a:prstTxWarp prst="textNoShape">
+                <a:avLst/>
+              </a:prstTxWarp>
+              <a:noAutofit/>
+            </a:bodyPr>
+            <a:lstStyle/>
+            <a:p>
+              <a:pPr algn="ctr"/>
+              <a:endParaRPr lang="en-ZA" dirty="0"/>
+            </a:p>
+          </p:txBody>
+        </p:sp>
+        <p:sp>
+          <p:nvSpPr>
+            <p:cNvPr id="14" name="Oval 13">
+              <a:extLst>
+                <a:ext uri="{FF2B5EF4-FFF2-40B4-BE49-F238E27FC236}">
+                  <a16:creationId xmlns:a16="http://schemas.microsoft.com/office/drawing/2014/main" id="{C045C08B-B7E1-453E-BC2E-F22D7AC53DC5}"/>
+                </a:ext>
+              </a:extLst>
+            </p:cNvPr>
+            <p:cNvSpPr/>
+            <p:nvPr userDrawn="1"/>
+          </p:nvSpPr>
+          <p:spPr>
+            <a:xfrm>
+              <a:off x="2172489" y="1005639"/>
+              <a:ext cx="399819" cy="406102"/>
+            </a:xfrm>
+            <a:prstGeom prst="ellipse">
+              <a:avLst/>
+            </a:prstGeom>
+            <a:noFill/>
+            <a:ln w="3175">
+              <a:solidFill>
+                <a:schemeClr val="bg1"/>
+              </a:solidFill>
+            </a:ln>
+            <a:effectLst>
+              <a:glow rad="114300">
+                <a:schemeClr val="bg1">
+                  <a:alpha val="15000"/>
+                </a:schemeClr>
+              </a:glow>
+            </a:effectLst>
+          </p:spPr>
+          <p:style>
+            <a:lnRef idx="2">
+              <a:schemeClr val="accent1">
+                <a:shade val="50000"/>
+              </a:schemeClr>
+            </a:lnRef>
+            <a:fillRef idx="1">
+              <a:schemeClr val="accent1"/>
+            </a:fillRef>
+            <a:effectRef idx="0">
+              <a:schemeClr val="accent1"/>
+            </a:effectRef>
+            <a:fontRef idx="minor">
+              <a:schemeClr val="lt1"/>
+            </a:fontRef>
+          </p:style>
+          <p:txBody>
+            <a:bodyPr rot="0" spcFirstLastPara="0" vertOverflow="overflow" horzOverflow="overflow" vert="horz" wrap="square" lIns="91440" tIns="45720" rIns="91440" bIns="45720" numCol="1" spcCol="0" rtlCol="0" fromWordArt="0" anchor="ctr" anchorCtr="0" forceAA="0" compatLnSpc="1">
+              <a:prstTxWarp prst="textNoShape">
+                <a:avLst/>
+              </a:prstTxWarp>
+              <a:noAutofit/>
+            </a:bodyPr>
+            <a:lstStyle/>
+            <a:p>
+              <a:pPr algn="ctr"/>
+              <a:endParaRPr lang="en-ZA" dirty="0"/>
+            </a:p>
+          </p:txBody>
+        </p:sp>
+        <p:sp>
+          <p:nvSpPr>
+            <p:cNvPr id="15" name="Oval 14">
+              <a:extLst>
+                <a:ext uri="{FF2B5EF4-FFF2-40B4-BE49-F238E27FC236}">
+                  <a16:creationId xmlns:a16="http://schemas.microsoft.com/office/drawing/2014/main" id="{E7A6E3CD-53B5-46DB-988D-203236BF22B0}"/>
+                </a:ext>
+              </a:extLst>
+            </p:cNvPr>
+            <p:cNvSpPr/>
+            <p:nvPr userDrawn="1"/>
+          </p:nvSpPr>
+          <p:spPr>
+            <a:xfrm>
+              <a:off x="4257769" y="3084430"/>
+              <a:ext cx="58366" cy="58366"/>
+            </a:xfrm>
+            <a:prstGeom prst="ellipse">
+              <a:avLst/>
+            </a:prstGeom>
+            <a:gradFill flip="none" rotWithShape="1">
+              <a:gsLst>
+                <a:gs pos="0">
+                  <a:srgbClr val="FFFFFF"/>
+                </a:gs>
+                <a:gs pos="70000">
+                  <a:schemeClr val="accent2">
+                    <a:lumMod val="20000"/>
+                    <a:lumOff val="80000"/>
+                  </a:schemeClr>
+                </a:gs>
+                <a:gs pos="65000">
+                  <a:srgbClr val="F7FFFF"/>
+                </a:gs>
+              </a:gsLst>
+              <a:path path="circle">
+                <a:fillToRect l="50000" t="50000" r="50000" b="50000"/>
+              </a:path>
+              <a:tileRect/>
+            </a:gradFill>
+            <a:ln>
+              <a:noFill/>
+            </a:ln>
+            <a:effectLst>
+              <a:glow rad="165100">
+                <a:schemeClr val="accent2">
+                  <a:satMod val="175000"/>
+                  <a:alpha val="40000"/>
+                </a:schemeClr>
+              </a:glow>
+            </a:effectLst>
+          </p:spPr>
+          <p:style>
+            <a:lnRef idx="2">
+              <a:schemeClr val="accent1">
+                <a:shade val="50000"/>
+              </a:schemeClr>
+            </a:lnRef>
+            <a:fillRef idx="1">
+              <a:schemeClr val="accent1"/>
+            </a:fillRef>
+            <a:effectRef idx="0">
+              <a:schemeClr val="accent1"/>
+            </a:effectRef>
+            <a:fontRef idx="minor">
+              <a:schemeClr val="lt1"/>
+            </a:fontRef>
+          </p:style>
+          <p:txBody>
+            <a:bodyPr rtlCol="0" anchor="ctr"/>
+            <a:lstStyle/>
+            <a:p>
+              <a:pPr algn="ctr"/>
+              <a:endParaRPr lang="en-ZA" dirty="0"/>
+            </a:p>
+          </p:txBody>
+        </p:sp>
+        <p:sp>
+          <p:nvSpPr>
+            <p:cNvPr id="16" name="Oval 15">
+              <a:extLst>
+                <a:ext uri="{FF2B5EF4-FFF2-40B4-BE49-F238E27FC236}">
+                  <a16:creationId xmlns:a16="http://schemas.microsoft.com/office/drawing/2014/main" id="{57E3E48F-4C52-4C35-B945-1A097E0030DC}"/>
+                </a:ext>
+              </a:extLst>
+            </p:cNvPr>
+            <p:cNvSpPr/>
+            <p:nvPr userDrawn="1"/>
+          </p:nvSpPr>
+          <p:spPr>
+            <a:xfrm>
+              <a:off x="1952144" y="833521"/>
+              <a:ext cx="2678654" cy="2720745"/>
+            </a:xfrm>
+            <a:prstGeom prst="ellipse">
+              <a:avLst/>
+            </a:prstGeom>
+            <a:noFill/>
+            <a:ln w="111125">
+              <a:solidFill>
+                <a:schemeClr val="bg1">
+                  <a:alpha val="6000"/>
+                </a:schemeClr>
+              </a:solidFill>
+            </a:ln>
+            <a:effectLst/>
+          </p:spPr>
+          <p:style>
+            <a:lnRef idx="2">
+              <a:schemeClr val="accent1">
+                <a:shade val="50000"/>
+              </a:schemeClr>
+            </a:lnRef>
+            <a:fillRef idx="1">
+              <a:schemeClr val="accent1"/>
+            </a:fillRef>
+            <a:effectRef idx="0">
+              <a:schemeClr val="accent1"/>
+            </a:effectRef>
+            <a:fontRef idx="minor">
+              <a:schemeClr val="lt1"/>
+            </a:fontRef>
+          </p:style>
+          <p:txBody>
+            <a:bodyPr rot="0" spcFirstLastPara="0" vertOverflow="overflow" horzOverflow="overflow" vert="horz" wrap="square" lIns="91440" tIns="45720" rIns="91440" bIns="45720" numCol="1" spcCol="0" rtlCol="0" fromWordArt="0" anchor="ctr" anchorCtr="0" forceAA="0" compatLnSpc="1">
+              <a:prstTxWarp prst="textNoShape">
+                <a:avLst/>
+              </a:prstTxWarp>
+              <a:noAutofit/>
+            </a:bodyPr>
+            <a:lstStyle/>
+            <a:p>
+              <a:pPr algn="ctr"/>
+              <a:endParaRPr lang="en-ZA" dirty="0"/>
+            </a:p>
+          </p:txBody>
+        </p:sp>
+        <p:cxnSp>
+          <p:nvCxnSpPr>
+            <p:cNvPr id="17" name="Straight Connector 16">
+              <a:extLst>
+                <a:ext uri="{FF2B5EF4-FFF2-40B4-BE49-F238E27FC236}">
+                  <a16:creationId xmlns:a16="http://schemas.microsoft.com/office/drawing/2014/main" id="{F5E22542-B340-4287-91C8-BED785B7355D}"/>
+                </a:ext>
+              </a:extLst>
+            </p:cNvPr>
+            <p:cNvCxnSpPr>
+              <a:cxnSpLocks/>
+            </p:cNvCxnSpPr>
+            <p:nvPr userDrawn="1"/>
+          </p:nvCxnSpPr>
+          <p:spPr>
+            <a:xfrm>
+              <a:off x="2085771" y="923049"/>
+              <a:ext cx="2332466" cy="2332466"/>
+            </a:xfrm>
+            <a:prstGeom prst="line">
+              <a:avLst/>
+            </a:prstGeom>
+            <a:ln>
+              <a:solidFill>
+                <a:schemeClr val="bg2">
+                  <a:alpha val="30000"/>
+                </a:schemeClr>
+              </a:solidFill>
+            </a:ln>
+          </p:spPr>
+          <p:style>
+            <a:lnRef idx="1">
+              <a:schemeClr val="accent1"/>
+            </a:lnRef>
+            <a:fillRef idx="0">
+              <a:schemeClr val="accent1"/>
+            </a:fillRef>
+            <a:effectRef idx="0">
+              <a:schemeClr val="accent1"/>
+            </a:effectRef>
+            <a:fontRef idx="minor">
+              <a:schemeClr val="tx1"/>
+            </a:fontRef>
+          </p:style>
+        </p:cxnSp>
+      </p:grpSp>
+    </p:spTree>
+    <p:extLst>
+      <p:ext uri="{BB962C8B-B14F-4D97-AF65-F5344CB8AC3E}">
+        <p14:creationId xmlns:p14="http://schemas.microsoft.com/office/powerpoint/2010/main" val="3190245698"/>
       </p:ext>
     </p:extLst>
   </p:cSld>
@@ -26076,14 +25421,6 @@
 </file>
 
 <file path=customXml/item2.xml><?xml version="1.0" encoding="utf-8"?>
-<p:properties xmlns:p="http://schemas.microsoft.com/office/2006/metadata/properties" xmlns:xsi="http://www.w3.org/2001/XMLSchema-instance" xmlns:pc="http://schemas.microsoft.com/office/infopath/2007/PartnerControls">
-  <documentManagement>
-    <MediaServiceKeyPoints xmlns="71af3243-3dd4-4a8d-8c0d-dd76da1f02a5" xsi:nil="true"/>
-  </documentManagement>
-</p:properties>
-</file>
-
-<file path=customXml/item3.xml><?xml version="1.0" encoding="utf-8"?>
 <ct:contentTypeSchema xmlns:ct="http://schemas.microsoft.com/office/2006/metadata/contentType" xmlns:ma="http://schemas.microsoft.com/office/2006/metadata/properties/metaAttributes" ct:_="" ma:_="" ma:contentTypeName="Document" ma:contentTypeID="0x01010079F111ED35F8CC479449609E8A0923A6" ma:contentTypeVersion="10" ma:contentTypeDescription="Create a new document." ma:contentTypeScope="" ma:versionID="e39e7e9e36de66d473ce04bb4ab2dbb8">
   <xsd:schema xmlns:xsd="http://www.w3.org/2001/XMLSchema" xmlns:xs="http://www.w3.org/2001/XMLSchema" xmlns:p="http://schemas.microsoft.com/office/2006/metadata/properties" xmlns:ns2="71af3243-3dd4-4a8d-8c0d-dd76da1f02a5" xmlns:ns3="16c05727-aa75-4e4a-9b5f-8a80a1165891" targetNamespace="http://schemas.microsoft.com/office/2006/metadata/properties" ma:root="true" ma:fieldsID="19dc5994665da46609c24125788630d8" ns2:_="" ns3:_="">
     <xsd:import namespace="71af3243-3dd4-4a8d-8c0d-dd76da1f02a5"/>
@@ -26288,6 +25625,14 @@
 </ct:contentTypeSchema>
 </file>
 
+<file path=customXml/item3.xml><?xml version="1.0" encoding="utf-8"?>
+<p:properties xmlns:p="http://schemas.microsoft.com/office/2006/metadata/properties" xmlns:xsi="http://www.w3.org/2001/XMLSchema-instance" xmlns:pc="http://schemas.microsoft.com/office/infopath/2007/PartnerControls">
+  <documentManagement>
+    <MediaServiceKeyPoints xmlns="71af3243-3dd4-4a8d-8c0d-dd76da1f02a5" xsi:nil="true"/>
+  </documentManagement>
+</p:properties>
+</file>
+
 <file path=customXml/itemProps1.xml><?xml version="1.0" encoding="utf-8"?>
 <ds:datastoreItem xmlns:ds="http://schemas.openxmlformats.org/officeDocument/2006/customXml" ds:itemID="{80BB2B2B-C092-4034-8027-ED80E70B81A9}">
   <ds:schemaRefs>
@@ -26297,23 +25642,6 @@
 </file>
 
 <file path=customXml/itemProps2.xml><?xml version="1.0" encoding="utf-8"?>
-<ds:datastoreItem xmlns:ds="http://schemas.openxmlformats.org/officeDocument/2006/customXml" ds:itemID="{9A2E6E59-6E17-40F8-B412-65DEC6629148}">
-  <ds:schemaRefs>
-    <ds:schemaRef ds:uri="http://purl.org/dc/terms/"/>
-    <ds:schemaRef ds:uri="http://schemas.openxmlformats.org/package/2006/metadata/core-properties"/>
-    <ds:schemaRef ds:uri="16c05727-aa75-4e4a-9b5f-8a80a1165891"/>
-    <ds:schemaRef ds:uri="http://schemas.microsoft.com/office/2006/documentManagement/types"/>
-    <ds:schemaRef ds:uri="http://schemas.microsoft.com/office/infopath/2007/PartnerControls"/>
-    <ds:schemaRef ds:uri="http://purl.org/dc/elements/1.1/"/>
-    <ds:schemaRef ds:uri="http://schemas.microsoft.com/office/2006/metadata/properties"/>
-    <ds:schemaRef ds:uri="71af3243-3dd4-4a8d-8c0d-dd76da1f02a5"/>
-    <ds:schemaRef ds:uri="http://www.w3.org/XML/1998/namespace"/>
-    <ds:schemaRef ds:uri="http://purl.org/dc/dcmitype/"/>
-  </ds:schemaRefs>
-</ds:datastoreItem>
-</file>
-
-<file path=customXml/itemProps3.xml><?xml version="1.0" encoding="utf-8"?>
 <ds:datastoreItem xmlns:ds="http://schemas.openxmlformats.org/officeDocument/2006/customXml" ds:itemID="{40BD0185-E894-43F5-A381-22FE8094B9A3}">
   <ds:schemaRefs>
     <ds:schemaRef ds:uri="http://schemas.microsoft.com/office/2006/metadata/contentType"/>
@@ -26330,4 +25658,21 @@
     <ds:schemaRef ds:uri="http://schemas.microsoft.com/internal/obd"/>
   </ds:schemaRefs>
 </ds:datastoreItem>
+</file>
+
+<file path=customXml/itemProps3.xml><?xml version="1.0" encoding="utf-8"?>
+<ds:datastoreItem xmlns:ds="http://schemas.openxmlformats.org/officeDocument/2006/customXml" ds:itemID="{9A2E6E59-6E17-40F8-B412-65DEC6629148}">
+  <ds:schemaRefs>
+    <ds:schemaRef ds:uri="http://purl.org/dc/terms/"/>
+    <ds:schemaRef ds:uri="http://schemas.openxmlformats.org/package/2006/metadata/core-properties"/>
+    <ds:schemaRef ds:uri="16c05727-aa75-4e4a-9b5f-8a80a1165891"/>
+    <ds:schemaRef ds:uri="http://schemas.microsoft.com/office/2006/documentManagement/types"/>
+    <ds:schemaRef ds:uri="http://schemas.microsoft.com/office/infopath/2007/PartnerControls"/>
+    <ds:schemaRef ds:uri="http://purl.org/dc/elements/1.1/"/>
+    <ds:schemaRef ds:uri="http://schemas.microsoft.com/office/2006/metadata/properties"/>
+    <ds:schemaRef ds:uri="71af3243-3dd4-4a8d-8c0d-dd76da1f02a5"/>
+    <ds:schemaRef ds:uri="http://www.w3.org/XML/1998/namespace"/>
+    <ds:schemaRef ds:uri="http://purl.org/dc/dcmitype/"/>
+  </ds:schemaRefs>
+</ds:datastoreItem>
 </file>
--- a/PITCH/Pitch.pptx
+++ b/PITCH/Pitch.pptx
@@ -5,22 +5,25 @@
     <p:sldMasterId id="2147483648" r:id="rId4"/>
   </p:sldMasterIdLst>
   <p:notesMasterIdLst>
-    <p:notesMasterId r:id="rId15"/>
+    <p:notesMasterId r:id="rId18"/>
   </p:notesMasterIdLst>
   <p:handoutMasterIdLst>
-    <p:handoutMasterId r:id="rId16"/>
+    <p:handoutMasterId r:id="rId19"/>
   </p:handoutMasterIdLst>
   <p:sldIdLst>
     <p:sldId id="286" r:id="rId5"/>
-    <p:sldId id="260" r:id="rId6"/>
-    <p:sldId id="261" r:id="rId7"/>
-    <p:sldId id="262" r:id="rId8"/>
-    <p:sldId id="263" r:id="rId9"/>
-    <p:sldId id="264" r:id="rId10"/>
-    <p:sldId id="266" r:id="rId11"/>
-    <p:sldId id="277" r:id="rId12"/>
-    <p:sldId id="279" r:id="rId13"/>
-    <p:sldId id="280" r:id="rId14"/>
+    <p:sldId id="287" r:id="rId6"/>
+    <p:sldId id="260" r:id="rId7"/>
+    <p:sldId id="261" r:id="rId8"/>
+    <p:sldId id="289" r:id="rId9"/>
+    <p:sldId id="290" r:id="rId10"/>
+    <p:sldId id="288" r:id="rId11"/>
+    <p:sldId id="262" r:id="rId12"/>
+    <p:sldId id="263" r:id="rId13"/>
+    <p:sldId id="264" r:id="rId14"/>
+    <p:sldId id="277" r:id="rId15"/>
+    <p:sldId id="279" r:id="rId16"/>
+    <p:sldId id="280" r:id="rId17"/>
   </p:sldIdLst>
   <p:sldSz cx="12192000" cy="6858000"/>
   <p:notesSz cx="6858000" cy="9144000"/>
@@ -224,7 +227,7 @@
           <a:p>
             <a:fld id="{EF1077DB-935E-4A0A-947A-D283B9F9F452}" type="datetimeFigureOut">
               <a:rPr lang="en-ZA" smtClean="0"/>
-              <a:t>2018/11/10</a:t>
+              <a:t>2018/11/11</a:t>
             </a:fld>
             <a:endParaRPr lang="en-ZA" dirty="0"/>
           </a:p>
@@ -734,7 +737,7 @@
           <a:p>
             <a:fld id="{EFDDBACE-0F8F-43FD-98F0-DEE13552DADA}" type="slidenum">
               <a:rPr lang="en-ZA" smtClean="0"/>
-              <a:t>10</a:t>
+              <a:t>13</a:t>
             </a:fld>
             <a:endParaRPr lang="en-ZA" dirty="0"/>
           </a:p>
@@ -20226,6 +20229,1341 @@
       </p:grpSpPr>
       <p:sp>
         <p:nvSpPr>
+          <p:cNvPr id="4" name="Slide Number Placeholder 3">
+            <a:extLst>
+              <a:ext uri="{FF2B5EF4-FFF2-40B4-BE49-F238E27FC236}">
+                <a16:creationId xmlns:a16="http://schemas.microsoft.com/office/drawing/2014/main" id="{D3CC57C3-9D13-4E2B-8E1F-6AF5D1A5BE69}"/>
+              </a:ext>
+            </a:extLst>
+          </p:cNvPr>
+          <p:cNvSpPr>
+            <a:spLocks noGrp="1"/>
+          </p:cNvSpPr>
+          <p:nvPr>
+            <p:ph type="sldNum" sz="quarter" idx="50"/>
+          </p:nvPr>
+        </p:nvSpPr>
+        <p:spPr/>
+        <p:txBody>
+          <a:bodyPr/>
+          <a:lstStyle/>
+          <a:p>
+            <a:r>
+              <a:rPr lang="en-ZA" dirty="0"/>
+              <a:t>page </a:t>
+            </a:r>
+            <a:fld id="{19B51A1E-902D-48AF-9020-955120F399B6}" type="slidenum">
+              <a:rPr lang="en-ZA" smtClean="0"/>
+              <a:pPr/>
+              <a:t>10</a:t>
+            </a:fld>
+            <a:endParaRPr lang="en-ZA" dirty="0"/>
+          </a:p>
+        </p:txBody>
+      </p:sp>
+      <p:sp>
+        <p:nvSpPr>
+          <p:cNvPr id="3" name="Title 2">
+            <a:extLst>
+              <a:ext uri="{FF2B5EF4-FFF2-40B4-BE49-F238E27FC236}">
+                <a16:creationId xmlns:a16="http://schemas.microsoft.com/office/drawing/2014/main" id="{362AC071-0624-430C-AEB0-AD3EBFC1CD1D}"/>
+              </a:ext>
+            </a:extLst>
+          </p:cNvPr>
+          <p:cNvSpPr>
+            <a:spLocks noGrp="1"/>
+          </p:cNvSpPr>
+          <p:nvPr>
+            <p:ph type="ctrTitle"/>
+          </p:nvPr>
+        </p:nvSpPr>
+        <p:spPr/>
+        <p:txBody>
+          <a:bodyPr/>
+          <a:lstStyle/>
+          <a:p>
+            <a:r>
+              <a:rPr lang="en-ZA" dirty="0"/>
+              <a:t>How are we different?</a:t>
+            </a:r>
+          </a:p>
+        </p:txBody>
+      </p:sp>
+      <p:sp>
+        <p:nvSpPr>
+          <p:cNvPr id="18" name="Subtitle 17">
+            <a:extLst>
+              <a:ext uri="{FF2B5EF4-FFF2-40B4-BE49-F238E27FC236}">
+                <a16:creationId xmlns:a16="http://schemas.microsoft.com/office/drawing/2014/main" id="{D3532A8A-A0BF-4816-B1FF-73DFB4F6F5D6}"/>
+              </a:ext>
+            </a:extLst>
+          </p:cNvPr>
+          <p:cNvSpPr>
+            <a:spLocks noGrp="1"/>
+          </p:cNvSpPr>
+          <p:nvPr>
+            <p:ph type="subTitle" idx="1"/>
+          </p:nvPr>
+        </p:nvSpPr>
+        <p:spPr/>
+        <p:txBody>
+          <a:bodyPr/>
+          <a:lstStyle/>
+          <a:p>
+            <a:endParaRPr lang="en-ZA" dirty="0"/>
+          </a:p>
+        </p:txBody>
+      </p:sp>
+      <p:pic>
+        <p:nvPicPr>
+          <p:cNvPr id="8" name="Picture Placeholder 7" descr="Picture of a laptop from the top">
+            <a:extLst>
+              <a:ext uri="{FF2B5EF4-FFF2-40B4-BE49-F238E27FC236}">
+                <a16:creationId xmlns:a16="http://schemas.microsoft.com/office/drawing/2014/main" id="{F0CDEBE3-63F4-4845-BE8F-EF94E696570B}"/>
+              </a:ext>
+            </a:extLst>
+          </p:cNvPr>
+          <p:cNvPicPr>
+            <a:picLocks noGrp="1" noChangeAspect="1"/>
+          </p:cNvPicPr>
+          <p:nvPr>
+            <p:ph type="pic" sz="quarter" idx="13"/>
+          </p:nvPr>
+        </p:nvPicPr>
+        <p:blipFill rotWithShape="1">
+          <a:blip r:embed="rId2" cstate="screen">
+            <a:extLst>
+              <a:ext uri="{28A0092B-C50C-407E-A947-70E740481C1C}">
+                <a14:useLocalDpi xmlns:a14="http://schemas.microsoft.com/office/drawing/2010/main"/>
+              </a:ext>
+            </a:extLst>
+          </a:blip>
+          <a:srcRect/>
+          <a:stretch/>
+        </p:blipFill>
+        <p:spPr/>
+      </p:pic>
+      <p:sp>
+        <p:nvSpPr>
+          <p:cNvPr id="5" name="Content Placeholder 4">
+            <a:extLst>
+              <a:ext uri="{FF2B5EF4-FFF2-40B4-BE49-F238E27FC236}">
+                <a16:creationId xmlns:a16="http://schemas.microsoft.com/office/drawing/2014/main" id="{5F606456-BEB8-424C-8C7C-E9B311D7C337}"/>
+              </a:ext>
+            </a:extLst>
+          </p:cNvPr>
+          <p:cNvSpPr>
+            <a:spLocks noGrp="1"/>
+          </p:cNvSpPr>
+          <p:nvPr>
+            <p:ph idx="52"/>
+          </p:nvPr>
+        </p:nvSpPr>
+        <p:spPr/>
+        <p:txBody>
+          <a:bodyPr/>
+          <a:lstStyle/>
+          <a:p>
+            <a:r>
+              <a:rPr lang="en-ZA" dirty="0"/>
+              <a:t>We provide a personalised experience for the user by having voices of their loved ones. </a:t>
+            </a:r>
+          </a:p>
+          <a:p>
+            <a:r>
+              <a:rPr lang="en-ZA" dirty="0"/>
+              <a:t>We have speech exercises to discuss about daily things and  the reducing the aging of dementia.*</a:t>
+            </a:r>
+          </a:p>
+          <a:p>
+            <a:r>
+              <a:rPr lang="en-ZA" noProof="1"/>
+              <a:t>Music Therapy*</a:t>
+            </a:r>
+          </a:p>
+        </p:txBody>
+      </p:sp>
+      <p:sp>
+        <p:nvSpPr>
+          <p:cNvPr id="2" name="TextBox 1">
+            <a:extLst>
+              <a:ext uri="{FF2B5EF4-FFF2-40B4-BE49-F238E27FC236}">
+                <a16:creationId xmlns:a16="http://schemas.microsoft.com/office/drawing/2014/main" id="{71F18B2C-5908-41E0-B1DF-FAFD506BC9DB}"/>
+              </a:ext>
+            </a:extLst>
+          </p:cNvPr>
+          <p:cNvSpPr txBox="1"/>
+          <p:nvPr/>
+        </p:nvSpPr>
+        <p:spPr>
+          <a:xfrm>
+            <a:off x="1064030" y="6433195"/>
+            <a:ext cx="3361909" cy="253916"/>
+          </a:xfrm>
+          <a:prstGeom prst="rect">
+            <a:avLst/>
+          </a:prstGeom>
+          <a:noFill/>
+        </p:spPr>
+        <p:txBody>
+          <a:bodyPr wrap="square" rtlCol="0">
+            <a:spAutoFit/>
+          </a:bodyPr>
+          <a:lstStyle/>
+          <a:p>
+            <a:r>
+              <a:rPr lang="en-US" sz="1050" dirty="0">
+                <a:solidFill>
+                  <a:schemeClr val="bg1"/>
+                </a:solidFill>
+              </a:rPr>
+              <a:t>*In development</a:t>
+            </a:r>
+          </a:p>
+        </p:txBody>
+      </p:sp>
+    </p:spTree>
+    <p:extLst>
+      <p:ext uri="{BB962C8B-B14F-4D97-AF65-F5344CB8AC3E}">
+        <p14:creationId xmlns:p14="http://schemas.microsoft.com/office/powerpoint/2010/main" val="1344647200"/>
+      </p:ext>
+    </p:extLst>
+  </p:cSld>
+  <p:clrMapOvr>
+    <a:masterClrMapping/>
+  </p:clrMapOvr>
+</p:sld>
+</file>
+
+<file path=ppt/slides/slide11.xml><?xml version="1.0" encoding="utf-8"?>
+<p:sld xmlns:a="http://schemas.openxmlformats.org/drawingml/2006/main" xmlns:r="http://schemas.openxmlformats.org/officeDocument/2006/relationships" xmlns:p="http://schemas.openxmlformats.org/presentationml/2006/main" showMasterSp="0">
+  <p:cSld>
+    <p:spTree>
+      <p:nvGrpSpPr>
+        <p:cNvPr id="1" name=""/>
+        <p:cNvGrpSpPr/>
+        <p:nvPr/>
+      </p:nvGrpSpPr>
+      <p:grpSpPr>
+        <a:xfrm>
+          <a:off x="0" y="0"/>
+          <a:ext cx="0" cy="0"/>
+          <a:chOff x="0" y="0"/>
+          <a:chExt cx="0" cy="0"/>
+        </a:xfrm>
+      </p:grpSpPr>
+      <p:pic>
+        <p:nvPicPr>
+          <p:cNvPr id="24" name="Picture Placeholder 23">
+            <a:extLst>
+              <a:ext uri="{FF2B5EF4-FFF2-40B4-BE49-F238E27FC236}">
+                <a16:creationId xmlns:a16="http://schemas.microsoft.com/office/drawing/2014/main" id="{FC371A7F-EE65-4195-86A1-8ECED0B4207A}"/>
+              </a:ext>
+            </a:extLst>
+          </p:cNvPr>
+          <p:cNvPicPr>
+            <a:picLocks noGrp="1" noChangeAspect="1"/>
+          </p:cNvPicPr>
+          <p:nvPr>
+            <p:ph type="pic" sz="quarter" idx="41"/>
+          </p:nvPr>
+        </p:nvPicPr>
+        <p:blipFill>
+          <a:blip r:embed="rId2"/>
+          <a:stretch>
+            <a:fillRect/>
+          </a:stretch>
+        </p:blipFill>
+        <p:spPr>
+          <a:xfrm>
+            <a:off x="624882" y="2256915"/>
+            <a:ext cx="1217130" cy="1215900"/>
+          </a:xfrm>
+        </p:spPr>
+      </p:pic>
+      <p:sp>
+        <p:nvSpPr>
+          <p:cNvPr id="6" name="Text Placeholder 5">
+            <a:extLst>
+              <a:ext uri="{FF2B5EF4-FFF2-40B4-BE49-F238E27FC236}">
+                <a16:creationId xmlns:a16="http://schemas.microsoft.com/office/drawing/2014/main" id="{CA4E43DC-79BE-45E7-A216-2671BD944C67}"/>
+              </a:ext>
+            </a:extLst>
+          </p:cNvPr>
+          <p:cNvSpPr>
+            <a:spLocks noGrp="1"/>
+          </p:cNvSpPr>
+          <p:nvPr>
+            <p:ph type="body" sz="quarter" idx="17"/>
+          </p:nvPr>
+        </p:nvSpPr>
+        <p:spPr/>
+        <p:txBody>
+          <a:bodyPr/>
+          <a:lstStyle/>
+          <a:p>
+            <a:r>
+              <a:rPr lang="en-ZA" dirty="0"/>
+              <a:t>Aditya Dutta</a:t>
+            </a:r>
+          </a:p>
+        </p:txBody>
+      </p:sp>
+      <p:pic>
+        <p:nvPicPr>
+          <p:cNvPr id="26" name="Picture Placeholder 25">
+            <a:extLst>
+              <a:ext uri="{FF2B5EF4-FFF2-40B4-BE49-F238E27FC236}">
+                <a16:creationId xmlns:a16="http://schemas.microsoft.com/office/drawing/2014/main" id="{A83B3A1A-1842-4B27-A578-D179E6A77E14}"/>
+              </a:ext>
+            </a:extLst>
+          </p:cNvPr>
+          <p:cNvPicPr>
+            <a:picLocks noGrp="1" noChangeAspect="1"/>
+          </p:cNvPicPr>
+          <p:nvPr>
+            <p:ph type="pic" sz="quarter" idx="42"/>
+          </p:nvPr>
+        </p:nvPicPr>
+        <p:blipFill>
+          <a:blip r:embed="rId3"/>
+          <a:stretch>
+            <a:fillRect/>
+          </a:stretch>
+        </p:blipFill>
+        <p:spPr>
+          <a:xfrm>
+            <a:off x="4634095" y="2257496"/>
+            <a:ext cx="1217130" cy="1214738"/>
+          </a:xfrm>
+        </p:spPr>
+      </p:pic>
+      <p:sp>
+        <p:nvSpPr>
+          <p:cNvPr id="9" name="Text Placeholder 8">
+            <a:extLst>
+              <a:ext uri="{FF2B5EF4-FFF2-40B4-BE49-F238E27FC236}">
+                <a16:creationId xmlns:a16="http://schemas.microsoft.com/office/drawing/2014/main" id="{52501EAB-3443-481B-9C04-A7B933F36285}"/>
+              </a:ext>
+            </a:extLst>
+          </p:cNvPr>
+          <p:cNvSpPr>
+            <a:spLocks noGrp="1"/>
+          </p:cNvSpPr>
+          <p:nvPr>
+            <p:ph type="body" sz="quarter" idx="49"/>
+          </p:nvPr>
+        </p:nvSpPr>
+        <p:spPr/>
+        <p:txBody>
+          <a:bodyPr/>
+          <a:lstStyle/>
+          <a:p>
+            <a:r>
+              <a:rPr lang="en-ZA" dirty="0"/>
+              <a:t>Ryan </a:t>
+            </a:r>
+          </a:p>
+          <a:p>
+            <a:r>
+              <a:rPr lang="en-ZA" dirty="0"/>
+              <a:t>Guido</a:t>
+            </a:r>
+          </a:p>
+        </p:txBody>
+      </p:sp>
+      <p:pic>
+        <p:nvPicPr>
+          <p:cNvPr id="28" name="Picture Placeholder 27" descr="Profile Photo">
+            <a:extLst>
+              <a:ext uri="{FF2B5EF4-FFF2-40B4-BE49-F238E27FC236}">
+                <a16:creationId xmlns:a16="http://schemas.microsoft.com/office/drawing/2014/main" id="{A0FEAE46-9AE4-4548-A546-E3A75A1EE344}"/>
+              </a:ext>
+            </a:extLst>
+          </p:cNvPr>
+          <p:cNvPicPr>
+            <a:picLocks noGrp="1" noChangeAspect="1"/>
+          </p:cNvPicPr>
+          <p:nvPr>
+            <p:ph type="pic" sz="quarter" idx="43"/>
+          </p:nvPr>
+        </p:nvPicPr>
+        <p:blipFill>
+          <a:blip r:embed="rId4" cstate="screen">
+            <a:grayscl/>
+            <a:extLst>
+              <a:ext uri="{28A0092B-C50C-407E-A947-70E740481C1C}">
+                <a14:useLocalDpi xmlns:a14="http://schemas.microsoft.com/office/drawing/2010/main"/>
+              </a:ext>
+            </a:extLst>
+          </a:blip>
+          <a:srcRect/>
+          <a:stretch>
+            <a:fillRect/>
+          </a:stretch>
+        </p:blipFill>
+        <p:spPr/>
+      </p:pic>
+      <p:sp>
+        <p:nvSpPr>
+          <p:cNvPr id="12" name="Text Placeholder 11">
+            <a:extLst>
+              <a:ext uri="{FF2B5EF4-FFF2-40B4-BE49-F238E27FC236}">
+                <a16:creationId xmlns:a16="http://schemas.microsoft.com/office/drawing/2014/main" id="{E7EDDEA1-898C-4B9E-891D-BE99BDBE1059}"/>
+              </a:ext>
+            </a:extLst>
+          </p:cNvPr>
+          <p:cNvSpPr>
+            <a:spLocks noGrp="1"/>
+          </p:cNvSpPr>
+          <p:nvPr>
+            <p:ph type="body" sz="quarter" idx="51"/>
+          </p:nvPr>
+        </p:nvSpPr>
+        <p:spPr/>
+        <p:txBody>
+          <a:bodyPr/>
+          <a:lstStyle/>
+          <a:p>
+            <a:r>
+              <a:rPr lang="en-ZA" dirty="0"/>
+              <a:t>Robel </a:t>
+            </a:r>
+          </a:p>
+          <a:p>
+            <a:r>
+              <a:rPr lang="en-ZA" dirty="0"/>
+              <a:t>Solomon</a:t>
+            </a:r>
+          </a:p>
+        </p:txBody>
+      </p:sp>
+      <p:pic>
+        <p:nvPicPr>
+          <p:cNvPr id="30" name="Picture Placeholder 29" descr="Profile Photo">
+            <a:extLst>
+              <a:ext uri="{FF2B5EF4-FFF2-40B4-BE49-F238E27FC236}">
+                <a16:creationId xmlns:a16="http://schemas.microsoft.com/office/drawing/2014/main" id="{3FA97161-1437-4446-8F3D-9F9A8F4AA454}"/>
+              </a:ext>
+            </a:extLst>
+          </p:cNvPr>
+          <p:cNvPicPr>
+            <a:picLocks noGrp="1" noChangeAspect="1"/>
+          </p:cNvPicPr>
+          <p:nvPr>
+            <p:ph type="pic" sz="quarter" idx="55"/>
+          </p:nvPr>
+        </p:nvPicPr>
+        <p:blipFill>
+          <a:blip r:embed="rId5" cstate="screen">
+            <a:grayscl/>
+            <a:extLst>
+              <a:ext uri="{28A0092B-C50C-407E-A947-70E740481C1C}">
+                <a14:useLocalDpi xmlns:a14="http://schemas.microsoft.com/office/drawing/2010/main"/>
+              </a:ext>
+            </a:extLst>
+          </a:blip>
+          <a:srcRect/>
+          <a:stretch>
+            <a:fillRect/>
+          </a:stretch>
+        </p:blipFill>
+        <p:spPr/>
+      </p:pic>
+      <p:sp>
+        <p:nvSpPr>
+          <p:cNvPr id="15" name="Text Placeholder 14">
+            <a:extLst>
+              <a:ext uri="{FF2B5EF4-FFF2-40B4-BE49-F238E27FC236}">
+                <a16:creationId xmlns:a16="http://schemas.microsoft.com/office/drawing/2014/main" id="{1A277DA6-6AF7-4645-85B6-E2DD818E96E1}"/>
+              </a:ext>
+            </a:extLst>
+          </p:cNvPr>
+          <p:cNvSpPr>
+            <a:spLocks noGrp="1"/>
+          </p:cNvSpPr>
+          <p:nvPr>
+            <p:ph type="body" sz="quarter" idx="53"/>
+          </p:nvPr>
+        </p:nvSpPr>
+        <p:spPr/>
+        <p:txBody>
+          <a:bodyPr/>
+          <a:lstStyle/>
+          <a:p>
+            <a:r>
+              <a:rPr lang="en-ZA" dirty="0"/>
+              <a:t>Anya</a:t>
+            </a:r>
+          </a:p>
+        </p:txBody>
+      </p:sp>
+      <p:pic>
+        <p:nvPicPr>
+          <p:cNvPr id="32" name="Picture Placeholder 31">
+            <a:extLst>
+              <a:ext uri="{FF2B5EF4-FFF2-40B4-BE49-F238E27FC236}">
+                <a16:creationId xmlns:a16="http://schemas.microsoft.com/office/drawing/2014/main" id="{BBB096B6-0847-4F89-83D8-A1DADF7112F6}"/>
+              </a:ext>
+            </a:extLst>
+          </p:cNvPr>
+          <p:cNvPicPr>
+            <a:picLocks noGrp="1" noChangeAspect="1"/>
+          </p:cNvPicPr>
+          <p:nvPr>
+            <p:ph type="pic" sz="quarter" idx="56"/>
+          </p:nvPr>
+        </p:nvPicPr>
+        <p:blipFill>
+          <a:blip r:embed="rId6"/>
+          <a:stretch>
+            <a:fillRect/>
+          </a:stretch>
+        </p:blipFill>
+        <p:spPr>
+          <a:xfrm>
+            <a:off x="4634095" y="4023015"/>
+            <a:ext cx="1217130" cy="1217130"/>
+          </a:xfrm>
+        </p:spPr>
+      </p:pic>
+      <p:sp>
+        <p:nvSpPr>
+          <p:cNvPr id="18" name="Text Placeholder 17">
+            <a:extLst>
+              <a:ext uri="{FF2B5EF4-FFF2-40B4-BE49-F238E27FC236}">
+                <a16:creationId xmlns:a16="http://schemas.microsoft.com/office/drawing/2014/main" id="{29A93B4B-935D-4D19-8CC5-5D8CC08FD022}"/>
+              </a:ext>
+            </a:extLst>
+          </p:cNvPr>
+          <p:cNvSpPr>
+            <a:spLocks noGrp="1"/>
+          </p:cNvSpPr>
+          <p:nvPr>
+            <p:ph type="body" sz="quarter" idx="58"/>
+          </p:nvPr>
+        </p:nvSpPr>
+        <p:spPr/>
+        <p:txBody>
+          <a:bodyPr/>
+          <a:lstStyle/>
+          <a:p>
+            <a:r>
+              <a:rPr lang="en-ZA" dirty="0"/>
+              <a:t>Andy Liu</a:t>
+            </a:r>
+          </a:p>
+        </p:txBody>
+      </p:sp>
+      <p:sp>
+        <p:nvSpPr>
+          <p:cNvPr id="3" name="Title 2">
+            <a:extLst>
+              <a:ext uri="{FF2B5EF4-FFF2-40B4-BE49-F238E27FC236}">
+                <a16:creationId xmlns:a16="http://schemas.microsoft.com/office/drawing/2014/main" id="{96D7CEBE-50B8-4649-B7B3-12F0A067544E}"/>
+              </a:ext>
+            </a:extLst>
+          </p:cNvPr>
+          <p:cNvSpPr>
+            <a:spLocks noGrp="1"/>
+          </p:cNvSpPr>
+          <p:nvPr>
+            <p:ph type="title"/>
+          </p:nvPr>
+        </p:nvSpPr>
+        <p:spPr/>
+        <p:txBody>
+          <a:bodyPr/>
+          <a:lstStyle/>
+          <a:p>
+            <a:r>
+              <a:rPr lang="en-ZA" dirty="0"/>
+              <a:t>Team</a:t>
+            </a:r>
+          </a:p>
+        </p:txBody>
+      </p:sp>
+      <p:sp>
+        <p:nvSpPr>
+          <p:cNvPr id="2" name="Slide Number Placeholder 1">
+            <a:extLst>
+              <a:ext uri="{FF2B5EF4-FFF2-40B4-BE49-F238E27FC236}">
+                <a16:creationId xmlns:a16="http://schemas.microsoft.com/office/drawing/2014/main" id="{1083AE5C-EF68-4A2B-9566-EDAB608739BA}"/>
+              </a:ext>
+            </a:extLst>
+          </p:cNvPr>
+          <p:cNvSpPr>
+            <a:spLocks noGrp="1"/>
+          </p:cNvSpPr>
+          <p:nvPr>
+            <p:ph type="sldNum" sz="quarter" idx="63"/>
+          </p:nvPr>
+        </p:nvSpPr>
+        <p:spPr/>
+        <p:txBody>
+          <a:bodyPr/>
+          <a:lstStyle/>
+          <a:p>
+            <a:r>
+              <a:rPr lang="en-ZA" dirty="0"/>
+              <a:t>page </a:t>
+            </a:r>
+            <a:fld id="{19B51A1E-902D-48AF-9020-955120F399B6}" type="slidenum">
+              <a:rPr lang="en-ZA" smtClean="0"/>
+              <a:pPr/>
+              <a:t>11</a:t>
+            </a:fld>
+            <a:endParaRPr lang="en-ZA" dirty="0"/>
+          </a:p>
+        </p:txBody>
+      </p:sp>
+      <p:sp>
+        <p:nvSpPr>
+          <p:cNvPr id="65" name="Oval 64" descr="Glowing Orb">
+            <a:extLst>
+              <a:ext uri="{FF2B5EF4-FFF2-40B4-BE49-F238E27FC236}">
+                <a16:creationId xmlns:a16="http://schemas.microsoft.com/office/drawing/2014/main" id="{AD2377F1-9AF2-47EB-9582-454EB0C422F5}"/>
+              </a:ext>
+            </a:extLst>
+          </p:cNvPr>
+          <p:cNvSpPr/>
+          <p:nvPr/>
+        </p:nvSpPr>
+        <p:spPr>
+          <a:xfrm>
+            <a:off x="5601158" y="3321271"/>
+            <a:ext cx="77685" cy="77685"/>
+          </a:xfrm>
+          <a:prstGeom prst="ellipse">
+            <a:avLst/>
+          </a:prstGeom>
+          <a:gradFill flip="none" rotWithShape="1">
+            <a:gsLst>
+              <a:gs pos="0">
+                <a:srgbClr val="FFFFFF"/>
+              </a:gs>
+              <a:gs pos="70000">
+                <a:schemeClr val="accent2">
+                  <a:lumMod val="20000"/>
+                  <a:lumOff val="80000"/>
+                </a:schemeClr>
+              </a:gs>
+              <a:gs pos="65000">
+                <a:srgbClr val="F7FFFF"/>
+              </a:gs>
+            </a:gsLst>
+            <a:path path="circle">
+              <a:fillToRect l="50000" t="50000" r="50000" b="50000"/>
+            </a:path>
+            <a:tileRect/>
+          </a:gradFill>
+          <a:ln>
+            <a:noFill/>
+          </a:ln>
+          <a:effectLst>
+            <a:glow rad="165100">
+              <a:schemeClr val="accent2">
+                <a:satMod val="175000"/>
+                <a:alpha val="40000"/>
+              </a:schemeClr>
+            </a:glow>
+          </a:effectLst>
+        </p:spPr>
+        <p:style>
+          <a:lnRef idx="2">
+            <a:schemeClr val="accent1">
+              <a:shade val="50000"/>
+            </a:schemeClr>
+          </a:lnRef>
+          <a:fillRef idx="1">
+            <a:schemeClr val="accent1"/>
+          </a:fillRef>
+          <a:effectRef idx="0">
+            <a:schemeClr val="accent1"/>
+          </a:effectRef>
+          <a:fontRef idx="minor">
+            <a:schemeClr val="lt1"/>
+          </a:fontRef>
+        </p:style>
+        <p:txBody>
+          <a:bodyPr rtlCol="0" anchor="ctr"/>
+          <a:lstStyle/>
+          <a:p>
+            <a:pPr algn="ctr"/>
+            <a:endParaRPr lang="en-ZA" dirty="0"/>
+          </a:p>
+        </p:txBody>
+      </p:sp>
+      <p:sp>
+        <p:nvSpPr>
+          <p:cNvPr id="5" name="Text Placeholder 4">
+            <a:extLst>
+              <a:ext uri="{FF2B5EF4-FFF2-40B4-BE49-F238E27FC236}">
+                <a16:creationId xmlns:a16="http://schemas.microsoft.com/office/drawing/2014/main" id="{9234578E-DC24-42F6-9B8B-DE8D75174524}"/>
+              </a:ext>
+            </a:extLst>
+          </p:cNvPr>
+          <p:cNvSpPr>
+            <a:spLocks noGrp="1"/>
+          </p:cNvSpPr>
+          <p:nvPr>
+            <p:ph type="body" sz="quarter" idx="18"/>
+          </p:nvPr>
+        </p:nvSpPr>
+        <p:spPr/>
+        <p:txBody>
+          <a:bodyPr/>
+          <a:lstStyle/>
+          <a:p>
+            <a:endParaRPr lang="en-US" dirty="0"/>
+          </a:p>
+        </p:txBody>
+      </p:sp>
+      <p:sp>
+        <p:nvSpPr>
+          <p:cNvPr id="11" name="Text Placeholder 10">
+            <a:extLst>
+              <a:ext uri="{FF2B5EF4-FFF2-40B4-BE49-F238E27FC236}">
+                <a16:creationId xmlns:a16="http://schemas.microsoft.com/office/drawing/2014/main" id="{9176CF76-4DCD-4303-BE4A-9745BC2208F4}"/>
+              </a:ext>
+            </a:extLst>
+          </p:cNvPr>
+          <p:cNvSpPr>
+            <a:spLocks noGrp="1"/>
+          </p:cNvSpPr>
+          <p:nvPr>
+            <p:ph type="body" sz="quarter" idx="54"/>
+          </p:nvPr>
+        </p:nvSpPr>
+        <p:spPr/>
+        <p:txBody>
+          <a:bodyPr/>
+          <a:lstStyle/>
+          <a:p>
+            <a:endParaRPr lang="en-US"/>
+          </a:p>
+        </p:txBody>
+      </p:sp>
+      <p:sp>
+        <p:nvSpPr>
+          <p:cNvPr id="17" name="Text Placeholder 16">
+            <a:extLst>
+              <a:ext uri="{FF2B5EF4-FFF2-40B4-BE49-F238E27FC236}">
+                <a16:creationId xmlns:a16="http://schemas.microsoft.com/office/drawing/2014/main" id="{D312A56A-6705-4275-8FC1-4360C64227F2}"/>
+              </a:ext>
+            </a:extLst>
+          </p:cNvPr>
+          <p:cNvSpPr>
+            <a:spLocks noGrp="1"/>
+          </p:cNvSpPr>
+          <p:nvPr>
+            <p:ph type="body" sz="quarter" idx="50"/>
+          </p:nvPr>
+        </p:nvSpPr>
+        <p:spPr/>
+        <p:txBody>
+          <a:bodyPr/>
+          <a:lstStyle/>
+          <a:p>
+            <a:endParaRPr lang="en-US"/>
+          </a:p>
+        </p:txBody>
+      </p:sp>
+      <p:sp>
+        <p:nvSpPr>
+          <p:cNvPr id="23" name="Text Placeholder 22">
+            <a:extLst>
+              <a:ext uri="{FF2B5EF4-FFF2-40B4-BE49-F238E27FC236}">
+                <a16:creationId xmlns:a16="http://schemas.microsoft.com/office/drawing/2014/main" id="{0F7C9D31-DE82-4030-8EE5-A8467DB41B6F}"/>
+              </a:ext>
+            </a:extLst>
+          </p:cNvPr>
+          <p:cNvSpPr>
+            <a:spLocks noGrp="1"/>
+          </p:cNvSpPr>
+          <p:nvPr>
+            <p:ph type="body" sz="quarter" idx="59"/>
+          </p:nvPr>
+        </p:nvSpPr>
+        <p:spPr/>
+        <p:txBody>
+          <a:bodyPr/>
+          <a:lstStyle/>
+          <a:p>
+            <a:endParaRPr lang="en-US" dirty="0"/>
+          </a:p>
+        </p:txBody>
+      </p:sp>
+      <p:sp>
+        <p:nvSpPr>
+          <p:cNvPr id="27" name="Text Placeholder 26">
+            <a:extLst>
+              <a:ext uri="{FF2B5EF4-FFF2-40B4-BE49-F238E27FC236}">
+                <a16:creationId xmlns:a16="http://schemas.microsoft.com/office/drawing/2014/main" id="{BA3EC9FD-41DE-454C-9C95-66FACBB82FAA}"/>
+              </a:ext>
+            </a:extLst>
+          </p:cNvPr>
+          <p:cNvSpPr>
+            <a:spLocks noGrp="1"/>
+          </p:cNvSpPr>
+          <p:nvPr>
+            <p:ph type="body" sz="quarter" idx="52"/>
+          </p:nvPr>
+        </p:nvSpPr>
+        <p:spPr/>
+        <p:txBody>
+          <a:bodyPr/>
+          <a:lstStyle/>
+          <a:p>
+            <a:endParaRPr lang="en-US"/>
+          </a:p>
+        </p:txBody>
+      </p:sp>
+      <p:sp>
+        <p:nvSpPr>
+          <p:cNvPr id="37" name="Text Placeholder 36">
+            <a:extLst>
+              <a:ext uri="{FF2B5EF4-FFF2-40B4-BE49-F238E27FC236}">
+                <a16:creationId xmlns:a16="http://schemas.microsoft.com/office/drawing/2014/main" id="{DBC21537-3483-4A61-8359-A4652995A7BF}"/>
+              </a:ext>
+            </a:extLst>
+          </p:cNvPr>
+          <p:cNvSpPr>
+            <a:spLocks noGrp="1"/>
+          </p:cNvSpPr>
+          <p:nvPr>
+            <p:ph type="body" sz="quarter" idx="60"/>
+          </p:nvPr>
+        </p:nvSpPr>
+        <p:spPr/>
+        <p:txBody>
+          <a:bodyPr/>
+          <a:lstStyle/>
+          <a:p>
+            <a:endParaRPr lang="en-US"/>
+          </a:p>
+        </p:txBody>
+      </p:sp>
+    </p:spTree>
+    <p:extLst>
+      <p:ext uri="{BB962C8B-B14F-4D97-AF65-F5344CB8AC3E}">
+        <p14:creationId xmlns:p14="http://schemas.microsoft.com/office/powerpoint/2010/main" val="214253364"/>
+      </p:ext>
+    </p:extLst>
+  </p:cSld>
+  <p:clrMapOvr>
+    <a:masterClrMapping/>
+  </p:clrMapOvr>
+</p:sld>
+</file>
+
+<file path=ppt/slides/slide12.xml><?xml version="1.0" encoding="utf-8"?>
+<p:sld xmlns:a="http://schemas.openxmlformats.org/drawingml/2006/main" xmlns:r="http://schemas.openxmlformats.org/officeDocument/2006/relationships" xmlns:p="http://schemas.openxmlformats.org/presentationml/2006/main" showMasterSp="0">
+  <p:cSld>
+    <p:spTree>
+      <p:nvGrpSpPr>
+        <p:cNvPr id="1" name=""/>
+        <p:cNvGrpSpPr/>
+        <p:nvPr/>
+      </p:nvGrpSpPr>
+      <p:grpSpPr>
+        <a:xfrm>
+          <a:off x="0" y="0"/>
+          <a:ext cx="0" cy="0"/>
+          <a:chOff x="0" y="0"/>
+          <a:chExt cx="0" cy="0"/>
+        </a:xfrm>
+      </p:grpSpPr>
+      <p:sp>
+        <p:nvSpPr>
+          <p:cNvPr id="5" name="Slide Number Placeholder 4">
+            <a:extLst>
+              <a:ext uri="{FF2B5EF4-FFF2-40B4-BE49-F238E27FC236}">
+                <a16:creationId xmlns:a16="http://schemas.microsoft.com/office/drawing/2014/main" id="{1CF390BA-F9E5-4A53-AE84-CFF647158688}"/>
+              </a:ext>
+            </a:extLst>
+          </p:cNvPr>
+          <p:cNvSpPr>
+            <a:spLocks noGrp="1"/>
+          </p:cNvSpPr>
+          <p:nvPr>
+            <p:ph type="sldNum" sz="quarter" idx="12"/>
+          </p:nvPr>
+        </p:nvSpPr>
+        <p:spPr/>
+        <p:txBody>
+          <a:bodyPr/>
+          <a:lstStyle/>
+          <a:p>
+            <a:r>
+              <a:rPr lang="en-ZA" dirty="0"/>
+              <a:t>page </a:t>
+            </a:r>
+            <a:fld id="{19B51A1E-902D-48AF-9020-955120F399B6}" type="slidenum">
+              <a:rPr lang="en-ZA" smtClean="0"/>
+              <a:pPr/>
+              <a:t>12</a:t>
+            </a:fld>
+            <a:endParaRPr lang="en-ZA" dirty="0"/>
+          </a:p>
+        </p:txBody>
+      </p:sp>
+      <p:sp>
+        <p:nvSpPr>
+          <p:cNvPr id="6" name="Content Placeholder 5">
+            <a:extLst>
+              <a:ext uri="{FF2B5EF4-FFF2-40B4-BE49-F238E27FC236}">
+                <a16:creationId xmlns:a16="http://schemas.microsoft.com/office/drawing/2014/main" id="{F9513B8E-BE7A-486A-9F5A-9FEE77C9ED27}"/>
+              </a:ext>
+            </a:extLst>
+          </p:cNvPr>
+          <p:cNvSpPr>
+            <a:spLocks noGrp="1"/>
+          </p:cNvSpPr>
+          <p:nvPr>
+            <p:ph idx="13"/>
+          </p:nvPr>
+        </p:nvSpPr>
+        <p:spPr/>
+        <p:txBody>
+          <a:bodyPr/>
+          <a:lstStyle/>
+          <a:p>
+            <a:r>
+              <a:rPr lang="en-ZA" noProof="1"/>
+              <a:t>We aim to improve the lives of our audience by providing them an experience.</a:t>
+            </a:r>
+          </a:p>
+          <a:p>
+            <a:r>
+              <a:rPr lang="en-ZA" noProof="1"/>
+              <a:t> We also focus on UN Sustainable Goal of good health and well being of all humans.</a:t>
+            </a:r>
+          </a:p>
+        </p:txBody>
+      </p:sp>
+      <p:sp>
+        <p:nvSpPr>
+          <p:cNvPr id="3" name="Title 2">
+            <a:extLst>
+              <a:ext uri="{FF2B5EF4-FFF2-40B4-BE49-F238E27FC236}">
+                <a16:creationId xmlns:a16="http://schemas.microsoft.com/office/drawing/2014/main" id="{DF5E3BD5-1051-4A50-9F18-DFC536C0E08E}"/>
+              </a:ext>
+            </a:extLst>
+          </p:cNvPr>
+          <p:cNvSpPr>
+            <a:spLocks noGrp="1"/>
+          </p:cNvSpPr>
+          <p:nvPr>
+            <p:ph type="ctrTitle"/>
+          </p:nvPr>
+        </p:nvSpPr>
+        <p:spPr/>
+        <p:txBody>
+          <a:bodyPr/>
+          <a:lstStyle/>
+          <a:p>
+            <a:r>
+              <a:rPr lang="en-ZA" dirty="0"/>
+              <a:t>Summary</a:t>
+            </a:r>
+          </a:p>
+        </p:txBody>
+      </p:sp>
+      <p:sp>
+        <p:nvSpPr>
+          <p:cNvPr id="4" name="Subtitle 3">
+            <a:extLst>
+              <a:ext uri="{FF2B5EF4-FFF2-40B4-BE49-F238E27FC236}">
+                <a16:creationId xmlns:a16="http://schemas.microsoft.com/office/drawing/2014/main" id="{EC56582A-55F9-4B18-95E7-DD8795CF21B9}"/>
+              </a:ext>
+            </a:extLst>
+          </p:cNvPr>
+          <p:cNvSpPr>
+            <a:spLocks noGrp="1"/>
+          </p:cNvSpPr>
+          <p:nvPr>
+            <p:ph type="subTitle" idx="1"/>
+          </p:nvPr>
+        </p:nvSpPr>
+        <p:spPr/>
+        <p:txBody>
+          <a:bodyPr/>
+          <a:lstStyle/>
+          <a:p>
+            <a:r>
+              <a:rPr lang="en-ZA" dirty="0"/>
+              <a:t>Let’s take a step to make their lives better</a:t>
+            </a:r>
+          </a:p>
+        </p:txBody>
+      </p:sp>
+      <p:grpSp>
+        <p:nvGrpSpPr>
+          <p:cNvPr id="12" name="Group 11" descr="decorative element">
+            <a:extLst>
+              <a:ext uri="{FF2B5EF4-FFF2-40B4-BE49-F238E27FC236}">
+                <a16:creationId xmlns:a16="http://schemas.microsoft.com/office/drawing/2014/main" id="{24760C03-A974-4492-8BDC-3A3B1DA41C3B}"/>
+              </a:ext>
+              <a:ext uri="{C183D7F6-B498-43B3-948B-1728B52AA6E4}">
+                <adec:decorative xmlns:adec="http://schemas.microsoft.com/office/drawing/2017/decorative" val="1"/>
+              </a:ext>
+            </a:extLst>
+          </p:cNvPr>
+          <p:cNvGrpSpPr/>
+          <p:nvPr/>
+        </p:nvGrpSpPr>
+        <p:grpSpPr>
+          <a:xfrm>
+            <a:off x="9220200" y="1125275"/>
+            <a:ext cx="2381250" cy="2335471"/>
+            <a:chOff x="1952144" y="833521"/>
+            <a:chExt cx="2846074" cy="2791358"/>
+          </a:xfrm>
+        </p:grpSpPr>
+        <p:sp>
+          <p:nvSpPr>
+            <p:cNvPr id="13" name="Oval 12">
+              <a:extLst>
+                <a:ext uri="{FF2B5EF4-FFF2-40B4-BE49-F238E27FC236}">
+                  <a16:creationId xmlns:a16="http://schemas.microsoft.com/office/drawing/2014/main" id="{82663A09-922C-4254-9D30-7A8E6E2694A8}"/>
+                </a:ext>
+              </a:extLst>
+            </p:cNvPr>
+            <p:cNvSpPr/>
+            <p:nvPr userDrawn="1"/>
+          </p:nvSpPr>
+          <p:spPr>
+            <a:xfrm>
+              <a:off x="3775686" y="2602347"/>
+              <a:ext cx="1022532" cy="1022532"/>
+            </a:xfrm>
+            <a:prstGeom prst="ellipse">
+              <a:avLst/>
+            </a:prstGeom>
+            <a:noFill/>
+            <a:ln w="3175">
+              <a:solidFill>
+                <a:schemeClr val="bg1"/>
+              </a:solidFill>
+            </a:ln>
+            <a:effectLst>
+              <a:glow rad="165100">
+                <a:schemeClr val="bg1">
+                  <a:alpha val="9000"/>
+                </a:schemeClr>
+              </a:glow>
+            </a:effectLst>
+          </p:spPr>
+          <p:style>
+            <a:lnRef idx="2">
+              <a:schemeClr val="accent1">
+                <a:shade val="50000"/>
+              </a:schemeClr>
+            </a:lnRef>
+            <a:fillRef idx="1">
+              <a:schemeClr val="accent1"/>
+            </a:fillRef>
+            <a:effectRef idx="0">
+              <a:schemeClr val="accent1"/>
+            </a:effectRef>
+            <a:fontRef idx="minor">
+              <a:schemeClr val="lt1"/>
+            </a:fontRef>
+          </p:style>
+          <p:txBody>
+            <a:bodyPr rot="0" spcFirstLastPara="0" vertOverflow="overflow" horzOverflow="overflow" vert="horz" wrap="square" lIns="91440" tIns="45720" rIns="91440" bIns="45720" numCol="1" spcCol="0" rtlCol="0" fromWordArt="0" anchor="ctr" anchorCtr="0" forceAA="0" compatLnSpc="1">
+              <a:prstTxWarp prst="textNoShape">
+                <a:avLst/>
+              </a:prstTxWarp>
+              <a:noAutofit/>
+            </a:bodyPr>
+            <a:lstStyle/>
+            <a:p>
+              <a:pPr algn="ctr"/>
+              <a:endParaRPr lang="en-ZA" dirty="0"/>
+            </a:p>
+          </p:txBody>
+        </p:sp>
+        <p:sp>
+          <p:nvSpPr>
+            <p:cNvPr id="14" name="Oval 13">
+              <a:extLst>
+                <a:ext uri="{FF2B5EF4-FFF2-40B4-BE49-F238E27FC236}">
+                  <a16:creationId xmlns:a16="http://schemas.microsoft.com/office/drawing/2014/main" id="{C045C08B-B7E1-453E-BC2E-F22D7AC53DC5}"/>
+                </a:ext>
+              </a:extLst>
+            </p:cNvPr>
+            <p:cNvSpPr/>
+            <p:nvPr userDrawn="1"/>
+          </p:nvSpPr>
+          <p:spPr>
+            <a:xfrm>
+              <a:off x="2172489" y="1005639"/>
+              <a:ext cx="399819" cy="406102"/>
+            </a:xfrm>
+            <a:prstGeom prst="ellipse">
+              <a:avLst/>
+            </a:prstGeom>
+            <a:noFill/>
+            <a:ln w="3175">
+              <a:solidFill>
+                <a:schemeClr val="bg1"/>
+              </a:solidFill>
+            </a:ln>
+            <a:effectLst>
+              <a:glow rad="114300">
+                <a:schemeClr val="bg1">
+                  <a:alpha val="15000"/>
+                </a:schemeClr>
+              </a:glow>
+            </a:effectLst>
+          </p:spPr>
+          <p:style>
+            <a:lnRef idx="2">
+              <a:schemeClr val="accent1">
+                <a:shade val="50000"/>
+              </a:schemeClr>
+            </a:lnRef>
+            <a:fillRef idx="1">
+              <a:schemeClr val="accent1"/>
+            </a:fillRef>
+            <a:effectRef idx="0">
+              <a:schemeClr val="accent1"/>
+            </a:effectRef>
+            <a:fontRef idx="minor">
+              <a:schemeClr val="lt1"/>
+            </a:fontRef>
+          </p:style>
+          <p:txBody>
+            <a:bodyPr rot="0" spcFirstLastPara="0" vertOverflow="overflow" horzOverflow="overflow" vert="horz" wrap="square" lIns="91440" tIns="45720" rIns="91440" bIns="45720" numCol="1" spcCol="0" rtlCol="0" fromWordArt="0" anchor="ctr" anchorCtr="0" forceAA="0" compatLnSpc="1">
+              <a:prstTxWarp prst="textNoShape">
+                <a:avLst/>
+              </a:prstTxWarp>
+              <a:noAutofit/>
+            </a:bodyPr>
+            <a:lstStyle/>
+            <a:p>
+              <a:pPr algn="ctr"/>
+              <a:endParaRPr lang="en-ZA" dirty="0"/>
+            </a:p>
+          </p:txBody>
+        </p:sp>
+        <p:sp>
+          <p:nvSpPr>
+            <p:cNvPr id="15" name="Oval 14">
+              <a:extLst>
+                <a:ext uri="{FF2B5EF4-FFF2-40B4-BE49-F238E27FC236}">
+                  <a16:creationId xmlns:a16="http://schemas.microsoft.com/office/drawing/2014/main" id="{E7A6E3CD-53B5-46DB-988D-203236BF22B0}"/>
+                </a:ext>
+              </a:extLst>
+            </p:cNvPr>
+            <p:cNvSpPr/>
+            <p:nvPr userDrawn="1"/>
+          </p:nvSpPr>
+          <p:spPr>
+            <a:xfrm>
+              <a:off x="4257769" y="3084430"/>
+              <a:ext cx="58366" cy="58366"/>
+            </a:xfrm>
+            <a:prstGeom prst="ellipse">
+              <a:avLst/>
+            </a:prstGeom>
+            <a:gradFill flip="none" rotWithShape="1">
+              <a:gsLst>
+                <a:gs pos="0">
+                  <a:srgbClr val="FFFFFF"/>
+                </a:gs>
+                <a:gs pos="70000">
+                  <a:schemeClr val="accent2">
+                    <a:lumMod val="20000"/>
+                    <a:lumOff val="80000"/>
+                  </a:schemeClr>
+                </a:gs>
+                <a:gs pos="65000">
+                  <a:srgbClr val="F7FFFF"/>
+                </a:gs>
+              </a:gsLst>
+              <a:path path="circle">
+                <a:fillToRect l="50000" t="50000" r="50000" b="50000"/>
+              </a:path>
+              <a:tileRect/>
+            </a:gradFill>
+            <a:ln>
+              <a:noFill/>
+            </a:ln>
+            <a:effectLst>
+              <a:glow rad="165100">
+                <a:schemeClr val="accent2">
+                  <a:satMod val="175000"/>
+                  <a:alpha val="40000"/>
+                </a:schemeClr>
+              </a:glow>
+            </a:effectLst>
+          </p:spPr>
+          <p:style>
+            <a:lnRef idx="2">
+              <a:schemeClr val="accent1">
+                <a:shade val="50000"/>
+              </a:schemeClr>
+            </a:lnRef>
+            <a:fillRef idx="1">
+              <a:schemeClr val="accent1"/>
+            </a:fillRef>
+            <a:effectRef idx="0">
+              <a:schemeClr val="accent1"/>
+            </a:effectRef>
+            <a:fontRef idx="minor">
+              <a:schemeClr val="lt1"/>
+            </a:fontRef>
+          </p:style>
+          <p:txBody>
+            <a:bodyPr rtlCol="0" anchor="ctr"/>
+            <a:lstStyle/>
+            <a:p>
+              <a:pPr algn="ctr"/>
+              <a:endParaRPr lang="en-ZA" dirty="0"/>
+            </a:p>
+          </p:txBody>
+        </p:sp>
+        <p:sp>
+          <p:nvSpPr>
+            <p:cNvPr id="16" name="Oval 15">
+              <a:extLst>
+                <a:ext uri="{FF2B5EF4-FFF2-40B4-BE49-F238E27FC236}">
+                  <a16:creationId xmlns:a16="http://schemas.microsoft.com/office/drawing/2014/main" id="{57E3E48F-4C52-4C35-B945-1A097E0030DC}"/>
+                </a:ext>
+              </a:extLst>
+            </p:cNvPr>
+            <p:cNvSpPr/>
+            <p:nvPr userDrawn="1"/>
+          </p:nvSpPr>
+          <p:spPr>
+            <a:xfrm>
+              <a:off x="1952144" y="833521"/>
+              <a:ext cx="2678654" cy="2720745"/>
+            </a:xfrm>
+            <a:prstGeom prst="ellipse">
+              <a:avLst/>
+            </a:prstGeom>
+            <a:noFill/>
+            <a:ln w="111125">
+              <a:solidFill>
+                <a:schemeClr val="bg1">
+                  <a:alpha val="6000"/>
+                </a:schemeClr>
+              </a:solidFill>
+            </a:ln>
+            <a:effectLst/>
+          </p:spPr>
+          <p:style>
+            <a:lnRef idx="2">
+              <a:schemeClr val="accent1">
+                <a:shade val="50000"/>
+              </a:schemeClr>
+            </a:lnRef>
+            <a:fillRef idx="1">
+              <a:schemeClr val="accent1"/>
+            </a:fillRef>
+            <a:effectRef idx="0">
+              <a:schemeClr val="accent1"/>
+            </a:effectRef>
+            <a:fontRef idx="minor">
+              <a:schemeClr val="lt1"/>
+            </a:fontRef>
+          </p:style>
+          <p:txBody>
+            <a:bodyPr rot="0" spcFirstLastPara="0" vertOverflow="overflow" horzOverflow="overflow" vert="horz" wrap="square" lIns="91440" tIns="45720" rIns="91440" bIns="45720" numCol="1" spcCol="0" rtlCol="0" fromWordArt="0" anchor="ctr" anchorCtr="0" forceAA="0" compatLnSpc="1">
+              <a:prstTxWarp prst="textNoShape">
+                <a:avLst/>
+              </a:prstTxWarp>
+              <a:noAutofit/>
+            </a:bodyPr>
+            <a:lstStyle/>
+            <a:p>
+              <a:pPr algn="ctr"/>
+              <a:endParaRPr lang="en-ZA" dirty="0"/>
+            </a:p>
+          </p:txBody>
+        </p:sp>
+        <p:cxnSp>
+          <p:nvCxnSpPr>
+            <p:cNvPr id="17" name="Straight Connector 16">
+              <a:extLst>
+                <a:ext uri="{FF2B5EF4-FFF2-40B4-BE49-F238E27FC236}">
+                  <a16:creationId xmlns:a16="http://schemas.microsoft.com/office/drawing/2014/main" id="{F5E22542-B340-4287-91C8-BED785B7355D}"/>
+                </a:ext>
+              </a:extLst>
+            </p:cNvPr>
+            <p:cNvCxnSpPr>
+              <a:cxnSpLocks/>
+            </p:cNvCxnSpPr>
+            <p:nvPr userDrawn="1"/>
+          </p:nvCxnSpPr>
+          <p:spPr>
+            <a:xfrm>
+              <a:off x="2085771" y="923049"/>
+              <a:ext cx="2332466" cy="2332466"/>
+            </a:xfrm>
+            <a:prstGeom prst="line">
+              <a:avLst/>
+            </a:prstGeom>
+            <a:ln>
+              <a:solidFill>
+                <a:schemeClr val="bg2">
+                  <a:alpha val="30000"/>
+                </a:schemeClr>
+              </a:solidFill>
+            </a:ln>
+          </p:spPr>
+          <p:style>
+            <a:lnRef idx="1">
+              <a:schemeClr val="accent1"/>
+            </a:lnRef>
+            <a:fillRef idx="0">
+              <a:schemeClr val="accent1"/>
+            </a:fillRef>
+            <a:effectRef idx="0">
+              <a:schemeClr val="accent1"/>
+            </a:effectRef>
+            <a:fontRef idx="minor">
+              <a:schemeClr val="tx1"/>
+            </a:fontRef>
+          </p:style>
+        </p:cxnSp>
+      </p:grpSp>
+    </p:spTree>
+    <p:extLst>
+      <p:ext uri="{BB962C8B-B14F-4D97-AF65-F5344CB8AC3E}">
+        <p14:creationId xmlns:p14="http://schemas.microsoft.com/office/powerpoint/2010/main" val="3190245698"/>
+      </p:ext>
+    </p:extLst>
+  </p:cSld>
+  <p:clrMapOvr>
+    <a:masterClrMapping/>
+  </p:clrMapOvr>
+</p:sld>
+</file>
+
+<file path=ppt/slides/slide13.xml><?xml version="1.0" encoding="utf-8"?>
+<p:sld xmlns:a="http://schemas.openxmlformats.org/drawingml/2006/main" xmlns:r="http://schemas.openxmlformats.org/officeDocument/2006/relationships" xmlns:p="http://schemas.openxmlformats.org/presentationml/2006/main" showMasterSp="0">
+  <p:cSld>
+    <p:spTree>
+      <p:nvGrpSpPr>
+        <p:cNvPr id="1" name=""/>
+        <p:cNvGrpSpPr/>
+        <p:nvPr/>
+      </p:nvGrpSpPr>
+      <p:grpSpPr>
+        <a:xfrm>
+          <a:off x="0" y="0"/>
+          <a:ext cx="0" cy="0"/>
+          <a:chOff x="0" y="0"/>
+          <a:chExt cx="0" cy="0"/>
+        </a:xfrm>
+      </p:grpSpPr>
+      <p:sp>
+        <p:nvSpPr>
           <p:cNvPr id="30" name="Rectangle 29" title="Overlay Graphic">
             <a:extLst>
               <a:ext uri="{FF2B5EF4-FFF2-40B4-BE49-F238E27FC236}">
@@ -20521,6 +21859,69 @@
 </file>
 
 <file path=ppt/slides/slide2.xml><?xml version="1.0" encoding="utf-8"?>
+<p:sld xmlns:a="http://schemas.openxmlformats.org/drawingml/2006/main" xmlns:r="http://schemas.openxmlformats.org/officeDocument/2006/relationships" xmlns:p="http://schemas.openxmlformats.org/presentationml/2006/main">
+  <p:cSld>
+    <p:spTree>
+      <p:nvGrpSpPr>
+        <p:cNvPr id="1" name=""/>
+        <p:cNvGrpSpPr/>
+        <p:nvPr/>
+      </p:nvGrpSpPr>
+      <p:grpSpPr>
+        <a:xfrm>
+          <a:off x="0" y="0"/>
+          <a:ext cx="0" cy="0"/>
+          <a:chOff x="0" y="0"/>
+          <a:chExt cx="0" cy="0"/>
+        </a:xfrm>
+      </p:grpSpPr>
+      <p:sp>
+        <p:nvSpPr>
+          <p:cNvPr id="5" name="Title 4">
+            <a:extLst>
+              <a:ext uri="{FF2B5EF4-FFF2-40B4-BE49-F238E27FC236}">
+                <a16:creationId xmlns:a16="http://schemas.microsoft.com/office/drawing/2014/main" id="{30E76520-BCE7-4E33-8D1A-98AFF32657B8}"/>
+              </a:ext>
+            </a:extLst>
+          </p:cNvPr>
+          <p:cNvSpPr>
+            <a:spLocks noGrp="1"/>
+          </p:cNvSpPr>
+          <p:nvPr>
+            <p:ph type="title"/>
+          </p:nvPr>
+        </p:nvSpPr>
+        <p:spPr>
+          <a:xfrm>
+            <a:off x="841633" y="1995055"/>
+            <a:ext cx="10508733" cy="3217025"/>
+          </a:xfrm>
+        </p:spPr>
+        <p:txBody>
+          <a:bodyPr/>
+          <a:lstStyle/>
+          <a:p>
+            <a:r>
+              <a:rPr lang="en-US" sz="2400" b="0" dirty="0"/>
+              <a:t>THE BRAIN IS  ONE OF  YOUR  MOST  VITAL ORGANS.  IT  PLAYS  A  ROLE IN EVERY ACTION AND EVERY  THOUGHT, AND JUST LIKE  THE REST OF  YOUR BODY, IT NEEDS  TO  BE LOOKED  AFTER.</a:t>
+            </a:r>
+          </a:p>
+        </p:txBody>
+      </p:sp>
+    </p:spTree>
+    <p:extLst>
+      <p:ext uri="{BB962C8B-B14F-4D97-AF65-F5344CB8AC3E}">
+        <p14:creationId xmlns:p14="http://schemas.microsoft.com/office/powerpoint/2010/main" val="780008749"/>
+      </p:ext>
+    </p:extLst>
+  </p:cSld>
+  <p:clrMapOvr>
+    <a:masterClrMapping/>
+  </p:clrMapOvr>
+</p:sld>
+</file>
+
+<file path=ppt/slides/slide3.xml><?xml version="1.0" encoding="utf-8"?>
 <p:sld xmlns:a="http://schemas.openxmlformats.org/drawingml/2006/main" xmlns:r="http://schemas.openxmlformats.org/officeDocument/2006/relationships" xmlns:p="http://schemas.openxmlformats.org/presentationml/2006/main" showMasterSp="0">
   <p:cSld>
     <p:spTree>
@@ -20565,7 +21966,7 @@
             <a:fld id="{19B51A1E-902D-48AF-9020-955120F399B6}" type="slidenum">
               <a:rPr lang="en-ZA" smtClean="0"/>
               <a:pPr/>
-              <a:t>2</a:t>
+              <a:t>3</a:t>
             </a:fld>
             <a:endParaRPr lang="en-ZA" dirty="0"/>
           </a:p>
@@ -20598,6 +21999,12 @@
             </a:r>
           </a:p>
           <a:p>
+            <a:r>
+              <a:rPr lang="en-ZA" dirty="0"/>
+              <a:t>We have attempted to build a system with a vision to impact the well being of dementia patients.</a:t>
+            </a:r>
+          </a:p>
+          <a:p>
             <a:endParaRPr lang="en-ZA" noProof="1"/>
           </a:p>
           <a:p>
@@ -20661,7 +22068,7 @@
           <a:p>
             <a:r>
               <a:rPr lang="en-ZA" noProof="1"/>
-              <a:t>Baby</a:t>
+              <a:t>bostonSacks</a:t>
             </a:r>
           </a:p>
         </p:txBody>
@@ -21261,7 +22668,7 @@
 </p:sld>
 </file>
 
-<file path=ppt/slides/slide3.xml><?xml version="1.0" encoding="utf-8"?>
+<file path=ppt/slides/slide4.xml><?xml version="1.0" encoding="utf-8"?>
 <p:sld xmlns:a="http://schemas.openxmlformats.org/drawingml/2006/main" xmlns:r="http://schemas.openxmlformats.org/officeDocument/2006/relationships" xmlns:p="http://schemas.openxmlformats.org/presentationml/2006/main" showMasterSp="0">
   <p:cSld>
     <p:spTree>
@@ -21384,7 +22791,7 @@
           <a:p>
             <a:r>
               <a:rPr lang="en-US" sz="1200" dirty="0"/>
-              <a:t>Learning how to utilize IoT devices to realize the dream of the smart home. </a:t>
+              <a:t>Learning how to utilize IoT devices to make daily life smarter. </a:t>
             </a:r>
           </a:p>
           <a:p>
@@ -21532,7 +22939,7 @@
           <a:p>
             <a:r>
               <a:rPr lang="en-US" sz="1200" dirty="0"/>
-              <a:t>Cost of average expenses included $273 per month, spent on medical supplies.</a:t>
+              <a:t>$341,840 is the estimated lifetime cost of care for an individual living with dementia</a:t>
             </a:r>
           </a:p>
         </p:txBody>
@@ -21565,7 +22972,7 @@
             <a:fld id="{19B51A1E-902D-48AF-9020-955120F399B6}" type="slidenum">
               <a:rPr lang="en-ZA" smtClean="0"/>
               <a:pPr/>
-              <a:t>3</a:t>
+              <a:t>4</a:t>
             </a:fld>
             <a:endParaRPr lang="en-ZA" dirty="0"/>
           </a:p>
@@ -21676,8 +23083,8 @@
 </p:sld>
 </file>
 
-<file path=ppt/slides/slide4.xml><?xml version="1.0" encoding="utf-8"?>
-<p:sld xmlns:a="http://schemas.openxmlformats.org/drawingml/2006/main" xmlns:r="http://schemas.openxmlformats.org/officeDocument/2006/relationships" xmlns:p="http://schemas.openxmlformats.org/presentationml/2006/main" showMasterSp="0">
+<file path=ppt/slides/slide5.xml><?xml version="1.0" encoding="utf-8"?>
+<p:sld xmlns:a="http://schemas.openxmlformats.org/drawingml/2006/main" xmlns:r="http://schemas.openxmlformats.org/officeDocument/2006/relationships" xmlns:p="http://schemas.openxmlformats.org/presentationml/2006/main">
   <p:cSld>
     <p:spTree>
       <p:nvGrpSpPr>
@@ -21695,10 +23102,10 @@
       </p:grpSpPr>
       <p:pic>
         <p:nvPicPr>
-          <p:cNvPr id="27" name="Picture Placeholder 26" descr="Teacher">
-            <a:extLst>
-              <a:ext uri="{FF2B5EF4-FFF2-40B4-BE49-F238E27FC236}">
-                <a16:creationId xmlns:a16="http://schemas.microsoft.com/office/drawing/2014/main" id="{EF145220-68FE-4BC3-8DF6-074CABEAC097}"/>
+          <p:cNvPr id="20" name="Content Placeholder 19">
+            <a:extLst>
+              <a:ext uri="{FF2B5EF4-FFF2-40B4-BE49-F238E27FC236}">
+                <a16:creationId xmlns:a16="http://schemas.microsoft.com/office/drawing/2014/main" id="{100FBF79-892C-4ECE-B217-1FDE3F784D55}"/>
               </a:ext>
             </a:extLst>
           </p:cNvPr>
@@ -21706,41 +23113,38 @@
             <a:picLocks noGrp="1" noChangeAspect="1"/>
           </p:cNvPicPr>
           <p:nvPr>
-            <p:ph type="pic" sz="quarter" idx="45"/>
+            <p:ph idx="1"/>
           </p:nvPr>
         </p:nvPicPr>
-        <p:blipFill>
-          <a:blip r:embed="rId2">
-            <a:extLst>
-              <a:ext uri="{28A0092B-C50C-407E-A947-70E740481C1C}">
-                <a14:useLocalDpi xmlns:a14="http://schemas.microsoft.com/office/drawing/2010/main"/>
-              </a:ext>
-              <a:ext uri="{96DAC541-7B7A-43D3-8B79-37D633B846F1}">
-                <asvg:svgBlip xmlns:asvg="http://schemas.microsoft.com/office/drawing/2016/SVG/main" r:embed="rId3"/>
-              </a:ext>
-            </a:extLst>
-          </a:blip>
-          <a:srcRect/>
-          <a:stretch>
-            <a:fillRect/>
-          </a:stretch>
+        <p:blipFill rotWithShape="1">
+          <a:blip r:embed="rId2"/>
+          <a:srcRect l="12787" t="4678" r="12416" b="6565"/>
+          <a:stretch/>
         </p:blipFill>
-        <p:spPr/>
+        <p:spPr>
+          <a:xfrm>
+            <a:off x="1429789" y="1072342"/>
+            <a:ext cx="8321039" cy="5554243"/>
+          </a:xfrm>
+          <a:prstGeom prst="rect">
+            <a:avLst/>
+          </a:prstGeom>
+        </p:spPr>
       </p:pic>
       <p:sp>
         <p:nvSpPr>
-          <p:cNvPr id="6" name="Text Placeholder 5">
-            <a:extLst>
-              <a:ext uri="{FF2B5EF4-FFF2-40B4-BE49-F238E27FC236}">
-                <a16:creationId xmlns:a16="http://schemas.microsoft.com/office/drawing/2014/main" id="{1D5F34C1-576F-4BF7-8C9C-D507F213AE68}"/>
-              </a:ext>
-            </a:extLst>
-          </p:cNvPr>
-          <p:cNvSpPr>
-            <a:spLocks noGrp="1"/>
-          </p:cNvSpPr>
-          <p:nvPr>
-            <p:ph type="body" sz="quarter" idx="17"/>
+          <p:cNvPr id="12" name="Slide Number Placeholder 11">
+            <a:extLst>
+              <a:ext uri="{FF2B5EF4-FFF2-40B4-BE49-F238E27FC236}">
+                <a16:creationId xmlns:a16="http://schemas.microsoft.com/office/drawing/2014/main" id="{D2A6D002-91F2-473A-8867-83CBFDA54190}"/>
+              </a:ext>
+            </a:extLst>
+          </p:cNvPr>
+          <p:cNvSpPr>
+            <a:spLocks noGrp="1"/>
+          </p:cNvSpPr>
+          <p:nvPr>
+            <p:ph type="sldNum" sz="quarter" idx="13"/>
           </p:nvPr>
         </p:nvSpPr>
         <p:spPr/>
@@ -21749,358 +23153,56 @@
           <a:lstStyle/>
           <a:p>
             <a:r>
-              <a:rPr lang="en-ZA" dirty="0"/>
-              <a:t>Prioritize</a:t>
-            </a:r>
-          </a:p>
-        </p:txBody>
-      </p:sp>
-      <p:sp>
-        <p:nvSpPr>
-          <p:cNvPr id="7" name="Text Placeholder 6">
-            <a:extLst>
-              <a:ext uri="{FF2B5EF4-FFF2-40B4-BE49-F238E27FC236}">
-                <a16:creationId xmlns:a16="http://schemas.microsoft.com/office/drawing/2014/main" id="{FBE93992-F65E-48D7-971D-FA51E969BEFE}"/>
-              </a:ext>
-            </a:extLst>
-          </p:cNvPr>
-          <p:cNvSpPr>
-            <a:spLocks noGrp="1"/>
-          </p:cNvSpPr>
-          <p:nvPr>
-            <p:ph type="body" sz="quarter" idx="18"/>
-          </p:nvPr>
-        </p:nvSpPr>
-        <p:spPr/>
+              <a:rPr lang="en-ZA"/>
+              <a:t>page </a:t>
+            </a:r>
+            <a:fld id="{19B51A1E-902D-48AF-9020-955120F399B6}" type="slidenum">
+              <a:rPr lang="en-ZA" b="1" i="1" smtClean="0"/>
+              <a:pPr/>
+              <a:t>5</a:t>
+            </a:fld>
+            <a:endParaRPr lang="en-ZA" b="1" i="1" dirty="0"/>
+          </a:p>
+        </p:txBody>
+      </p:sp>
+      <p:sp>
+        <p:nvSpPr>
+          <p:cNvPr id="18" name="Title 17">
+            <a:extLst>
+              <a:ext uri="{FF2B5EF4-FFF2-40B4-BE49-F238E27FC236}">
+                <a16:creationId xmlns:a16="http://schemas.microsoft.com/office/drawing/2014/main" id="{A711C21A-0DB4-46B1-96C0-8439BEC3EDB7}"/>
+              </a:ext>
+            </a:extLst>
+          </p:cNvPr>
+          <p:cNvSpPr>
+            <a:spLocks noGrp="1"/>
+          </p:cNvSpPr>
+          <p:nvPr>
+            <p:ph type="title"/>
+          </p:nvPr>
+        </p:nvSpPr>
+        <p:spPr>
+          <a:xfrm>
+            <a:off x="601682" y="432000"/>
+            <a:ext cx="10999768" cy="432000"/>
+          </a:xfrm>
+        </p:spPr>
         <p:txBody>
           <a:bodyPr/>
           <a:lstStyle/>
           <a:p>
-            <a:r>
-              <a:rPr lang="en-ZA" dirty="0"/>
-              <a:t>Reminding dementia patients about daily tasks</a:t>
-            </a:r>
-            <a:endParaRPr lang="en-ZA" noProof="1"/>
-          </a:p>
-          <a:p>
-            <a:endParaRPr lang="en-ZA" dirty="0"/>
-          </a:p>
-        </p:txBody>
-      </p:sp>
-      <p:pic>
-        <p:nvPicPr>
-          <p:cNvPr id="29" name="Picture Placeholder 28" descr="Lecturer">
-            <a:extLst>
-              <a:ext uri="{FF2B5EF4-FFF2-40B4-BE49-F238E27FC236}">
-                <a16:creationId xmlns:a16="http://schemas.microsoft.com/office/drawing/2014/main" id="{344FCB42-636B-4918-8866-D50ACA206D8C}"/>
-              </a:ext>
-            </a:extLst>
-          </p:cNvPr>
-          <p:cNvPicPr>
-            <a:picLocks noGrp="1" noChangeAspect="1"/>
-          </p:cNvPicPr>
-          <p:nvPr>
-            <p:ph type="pic" sz="quarter" idx="47"/>
-          </p:nvPr>
-        </p:nvPicPr>
-        <p:blipFill>
-          <a:blip r:embed="rId4" cstate="screen">
-            <a:extLst>
-              <a:ext uri="{28A0092B-C50C-407E-A947-70E740481C1C}">
-                <a14:useLocalDpi xmlns:a14="http://schemas.microsoft.com/office/drawing/2010/main"/>
-              </a:ext>
-              <a:ext uri="{96DAC541-7B7A-43D3-8B79-37D633B846F1}">
-                <asvg:svgBlip xmlns:asvg="http://schemas.microsoft.com/office/drawing/2016/SVG/main" r:embed="rId5"/>
-              </a:ext>
-            </a:extLst>
-          </a:blip>
-          <a:srcRect/>
-          <a:stretch>
-            <a:fillRect/>
-          </a:stretch>
-        </p:blipFill>
-        <p:spPr/>
-      </p:pic>
-      <p:sp>
-        <p:nvSpPr>
-          <p:cNvPr id="8" name="Text Placeholder 7">
-            <a:extLst>
-              <a:ext uri="{FF2B5EF4-FFF2-40B4-BE49-F238E27FC236}">
-                <a16:creationId xmlns:a16="http://schemas.microsoft.com/office/drawing/2014/main" id="{8CB0B4A0-79F2-4CB5-BBB6-FEEBD8465250}"/>
-              </a:ext>
-            </a:extLst>
-          </p:cNvPr>
-          <p:cNvSpPr>
-            <a:spLocks noGrp="1"/>
-          </p:cNvSpPr>
-          <p:nvPr>
-            <p:ph type="body" sz="quarter" idx="33"/>
-          </p:nvPr>
-        </p:nvSpPr>
-        <p:spPr/>
-        <p:txBody>
-          <a:bodyPr/>
-          <a:lstStyle/>
-          <a:p>
-            <a:r>
-              <a:rPr lang="en-ZA" dirty="0"/>
-              <a:t>Authorize</a:t>
-            </a:r>
-          </a:p>
-        </p:txBody>
-      </p:sp>
-      <p:sp>
-        <p:nvSpPr>
-          <p:cNvPr id="9" name="Text Placeholder 8">
-            <a:extLst>
-              <a:ext uri="{FF2B5EF4-FFF2-40B4-BE49-F238E27FC236}">
-                <a16:creationId xmlns:a16="http://schemas.microsoft.com/office/drawing/2014/main" id="{66810F29-B4A6-4A97-903D-F931D52ACA7F}"/>
-              </a:ext>
-            </a:extLst>
-          </p:cNvPr>
-          <p:cNvSpPr>
-            <a:spLocks noGrp="1"/>
-          </p:cNvSpPr>
-          <p:nvPr>
-            <p:ph type="body" sz="quarter" idx="34"/>
-          </p:nvPr>
-        </p:nvSpPr>
-        <p:spPr/>
-        <p:txBody>
-          <a:bodyPr/>
-          <a:lstStyle/>
-          <a:p>
-            <a:r>
-              <a:rPr lang="en-ZA" dirty="0"/>
-              <a:t>Having someone who controls the tasks</a:t>
-            </a:r>
-            <a:endParaRPr lang="en-ZA" noProof="1"/>
-          </a:p>
-          <a:p>
-            <a:endParaRPr lang="en-ZA" dirty="0"/>
-          </a:p>
-        </p:txBody>
-      </p:sp>
-      <p:pic>
-        <p:nvPicPr>
-          <p:cNvPr id="31" name="Picture Placeholder 30" descr="Coins">
-            <a:extLst>
-              <a:ext uri="{FF2B5EF4-FFF2-40B4-BE49-F238E27FC236}">
-                <a16:creationId xmlns:a16="http://schemas.microsoft.com/office/drawing/2014/main" id="{A1AA205C-54CC-4A28-9B43-520D5A97DD74}"/>
-              </a:ext>
-            </a:extLst>
-          </p:cNvPr>
-          <p:cNvPicPr>
-            <a:picLocks noGrp="1" noChangeAspect="1"/>
-          </p:cNvPicPr>
-          <p:nvPr>
-            <p:ph type="pic" sz="quarter" idx="48"/>
-          </p:nvPr>
-        </p:nvPicPr>
-        <p:blipFill>
-          <a:blip r:embed="rId6" cstate="screen">
-            <a:extLst>
-              <a:ext uri="{28A0092B-C50C-407E-A947-70E740481C1C}">
-                <a14:useLocalDpi xmlns:a14="http://schemas.microsoft.com/office/drawing/2010/main"/>
-              </a:ext>
-              <a:ext uri="{96DAC541-7B7A-43D3-8B79-37D633B846F1}">
-                <asvg:svgBlip xmlns:asvg="http://schemas.microsoft.com/office/drawing/2016/SVG/main" r:embed="rId7"/>
-              </a:ext>
-            </a:extLst>
-          </a:blip>
-          <a:srcRect/>
-          <a:stretch>
-            <a:fillRect/>
-          </a:stretch>
-        </p:blipFill>
-        <p:spPr/>
-      </p:pic>
-      <p:sp>
-        <p:nvSpPr>
-          <p:cNvPr id="10" name="Text Placeholder 9">
-            <a:extLst>
-              <a:ext uri="{FF2B5EF4-FFF2-40B4-BE49-F238E27FC236}">
-                <a16:creationId xmlns:a16="http://schemas.microsoft.com/office/drawing/2014/main" id="{68053976-DF5A-4CE2-94FB-5F70C9064260}"/>
-              </a:ext>
-            </a:extLst>
-          </p:cNvPr>
-          <p:cNvSpPr>
-            <a:spLocks noGrp="1"/>
-          </p:cNvSpPr>
-          <p:nvPr>
-            <p:ph type="body" sz="quarter" idx="35"/>
-          </p:nvPr>
-        </p:nvSpPr>
-        <p:spPr/>
-        <p:txBody>
-          <a:bodyPr/>
-          <a:lstStyle/>
-          <a:p>
-            <a:r>
-              <a:rPr lang="en-ZA" dirty="0"/>
-              <a:t>Monetize</a:t>
-            </a:r>
-          </a:p>
-        </p:txBody>
-      </p:sp>
-      <p:sp>
-        <p:nvSpPr>
-          <p:cNvPr id="11" name="Text Placeholder 10">
-            <a:extLst>
-              <a:ext uri="{FF2B5EF4-FFF2-40B4-BE49-F238E27FC236}">
-                <a16:creationId xmlns:a16="http://schemas.microsoft.com/office/drawing/2014/main" id="{89256EF6-3CDE-4ADE-8753-BF5040E3C65B}"/>
-              </a:ext>
-            </a:extLst>
-          </p:cNvPr>
-          <p:cNvSpPr>
-            <a:spLocks noGrp="1"/>
-          </p:cNvSpPr>
-          <p:nvPr>
-            <p:ph type="body" sz="quarter" idx="36"/>
-          </p:nvPr>
-        </p:nvSpPr>
-        <p:spPr/>
-        <p:txBody>
-          <a:bodyPr/>
-          <a:lstStyle/>
-          <a:p>
-            <a:r>
-              <a:rPr lang="en-ZA" dirty="0"/>
-              <a:t>Reducing the cost of daily care </a:t>
-            </a:r>
-            <a:endParaRPr lang="en-ZA" noProof="1"/>
-          </a:p>
-          <a:p>
-            <a:endParaRPr lang="en-ZA" dirty="0"/>
-          </a:p>
-        </p:txBody>
-      </p:sp>
-      <p:pic>
-        <p:nvPicPr>
-          <p:cNvPr id="33" name="Picture Placeholder 32" descr="Fibre optic wires">
-            <a:extLst>
-              <a:ext uri="{FF2B5EF4-FFF2-40B4-BE49-F238E27FC236}">
-                <a16:creationId xmlns:a16="http://schemas.microsoft.com/office/drawing/2014/main" id="{B21FC1DB-B2B2-4AAC-9181-840F2A673C0C}"/>
-              </a:ext>
-            </a:extLst>
-          </p:cNvPr>
-          <p:cNvPicPr>
-            <a:picLocks noGrp="1" noChangeAspect="1"/>
-          </p:cNvPicPr>
-          <p:nvPr>
-            <p:ph type="pic" sz="quarter" idx="10"/>
-          </p:nvPr>
-        </p:nvPicPr>
-        <p:blipFill>
-          <a:blip r:embed="rId8" cstate="screen">
-            <a:extLst>
-              <a:ext uri="{28A0092B-C50C-407E-A947-70E740481C1C}">
-                <a14:useLocalDpi xmlns:a14="http://schemas.microsoft.com/office/drawing/2010/main"/>
-              </a:ext>
-            </a:extLst>
-          </a:blip>
-          <a:srcRect/>
-          <a:stretch>
-            <a:fillRect/>
-          </a:stretch>
-        </p:blipFill>
-        <p:spPr/>
-      </p:pic>
-      <p:sp>
-        <p:nvSpPr>
-          <p:cNvPr id="5" name="Slide Number Placeholder 4">
-            <a:extLst>
-              <a:ext uri="{FF2B5EF4-FFF2-40B4-BE49-F238E27FC236}">
-                <a16:creationId xmlns:a16="http://schemas.microsoft.com/office/drawing/2014/main" id="{350FC2AC-377D-452C-9D03-2F9F7AC5B560}"/>
-              </a:ext>
-            </a:extLst>
-          </p:cNvPr>
-          <p:cNvSpPr>
-            <a:spLocks noGrp="1"/>
-          </p:cNvSpPr>
-          <p:nvPr>
-            <p:ph type="sldNum" sz="quarter" idx="50"/>
-          </p:nvPr>
-        </p:nvSpPr>
-        <p:spPr/>
-        <p:txBody>
-          <a:bodyPr/>
-          <a:lstStyle/>
-          <a:p>
-            <a:r>
-              <a:rPr lang="en-ZA" dirty="0"/>
-              <a:t>page </a:t>
-            </a:r>
-            <a:fld id="{19B51A1E-902D-48AF-9020-955120F399B6}" type="slidenum">
-              <a:rPr lang="en-ZA" smtClean="0"/>
-              <a:pPr/>
-              <a:t>4</a:t>
-            </a:fld>
-            <a:endParaRPr lang="en-ZA" dirty="0"/>
-          </a:p>
-        </p:txBody>
-      </p:sp>
-      <p:sp>
-        <p:nvSpPr>
-          <p:cNvPr id="3" name="Title 2">
-            <a:extLst>
-              <a:ext uri="{FF2B5EF4-FFF2-40B4-BE49-F238E27FC236}">
-                <a16:creationId xmlns:a16="http://schemas.microsoft.com/office/drawing/2014/main" id="{87C2AC9A-0FD0-4DA8-99B4-C440A1D15DA4}"/>
-              </a:ext>
-            </a:extLst>
-          </p:cNvPr>
-          <p:cNvSpPr>
-            <a:spLocks noGrp="1"/>
-          </p:cNvSpPr>
-          <p:nvPr>
-            <p:ph type="ctrTitle"/>
-          </p:nvPr>
-        </p:nvSpPr>
-        <p:spPr/>
-        <p:txBody>
-          <a:bodyPr/>
-          <a:lstStyle/>
-          <a:p>
-            <a:r>
-              <a:rPr lang="en-ZA" dirty="0"/>
-              <a:t>Solution</a:t>
-            </a:r>
-          </a:p>
-        </p:txBody>
-      </p:sp>
-      <p:sp>
-        <p:nvSpPr>
-          <p:cNvPr id="4" name="Subtitle 3">
-            <a:extLst>
-              <a:ext uri="{FF2B5EF4-FFF2-40B4-BE49-F238E27FC236}">
-                <a16:creationId xmlns:a16="http://schemas.microsoft.com/office/drawing/2014/main" id="{F28FED25-4DDC-4D72-A54E-3E227B420317}"/>
-              </a:ext>
-            </a:extLst>
-          </p:cNvPr>
-          <p:cNvSpPr>
-            <a:spLocks noGrp="1"/>
-          </p:cNvSpPr>
-          <p:nvPr>
-            <p:ph type="subTitle" idx="1"/>
-          </p:nvPr>
-        </p:nvSpPr>
-        <p:spPr/>
-        <p:txBody>
-          <a:bodyPr/>
-          <a:lstStyle/>
-          <a:p>
-            <a:r>
-              <a:rPr lang="en-ZA" dirty="0"/>
-              <a:t>answer to the problem</a:t>
-            </a:r>
-            <a:endParaRPr lang="en-ZA" noProof="1"/>
+            <a:pPr algn="ctr"/>
+            <a:r>
+              <a:rPr lang="en-US" dirty="0"/>
+              <a:t>Ages of People with Alzheimer’s Dementia in the United States, 2018</a:t>
+            </a:r>
           </a:p>
         </p:txBody>
       </p:sp>
     </p:spTree>
     <p:extLst>
       <p:ext uri="{BB962C8B-B14F-4D97-AF65-F5344CB8AC3E}">
-        <p14:creationId xmlns:p14="http://schemas.microsoft.com/office/powerpoint/2010/main" val="3378458110"/>
+        <p14:creationId xmlns:p14="http://schemas.microsoft.com/office/powerpoint/2010/main" val="1218563004"/>
       </p:ext>
     </p:extLst>
   </p:cSld>
@@ -22110,8 +23212,8 @@
 </p:sld>
 </file>
 
-<file path=ppt/slides/slide5.xml><?xml version="1.0" encoding="utf-8"?>
-<p:sld xmlns:a="http://schemas.openxmlformats.org/drawingml/2006/main" xmlns:r="http://schemas.openxmlformats.org/officeDocument/2006/relationships" xmlns:p="http://schemas.openxmlformats.org/presentationml/2006/main" showMasterSp="0">
+<file path=ppt/slides/slide6.xml><?xml version="1.0" encoding="utf-8"?>
+<p:sld xmlns:a="http://schemas.openxmlformats.org/drawingml/2006/main" xmlns:r="http://schemas.openxmlformats.org/officeDocument/2006/relationships" xmlns:p="http://schemas.openxmlformats.org/presentationml/2006/main">
   <p:cSld>
     <p:spTree>
       <p:nvGrpSpPr>
@@ -22129,10 +23231,10 @@
       </p:grpSpPr>
       <p:pic>
         <p:nvPicPr>
-          <p:cNvPr id="58" name="Picture Placeholder 57" descr="Scientific experiment">
-            <a:extLst>
-              <a:ext uri="{FF2B5EF4-FFF2-40B4-BE49-F238E27FC236}">
-                <a16:creationId xmlns:a16="http://schemas.microsoft.com/office/drawing/2014/main" id="{BAEF06B8-4E9A-492A-A9B8-2C7DB901FCB3}"/>
+          <p:cNvPr id="5" name="Content Placeholder 4">
+            <a:extLst>
+              <a:ext uri="{FF2B5EF4-FFF2-40B4-BE49-F238E27FC236}">
+                <a16:creationId xmlns:a16="http://schemas.microsoft.com/office/drawing/2014/main" id="{0E9D4EBB-8D2C-4A4E-B61E-765C6EAA1404}"/>
               </a:ext>
             </a:extLst>
           </p:cNvPr>
@@ -22140,38 +23242,38 @@
             <a:picLocks noGrp="1" noChangeAspect="1"/>
           </p:cNvPicPr>
           <p:nvPr>
-            <p:ph type="pic" sz="quarter" idx="10"/>
+            <p:ph idx="1"/>
           </p:nvPr>
         </p:nvPicPr>
-        <p:blipFill>
-          <a:blip r:embed="rId2" cstate="screen">
-            <a:extLst>
-              <a:ext uri="{28A0092B-C50C-407E-A947-70E740481C1C}">
-                <a14:useLocalDpi xmlns:a14="http://schemas.microsoft.com/office/drawing/2010/main"/>
-              </a:ext>
-            </a:extLst>
-          </a:blip>
-          <a:srcRect/>
-          <a:stretch>
-            <a:fillRect/>
-          </a:stretch>
+        <p:blipFill rotWithShape="1">
+          <a:blip r:embed="rId2"/>
+          <a:srcRect l="1013" r="1267" b="12669"/>
+          <a:stretch/>
         </p:blipFill>
-        <p:spPr/>
+        <p:spPr>
+          <a:xfrm>
+            <a:off x="448886" y="864000"/>
+            <a:ext cx="11064241" cy="5562000"/>
+          </a:xfrm>
+          <a:prstGeom prst="rect">
+            <a:avLst/>
+          </a:prstGeom>
+        </p:spPr>
       </p:pic>
       <p:sp>
         <p:nvSpPr>
-          <p:cNvPr id="5" name="Slide Number Placeholder 4">
-            <a:extLst>
-              <a:ext uri="{FF2B5EF4-FFF2-40B4-BE49-F238E27FC236}">
-                <a16:creationId xmlns:a16="http://schemas.microsoft.com/office/drawing/2014/main" id="{620431BB-7E59-4D2E-B4E7-CA454CF90122}"/>
-              </a:ext>
-            </a:extLst>
-          </p:cNvPr>
-          <p:cNvSpPr>
-            <a:spLocks noGrp="1"/>
-          </p:cNvSpPr>
-          <p:nvPr>
-            <p:ph type="sldNum" sz="quarter" idx="50"/>
+          <p:cNvPr id="3" name="Slide Number Placeholder 2">
+            <a:extLst>
+              <a:ext uri="{FF2B5EF4-FFF2-40B4-BE49-F238E27FC236}">
+                <a16:creationId xmlns:a16="http://schemas.microsoft.com/office/drawing/2014/main" id="{07D0DD70-3B2E-4D77-943E-C62B5ACC7ECF}"/>
+              </a:ext>
+            </a:extLst>
+          </p:cNvPr>
+          <p:cNvSpPr>
+            <a:spLocks noGrp="1"/>
+          </p:cNvSpPr>
+          <p:nvPr>
+            <p:ph type="sldNum" sz="quarter" idx="13"/>
           </p:nvPr>
         </p:nvSpPr>
         <p:spPr/>
@@ -22180,32 +23282,32 @@
           <a:lstStyle/>
           <a:p>
             <a:r>
-              <a:rPr lang="en-ZA" dirty="0"/>
+              <a:rPr lang="en-ZA"/>
               <a:t>page </a:t>
             </a:r>
             <a:fld id="{19B51A1E-902D-48AF-9020-955120F399B6}" type="slidenum">
-              <a:rPr lang="en-ZA" smtClean="0"/>
+              <a:rPr lang="en-ZA" b="1" i="1" smtClean="0"/>
               <a:pPr/>
-              <a:t>5</a:t>
+              <a:t>6</a:t>
             </a:fld>
-            <a:endParaRPr lang="en-ZA" dirty="0"/>
-          </a:p>
-        </p:txBody>
-      </p:sp>
-      <p:sp>
-        <p:nvSpPr>
-          <p:cNvPr id="3" name="Title 2">
-            <a:extLst>
-              <a:ext uri="{FF2B5EF4-FFF2-40B4-BE49-F238E27FC236}">
-                <a16:creationId xmlns:a16="http://schemas.microsoft.com/office/drawing/2014/main" id="{09D4394E-B587-4CD9-96D1-650A82CA0197}"/>
-              </a:ext>
-            </a:extLst>
-          </p:cNvPr>
-          <p:cNvSpPr>
-            <a:spLocks noGrp="1"/>
-          </p:cNvSpPr>
-          <p:nvPr>
-            <p:ph type="ctrTitle"/>
+            <a:endParaRPr lang="en-ZA" b="1" i="1" dirty="0"/>
+          </a:p>
+        </p:txBody>
+      </p:sp>
+      <p:sp>
+        <p:nvSpPr>
+          <p:cNvPr id="4" name="Title 3">
+            <a:extLst>
+              <a:ext uri="{FF2B5EF4-FFF2-40B4-BE49-F238E27FC236}">
+                <a16:creationId xmlns:a16="http://schemas.microsoft.com/office/drawing/2014/main" id="{4C805B8F-FC98-41E6-A612-016EAFFDB34F}"/>
+              </a:ext>
+            </a:extLst>
+          </p:cNvPr>
+          <p:cNvSpPr>
+            <a:spLocks noGrp="1"/>
+          </p:cNvSpPr>
+          <p:nvPr>
+            <p:ph type="title"/>
           </p:nvPr>
         </p:nvSpPr>
         <p:spPr/>
@@ -22213,447 +23315,18 @@
           <a:bodyPr/>
           <a:lstStyle/>
           <a:p>
-            <a:r>
-              <a:rPr lang="en-ZA" dirty="0"/>
-              <a:t>Product</a:t>
-            </a:r>
-          </a:p>
-        </p:txBody>
-      </p:sp>
-      <p:sp>
-        <p:nvSpPr>
-          <p:cNvPr id="4" name="Subtitle 3">
-            <a:extLst>
-              <a:ext uri="{FF2B5EF4-FFF2-40B4-BE49-F238E27FC236}">
-                <a16:creationId xmlns:a16="http://schemas.microsoft.com/office/drawing/2014/main" id="{C154CB10-3BB7-4C3D-9275-80A6E79BD7C8}"/>
-              </a:ext>
-            </a:extLst>
-          </p:cNvPr>
-          <p:cNvSpPr>
-            <a:spLocks noGrp="1"/>
-          </p:cNvSpPr>
-          <p:nvPr>
-            <p:ph type="subTitle" idx="1"/>
-          </p:nvPr>
-        </p:nvSpPr>
-        <p:spPr/>
-        <p:txBody>
-          <a:bodyPr/>
-          <a:lstStyle/>
-          <a:p>
-            <a:endParaRPr lang="en-ZA" noProof="1"/>
-          </a:p>
-        </p:txBody>
-      </p:sp>
-      <p:pic>
-        <p:nvPicPr>
-          <p:cNvPr id="31" name="Picture Placeholder 30" descr="Bullseye">
-            <a:extLst>
-              <a:ext uri="{FF2B5EF4-FFF2-40B4-BE49-F238E27FC236}">
-                <a16:creationId xmlns:a16="http://schemas.microsoft.com/office/drawing/2014/main" id="{146C3774-1A16-4CEA-B0D9-21F4D70DD683}"/>
-              </a:ext>
-            </a:extLst>
-          </p:cNvPr>
-          <p:cNvPicPr>
-            <a:picLocks noGrp="1" noChangeAspect="1"/>
-          </p:cNvPicPr>
-          <p:nvPr>
-            <p:ph type="pic" sz="quarter" idx="52"/>
-          </p:nvPr>
-        </p:nvPicPr>
-        <p:blipFill>
-          <a:blip r:embed="rId3" cstate="screen">
-            <a:extLst>
-              <a:ext uri="{28A0092B-C50C-407E-A947-70E740481C1C}">
-                <a14:useLocalDpi xmlns:a14="http://schemas.microsoft.com/office/drawing/2010/main"/>
-              </a:ext>
-              <a:ext uri="{96DAC541-7B7A-43D3-8B79-37D633B846F1}">
-                <asvg:svgBlip xmlns:asvg="http://schemas.microsoft.com/office/drawing/2016/SVG/main" r:embed="rId4"/>
-              </a:ext>
-            </a:extLst>
-          </a:blip>
-          <a:srcRect/>
-          <a:stretch>
-            <a:fillRect/>
-          </a:stretch>
-        </p:blipFill>
-        <p:spPr>
-          <a:xfrm>
-            <a:off x="7178372" y="1079357"/>
-            <a:ext cx="621792" cy="621792"/>
-          </a:xfrm>
-        </p:spPr>
-      </p:pic>
-      <p:sp>
-        <p:nvSpPr>
-          <p:cNvPr id="6" name="Text Placeholder 5">
-            <a:extLst>
-              <a:ext uri="{FF2B5EF4-FFF2-40B4-BE49-F238E27FC236}">
-                <a16:creationId xmlns:a16="http://schemas.microsoft.com/office/drawing/2014/main" id="{84D1680A-25DD-42DD-B066-2294665CF235}"/>
-              </a:ext>
-            </a:extLst>
-          </p:cNvPr>
-          <p:cNvSpPr>
-            <a:spLocks noGrp="1"/>
-          </p:cNvSpPr>
-          <p:nvPr>
-            <p:ph type="body" sz="quarter" idx="17"/>
-          </p:nvPr>
-        </p:nvSpPr>
-        <p:spPr>
-          <a:xfrm>
-            <a:off x="6679268" y="2331629"/>
-            <a:ext cx="1620000" cy="252000"/>
-          </a:xfrm>
-        </p:spPr>
-        <p:txBody>
-          <a:bodyPr/>
-          <a:lstStyle/>
-          <a:p>
-            <a:r>
-              <a:rPr lang="en-ZA" dirty="0"/>
-              <a:t>Unique </a:t>
-            </a:r>
-          </a:p>
-        </p:txBody>
-      </p:sp>
-      <p:sp>
-        <p:nvSpPr>
-          <p:cNvPr id="7" name="Text Placeholder 6">
-            <a:extLst>
-              <a:ext uri="{FF2B5EF4-FFF2-40B4-BE49-F238E27FC236}">
-                <a16:creationId xmlns:a16="http://schemas.microsoft.com/office/drawing/2014/main" id="{1FBEF8A3-3B79-4A1D-83CE-3501D6E1EC52}"/>
-              </a:ext>
-            </a:extLst>
-          </p:cNvPr>
-          <p:cNvSpPr>
-            <a:spLocks noGrp="1"/>
-          </p:cNvSpPr>
-          <p:nvPr>
-            <p:ph type="body" sz="quarter" idx="18"/>
-          </p:nvPr>
-        </p:nvSpPr>
-        <p:spPr>
-          <a:xfrm>
-            <a:off x="6492240" y="2702598"/>
-            <a:ext cx="2026679" cy="434302"/>
-          </a:xfrm>
-        </p:spPr>
-        <p:txBody>
-          <a:bodyPr/>
-          <a:lstStyle/>
-          <a:p>
-            <a:r>
-              <a:rPr lang="en-ZA" dirty="0"/>
-              <a:t>Provides a personalised experience to the customer</a:t>
-            </a:r>
-          </a:p>
-        </p:txBody>
-      </p:sp>
-      <p:pic>
-        <p:nvPicPr>
-          <p:cNvPr id="33" name="Picture Placeholder 32" descr="Lecturer">
-            <a:extLst>
-              <a:ext uri="{FF2B5EF4-FFF2-40B4-BE49-F238E27FC236}">
-                <a16:creationId xmlns:a16="http://schemas.microsoft.com/office/drawing/2014/main" id="{34FE467F-DFCB-454B-9B3B-9C4BF433B3C6}"/>
-              </a:ext>
-            </a:extLst>
-          </p:cNvPr>
-          <p:cNvPicPr>
-            <a:picLocks noGrp="1" noChangeAspect="1"/>
-          </p:cNvPicPr>
-          <p:nvPr>
-            <p:ph type="pic" sz="quarter" idx="53"/>
-          </p:nvPr>
-        </p:nvPicPr>
-        <p:blipFill>
-          <a:blip r:embed="rId5" cstate="screen">
-            <a:extLst>
-              <a:ext uri="{28A0092B-C50C-407E-A947-70E740481C1C}">
-                <a14:useLocalDpi xmlns:a14="http://schemas.microsoft.com/office/drawing/2010/main"/>
-              </a:ext>
-              <a:ext uri="{96DAC541-7B7A-43D3-8B79-37D633B846F1}">
-                <asvg:svgBlip xmlns:asvg="http://schemas.microsoft.com/office/drawing/2016/SVG/main" r:embed="rId6"/>
-              </a:ext>
-            </a:extLst>
-          </a:blip>
-          <a:srcRect/>
-          <a:stretch>
-            <a:fillRect/>
-          </a:stretch>
-        </p:blipFill>
-        <p:spPr/>
-      </p:pic>
-      <p:sp>
-        <p:nvSpPr>
-          <p:cNvPr id="8" name="Text Placeholder 7">
-            <a:extLst>
-              <a:ext uri="{FF2B5EF4-FFF2-40B4-BE49-F238E27FC236}">
-                <a16:creationId xmlns:a16="http://schemas.microsoft.com/office/drawing/2014/main" id="{4F157E51-898F-41B4-8235-6C34BBCD749E}"/>
-              </a:ext>
-            </a:extLst>
-          </p:cNvPr>
-          <p:cNvSpPr>
-            <a:spLocks noGrp="1"/>
-          </p:cNvSpPr>
-          <p:nvPr>
-            <p:ph type="body" sz="quarter" idx="33"/>
-          </p:nvPr>
-        </p:nvSpPr>
-        <p:spPr/>
-        <p:txBody>
-          <a:bodyPr/>
-          <a:lstStyle/>
-          <a:p>
-            <a:r>
-              <a:rPr lang="en-ZA" dirty="0"/>
-              <a:t>First to Market</a:t>
-            </a:r>
-          </a:p>
-        </p:txBody>
-      </p:sp>
-      <p:sp>
-        <p:nvSpPr>
-          <p:cNvPr id="9" name="Text Placeholder 8">
-            <a:extLst>
-              <a:ext uri="{FF2B5EF4-FFF2-40B4-BE49-F238E27FC236}">
-                <a16:creationId xmlns:a16="http://schemas.microsoft.com/office/drawing/2014/main" id="{8724B20D-50EC-427F-9E2C-81625A7AC444}"/>
-              </a:ext>
-            </a:extLst>
-          </p:cNvPr>
-          <p:cNvSpPr>
-            <a:spLocks noGrp="1"/>
-          </p:cNvSpPr>
-          <p:nvPr>
-            <p:ph type="body" sz="quarter" idx="34"/>
-          </p:nvPr>
-        </p:nvSpPr>
-        <p:spPr/>
-        <p:txBody>
-          <a:bodyPr/>
-          <a:lstStyle/>
-          <a:p>
-            <a:r>
-              <a:rPr lang="en-ZA" dirty="0"/>
-              <a:t>Lorem </a:t>
-            </a:r>
-            <a:r>
-              <a:rPr lang="en-ZA" noProof="1"/>
-              <a:t>ipsum do lor sit amet, consectetur adipiscing elit. </a:t>
-            </a:r>
-          </a:p>
-          <a:p>
-            <a:endParaRPr lang="en-ZA" noProof="1"/>
-          </a:p>
-          <a:p>
-            <a:endParaRPr lang="en-ZA" dirty="0"/>
-          </a:p>
-        </p:txBody>
-      </p:sp>
-      <p:pic>
-        <p:nvPicPr>
-          <p:cNvPr id="35" name="Picture Placeholder 34" descr="Network">
-            <a:extLst>
-              <a:ext uri="{FF2B5EF4-FFF2-40B4-BE49-F238E27FC236}">
-                <a16:creationId xmlns:a16="http://schemas.microsoft.com/office/drawing/2014/main" id="{7AF56B60-D53D-40A4-82F9-B1DEB9644A3D}"/>
-              </a:ext>
-            </a:extLst>
-          </p:cNvPr>
-          <p:cNvPicPr>
-            <a:picLocks noGrp="1" noChangeAspect="1"/>
-          </p:cNvPicPr>
-          <p:nvPr>
-            <p:ph type="pic" sz="quarter" idx="54"/>
-          </p:nvPr>
-        </p:nvPicPr>
-        <p:blipFill>
-          <a:blip r:embed="rId7" cstate="screen">
-            <a:extLst>
-              <a:ext uri="{28A0092B-C50C-407E-A947-70E740481C1C}">
-                <a14:useLocalDpi xmlns:a14="http://schemas.microsoft.com/office/drawing/2010/main"/>
-              </a:ext>
-              <a:ext uri="{96DAC541-7B7A-43D3-8B79-37D633B846F1}">
-                <asvg:svgBlip xmlns:asvg="http://schemas.microsoft.com/office/drawing/2016/SVG/main" r:embed="rId8"/>
-              </a:ext>
-            </a:extLst>
-          </a:blip>
-          <a:srcRect/>
-          <a:stretch>
-            <a:fillRect/>
-          </a:stretch>
-        </p:blipFill>
-        <p:spPr/>
-      </p:pic>
-      <p:sp>
-        <p:nvSpPr>
-          <p:cNvPr id="12" name="Text Placeholder 11">
-            <a:extLst>
-              <a:ext uri="{FF2B5EF4-FFF2-40B4-BE49-F238E27FC236}">
-                <a16:creationId xmlns:a16="http://schemas.microsoft.com/office/drawing/2014/main" id="{6FDE267D-5AD5-4C76-A976-43EDB64DB1F3}"/>
-              </a:ext>
-            </a:extLst>
-          </p:cNvPr>
-          <p:cNvSpPr>
-            <a:spLocks noGrp="1"/>
-          </p:cNvSpPr>
-          <p:nvPr>
-            <p:ph type="body" sz="quarter" idx="45"/>
-          </p:nvPr>
-        </p:nvSpPr>
-        <p:spPr/>
-        <p:txBody>
-          <a:bodyPr/>
-          <a:lstStyle/>
-          <a:p>
-            <a:r>
-              <a:rPr lang="en-ZA" dirty="0"/>
-              <a:t>Tested</a:t>
-            </a:r>
-          </a:p>
-        </p:txBody>
-      </p:sp>
-      <p:sp>
-        <p:nvSpPr>
-          <p:cNvPr id="13" name="Text Placeholder 12">
-            <a:extLst>
-              <a:ext uri="{FF2B5EF4-FFF2-40B4-BE49-F238E27FC236}">
-                <a16:creationId xmlns:a16="http://schemas.microsoft.com/office/drawing/2014/main" id="{DF58DB01-FA52-44DB-A820-8E4A194D9F8C}"/>
-              </a:ext>
-            </a:extLst>
-          </p:cNvPr>
-          <p:cNvSpPr>
-            <a:spLocks noGrp="1"/>
-          </p:cNvSpPr>
-          <p:nvPr>
-            <p:ph type="body" sz="quarter" idx="46"/>
-          </p:nvPr>
-        </p:nvSpPr>
-        <p:spPr/>
-        <p:txBody>
-          <a:bodyPr/>
-          <a:lstStyle/>
-          <a:p>
-            <a:r>
-              <a:rPr lang="en-ZA" dirty="0"/>
-              <a:t>Lorem </a:t>
-            </a:r>
-            <a:r>
-              <a:rPr lang="en-ZA" noProof="1"/>
-              <a:t>ipsum dolor sit amet, consectetur adipiscing elit. </a:t>
-            </a:r>
-          </a:p>
-          <a:p>
-            <a:endParaRPr lang="en-ZA" noProof="1"/>
-          </a:p>
-          <a:p>
-            <a:endParaRPr lang="en-ZA" dirty="0"/>
-          </a:p>
-        </p:txBody>
-      </p:sp>
-      <p:pic>
-        <p:nvPicPr>
-          <p:cNvPr id="37" name="Picture Placeholder 36" descr="Megaphone">
-            <a:extLst>
-              <a:ext uri="{FF2B5EF4-FFF2-40B4-BE49-F238E27FC236}">
-                <a16:creationId xmlns:a16="http://schemas.microsoft.com/office/drawing/2014/main" id="{1701A2E9-D331-4627-A32A-658F1BDB82EF}"/>
-              </a:ext>
-            </a:extLst>
-          </p:cNvPr>
-          <p:cNvPicPr>
-            <a:picLocks noGrp="1" noChangeAspect="1"/>
-          </p:cNvPicPr>
-          <p:nvPr>
-            <p:ph type="pic" sz="quarter" idx="55"/>
-          </p:nvPr>
-        </p:nvPicPr>
-        <p:blipFill>
-          <a:blip r:embed="rId9" cstate="screen">
-            <a:extLst>
-              <a:ext uri="{28A0092B-C50C-407E-A947-70E740481C1C}">
-                <a14:useLocalDpi xmlns:a14="http://schemas.microsoft.com/office/drawing/2010/main"/>
-              </a:ext>
-              <a:ext uri="{96DAC541-7B7A-43D3-8B79-37D633B846F1}">
-                <asvg:svgBlip xmlns:asvg="http://schemas.microsoft.com/office/drawing/2016/SVG/main" r:embed="rId10"/>
-              </a:ext>
-            </a:extLst>
-          </a:blip>
-          <a:srcRect/>
-          <a:stretch>
-            <a:fillRect/>
-          </a:stretch>
-        </p:blipFill>
-        <p:spPr/>
-      </p:pic>
-      <p:sp>
-        <p:nvSpPr>
-          <p:cNvPr id="14" name="Text Placeholder 13">
-            <a:extLst>
-              <a:ext uri="{FF2B5EF4-FFF2-40B4-BE49-F238E27FC236}">
-                <a16:creationId xmlns:a16="http://schemas.microsoft.com/office/drawing/2014/main" id="{ADDC6D72-DCF6-41AE-B39D-609AE438F22B}"/>
-              </a:ext>
-            </a:extLst>
-          </p:cNvPr>
-          <p:cNvSpPr>
-            <a:spLocks noGrp="1"/>
-          </p:cNvSpPr>
-          <p:nvPr>
-            <p:ph type="body" sz="quarter" idx="47"/>
-          </p:nvPr>
-        </p:nvSpPr>
-        <p:spPr/>
-        <p:txBody>
-          <a:bodyPr/>
-          <a:lstStyle/>
-          <a:p>
-            <a:r>
-              <a:rPr lang="en-ZA" dirty="0"/>
-              <a:t>Authentic</a:t>
-            </a:r>
-          </a:p>
-        </p:txBody>
-      </p:sp>
-      <p:sp>
-        <p:nvSpPr>
-          <p:cNvPr id="15" name="Text Placeholder 14">
-            <a:extLst>
-              <a:ext uri="{FF2B5EF4-FFF2-40B4-BE49-F238E27FC236}">
-                <a16:creationId xmlns:a16="http://schemas.microsoft.com/office/drawing/2014/main" id="{A1B6F490-8CEC-444D-ADC0-E8B315EA3B54}"/>
-              </a:ext>
-            </a:extLst>
-          </p:cNvPr>
-          <p:cNvSpPr>
-            <a:spLocks noGrp="1"/>
-          </p:cNvSpPr>
-          <p:nvPr>
-            <p:ph type="body" sz="quarter" idx="48"/>
-          </p:nvPr>
-        </p:nvSpPr>
-        <p:spPr/>
-        <p:txBody>
-          <a:bodyPr/>
-          <a:lstStyle/>
-          <a:p>
-            <a:r>
-              <a:rPr lang="en-ZA" dirty="0"/>
-              <a:t>Lorem </a:t>
-            </a:r>
-            <a:r>
-              <a:rPr lang="en-ZA" noProof="1"/>
-              <a:t>ipsum dolor sit amet, consectetur adipiscing elit. </a:t>
-            </a:r>
-          </a:p>
-          <a:p>
-            <a:endParaRPr lang="en-ZA" noProof="1"/>
-          </a:p>
-          <a:p>
-            <a:endParaRPr lang="en-ZA" dirty="0"/>
+            <a:pPr algn="ctr"/>
+            <a:r>
+              <a:rPr lang="en-US" dirty="0"/>
+              <a:t>THE SEVEN STAGES OF DEMENTIA</a:t>
+            </a:r>
           </a:p>
         </p:txBody>
       </p:sp>
     </p:spTree>
     <p:extLst>
       <p:ext uri="{BB962C8B-B14F-4D97-AF65-F5344CB8AC3E}">
-        <p14:creationId xmlns:p14="http://schemas.microsoft.com/office/powerpoint/2010/main" val="4002911784"/>
+        <p14:creationId xmlns:p14="http://schemas.microsoft.com/office/powerpoint/2010/main" val="2848305946"/>
       </p:ext>
     </p:extLst>
   </p:cSld>
@@ -22663,8 +23336,8 @@
 </p:sld>
 </file>
 
-<file path=ppt/slides/slide6.xml><?xml version="1.0" encoding="utf-8"?>
-<p:sld xmlns:a="http://schemas.openxmlformats.org/drawingml/2006/main" xmlns:r="http://schemas.openxmlformats.org/officeDocument/2006/relationships" xmlns:p="http://schemas.openxmlformats.org/presentationml/2006/main" showMasterSp="0">
+<file path=ppt/slides/slide7.xml><?xml version="1.0" encoding="utf-8"?>
+<p:sld xmlns:a="http://schemas.openxmlformats.org/drawingml/2006/main" xmlns:r="http://schemas.openxmlformats.org/officeDocument/2006/relationships" xmlns:p="http://schemas.openxmlformats.org/presentationml/2006/main">
   <p:cSld>
     <p:spTree>
       <p:nvGrpSpPr>
@@ -22682,18 +23355,18 @@
       </p:grpSpPr>
       <p:sp>
         <p:nvSpPr>
-          <p:cNvPr id="4" name="Slide Number Placeholder 3">
-            <a:extLst>
-              <a:ext uri="{FF2B5EF4-FFF2-40B4-BE49-F238E27FC236}">
-                <a16:creationId xmlns:a16="http://schemas.microsoft.com/office/drawing/2014/main" id="{D3CC57C3-9D13-4E2B-8E1F-6AF5D1A5BE69}"/>
-              </a:ext>
-            </a:extLst>
-          </p:cNvPr>
-          <p:cNvSpPr>
-            <a:spLocks noGrp="1"/>
-          </p:cNvSpPr>
-          <p:nvPr>
-            <p:ph type="sldNum" sz="quarter" idx="50"/>
+          <p:cNvPr id="12" name="Slide Number Placeholder 11">
+            <a:extLst>
+              <a:ext uri="{FF2B5EF4-FFF2-40B4-BE49-F238E27FC236}">
+                <a16:creationId xmlns:a16="http://schemas.microsoft.com/office/drawing/2014/main" id="{F9514CE4-3AB9-47F2-A673-40B24D851A9D}"/>
+              </a:ext>
+            </a:extLst>
+          </p:cNvPr>
+          <p:cNvSpPr>
+            <a:spLocks noGrp="1"/>
+          </p:cNvSpPr>
+          <p:nvPr>
+            <p:ph type="sldNum" sz="quarter" idx="13"/>
           </p:nvPr>
         </p:nvSpPr>
         <p:spPr/>
@@ -22702,60 +23375,66 @@
           <a:lstStyle/>
           <a:p>
             <a:r>
-              <a:rPr lang="en-ZA" dirty="0"/>
+              <a:rPr lang="en-ZA"/>
               <a:t>page </a:t>
             </a:r>
             <a:fld id="{19B51A1E-902D-48AF-9020-955120F399B6}" type="slidenum">
-              <a:rPr lang="en-ZA" smtClean="0"/>
+              <a:rPr lang="en-ZA" b="1" i="1" smtClean="0"/>
               <a:pPr/>
-              <a:t>6</a:t>
+              <a:t>7</a:t>
             </a:fld>
-            <a:endParaRPr lang="en-ZA" dirty="0"/>
-          </a:p>
-        </p:txBody>
-      </p:sp>
-      <p:sp>
-        <p:nvSpPr>
-          <p:cNvPr id="3" name="Title 2">
-            <a:extLst>
-              <a:ext uri="{FF2B5EF4-FFF2-40B4-BE49-F238E27FC236}">
-                <a16:creationId xmlns:a16="http://schemas.microsoft.com/office/drawing/2014/main" id="{362AC071-0624-430C-AEB0-AD3EBFC1CD1D}"/>
-              </a:ext>
-            </a:extLst>
-          </p:cNvPr>
-          <p:cNvSpPr>
-            <a:spLocks noGrp="1"/>
-          </p:cNvSpPr>
-          <p:nvPr>
-            <p:ph type="ctrTitle"/>
-          </p:nvPr>
-        </p:nvSpPr>
-        <p:spPr/>
+            <a:endParaRPr lang="en-ZA" b="1" i="1" dirty="0"/>
+          </a:p>
+        </p:txBody>
+      </p:sp>
+      <p:sp>
+        <p:nvSpPr>
+          <p:cNvPr id="15" name="Title 14">
+            <a:extLst>
+              <a:ext uri="{FF2B5EF4-FFF2-40B4-BE49-F238E27FC236}">
+                <a16:creationId xmlns:a16="http://schemas.microsoft.com/office/drawing/2014/main" id="{AF92C3F4-6FFF-4C6A-8745-ED14981D9A68}"/>
+              </a:ext>
+            </a:extLst>
+          </p:cNvPr>
+          <p:cNvSpPr>
+            <a:spLocks noGrp="1"/>
+          </p:cNvSpPr>
+          <p:nvPr>
+            <p:ph type="title"/>
+          </p:nvPr>
+        </p:nvSpPr>
+        <p:spPr>
+          <a:xfrm>
+            <a:off x="601682" y="432000"/>
+            <a:ext cx="10999767" cy="432000"/>
+          </a:xfrm>
+        </p:spPr>
         <p:txBody>
           <a:bodyPr/>
           <a:lstStyle/>
           <a:p>
-            <a:r>
-              <a:rPr lang="en-ZA" dirty="0"/>
-              <a:t>How are we different?</a:t>
-            </a:r>
-          </a:p>
-        </p:txBody>
-      </p:sp>
-      <p:sp>
-        <p:nvSpPr>
-          <p:cNvPr id="18" name="Subtitle 17">
-            <a:extLst>
-              <a:ext uri="{FF2B5EF4-FFF2-40B4-BE49-F238E27FC236}">
-                <a16:creationId xmlns:a16="http://schemas.microsoft.com/office/drawing/2014/main" id="{D3532A8A-A0BF-4816-B1FF-73DFB4F6F5D6}"/>
-              </a:ext>
-            </a:extLst>
-          </p:cNvPr>
-          <p:cNvSpPr>
-            <a:spLocks noGrp="1"/>
-          </p:cNvSpPr>
-          <p:nvPr>
-            <p:ph type="subTitle" idx="1"/>
+            <a:pPr algn="ctr"/>
+            <a:r>
+              <a:rPr lang="en-US" dirty="0"/>
+              <a:t>Projected Increases Between 2018 and 2025 in Alzheimer’s Dementia Prevalence by State</a:t>
+            </a:r>
+          </a:p>
+        </p:txBody>
+      </p:sp>
+      <p:sp>
+        <p:nvSpPr>
+          <p:cNvPr id="19" name="Content Placeholder 18">
+            <a:extLst>
+              <a:ext uri="{FF2B5EF4-FFF2-40B4-BE49-F238E27FC236}">
+                <a16:creationId xmlns:a16="http://schemas.microsoft.com/office/drawing/2014/main" id="{9F79E45E-3E52-49CA-BFB7-2AC35C4EA665}"/>
+              </a:ext>
+            </a:extLst>
+          </p:cNvPr>
+          <p:cNvSpPr>
+            <a:spLocks noGrp="1"/>
+          </p:cNvSpPr>
+          <p:nvPr>
+            <p:ph idx="1"/>
           </p:nvPr>
         </p:nvSpPr>
         <p:spPr/>
@@ -22763,493 +23442,43 @@
           <a:bodyPr/>
           <a:lstStyle/>
           <a:p>
-            <a:endParaRPr lang="en-ZA" dirty="0"/>
+            <a:endParaRPr lang="en-US"/>
           </a:p>
         </p:txBody>
       </p:sp>
       <p:pic>
         <p:nvPicPr>
-          <p:cNvPr id="8" name="Picture Placeholder 7" descr="Picture of a laptop from the top">
-            <a:extLst>
-              <a:ext uri="{FF2B5EF4-FFF2-40B4-BE49-F238E27FC236}">
-                <a16:creationId xmlns:a16="http://schemas.microsoft.com/office/drawing/2014/main" id="{F0CDEBE3-63F4-4845-BE8F-EF94E696570B}"/>
+          <p:cNvPr id="20" name="Picture 19">
+            <a:extLst>
+              <a:ext uri="{FF2B5EF4-FFF2-40B4-BE49-F238E27FC236}">
+                <a16:creationId xmlns:a16="http://schemas.microsoft.com/office/drawing/2014/main" id="{84F67864-3D6B-4975-AD73-3443D44F1037}"/>
               </a:ext>
             </a:extLst>
           </p:cNvPr>
           <p:cNvPicPr>
-            <a:picLocks noGrp="1" noChangeAspect="1"/>
+            <a:picLocks noChangeAspect="1"/>
           </p:cNvPicPr>
-          <p:nvPr>
-            <p:ph type="pic" sz="quarter" idx="13"/>
-          </p:nvPr>
+          <p:nvPr/>
         </p:nvPicPr>
         <p:blipFill rotWithShape="1">
-          <a:blip r:embed="rId2" cstate="screen">
-            <a:extLst>
-              <a:ext uri="{28A0092B-C50C-407E-A947-70E740481C1C}">
-                <a14:useLocalDpi xmlns:a14="http://schemas.microsoft.com/office/drawing/2010/main"/>
-              </a:ext>
-            </a:extLst>
-          </a:blip>
-          <a:srcRect/>
+          <a:blip r:embed="rId2"/>
+          <a:srcRect l="16636" t="5371" r="16818" b="1454"/>
           <a:stretch/>
         </p:blipFill>
-        <p:spPr/>
+        <p:spPr>
+          <a:xfrm>
+            <a:off x="1760913" y="1152000"/>
+            <a:ext cx="8670174" cy="5535111"/>
+          </a:xfrm>
+          <a:prstGeom prst="rect">
+            <a:avLst/>
+          </a:prstGeom>
+        </p:spPr>
       </p:pic>
-      <p:sp>
-        <p:nvSpPr>
-          <p:cNvPr id="5" name="Content Placeholder 4">
-            <a:extLst>
-              <a:ext uri="{FF2B5EF4-FFF2-40B4-BE49-F238E27FC236}">
-                <a16:creationId xmlns:a16="http://schemas.microsoft.com/office/drawing/2014/main" id="{5F606456-BEB8-424C-8C7C-E9B311D7C337}"/>
-              </a:ext>
-            </a:extLst>
-          </p:cNvPr>
-          <p:cNvSpPr>
-            <a:spLocks noGrp="1"/>
-          </p:cNvSpPr>
-          <p:nvPr>
-            <p:ph idx="52"/>
-          </p:nvPr>
-        </p:nvSpPr>
-        <p:spPr/>
-        <p:txBody>
-          <a:bodyPr/>
-          <a:lstStyle/>
-          <a:p>
-            <a:r>
-              <a:rPr lang="en-ZA" dirty="0"/>
-              <a:t>We provide a personalised experience for the user by having voices of their loved ones. </a:t>
-            </a:r>
-          </a:p>
-          <a:p>
-            <a:r>
-              <a:rPr lang="en-ZA" dirty="0"/>
-              <a:t>We have speech exercises to discuss about daily things and  the reducing the aging </a:t>
-            </a:r>
-            <a:r>
-              <a:rPr lang="en-ZA"/>
-              <a:t>of dementia.</a:t>
-            </a:r>
-            <a:endParaRPr lang="en-ZA" noProof="1"/>
-          </a:p>
-        </p:txBody>
-      </p:sp>
     </p:spTree>
     <p:extLst>
       <p:ext uri="{BB962C8B-B14F-4D97-AF65-F5344CB8AC3E}">
-        <p14:creationId xmlns:p14="http://schemas.microsoft.com/office/powerpoint/2010/main" val="1344647200"/>
-      </p:ext>
-    </p:extLst>
-  </p:cSld>
-  <p:clrMapOvr>
-    <a:masterClrMapping/>
-  </p:clrMapOvr>
-</p:sld>
-</file>
-
-<file path=ppt/slides/slide7.xml><?xml version="1.0" encoding="utf-8"?>
-<p:sld xmlns:a="http://schemas.openxmlformats.org/drawingml/2006/main" xmlns:r="http://schemas.openxmlformats.org/officeDocument/2006/relationships" xmlns:p="http://schemas.openxmlformats.org/presentationml/2006/main" showMasterSp="0">
-  <p:cSld>
-    <p:spTree>
-      <p:nvGrpSpPr>
-        <p:cNvPr id="1" name=""/>
-        <p:cNvGrpSpPr/>
-        <p:nvPr/>
-      </p:nvGrpSpPr>
-      <p:grpSpPr>
-        <a:xfrm>
-          <a:off x="0" y="0"/>
-          <a:ext cx="0" cy="0"/>
-          <a:chOff x="0" y="0"/>
-          <a:chExt cx="0" cy="0"/>
-        </a:xfrm>
-      </p:grpSpPr>
-      <p:pic>
-        <p:nvPicPr>
-          <p:cNvPr id="21" name="Picture Placeholder 20" descr="Teacher">
-            <a:extLst>
-              <a:ext uri="{FF2B5EF4-FFF2-40B4-BE49-F238E27FC236}">
-                <a16:creationId xmlns:a16="http://schemas.microsoft.com/office/drawing/2014/main" id="{29F61CCC-B375-46FD-AC69-F11C1EB5757F}"/>
-              </a:ext>
-            </a:extLst>
-          </p:cNvPr>
-          <p:cNvPicPr>
-            <a:picLocks noGrp="1" noChangeAspect="1"/>
-          </p:cNvPicPr>
-          <p:nvPr>
-            <p:ph type="pic" sz="quarter" idx="47"/>
-          </p:nvPr>
-        </p:nvPicPr>
-        <p:blipFill>
-          <a:blip r:embed="rId2" cstate="screen">
-            <a:extLst>
-              <a:ext uri="{28A0092B-C50C-407E-A947-70E740481C1C}">
-                <a14:useLocalDpi xmlns:a14="http://schemas.microsoft.com/office/drawing/2010/main"/>
-              </a:ext>
-              <a:ext uri="{96DAC541-7B7A-43D3-8B79-37D633B846F1}">
-                <asvg:svgBlip xmlns:asvg="http://schemas.microsoft.com/office/drawing/2016/SVG/main" r:embed="rId3"/>
-              </a:ext>
-            </a:extLst>
-          </a:blip>
-          <a:srcRect/>
-          <a:stretch>
-            <a:fillRect/>
-          </a:stretch>
-        </p:blipFill>
-        <p:spPr/>
-      </p:pic>
-      <p:sp>
-        <p:nvSpPr>
-          <p:cNvPr id="5" name="Text Placeholder 4">
-            <a:extLst>
-              <a:ext uri="{FF2B5EF4-FFF2-40B4-BE49-F238E27FC236}">
-                <a16:creationId xmlns:a16="http://schemas.microsoft.com/office/drawing/2014/main" id="{AC623989-3B52-4E3D-A635-D939C417B6D9}"/>
-              </a:ext>
-            </a:extLst>
-          </p:cNvPr>
-          <p:cNvSpPr>
-            <a:spLocks noGrp="1"/>
-          </p:cNvSpPr>
-          <p:nvPr>
-            <p:ph type="body" sz="quarter" idx="17"/>
-          </p:nvPr>
-        </p:nvSpPr>
-        <p:spPr/>
-        <p:txBody>
-          <a:bodyPr/>
-          <a:lstStyle/>
-          <a:p>
-            <a:r>
-              <a:rPr lang="en-ZA" dirty="0"/>
-              <a:t>Research</a:t>
-            </a:r>
-          </a:p>
-        </p:txBody>
-      </p:sp>
-      <p:sp>
-        <p:nvSpPr>
-          <p:cNvPr id="6" name="Text Placeholder 5">
-            <a:extLst>
-              <a:ext uri="{FF2B5EF4-FFF2-40B4-BE49-F238E27FC236}">
-                <a16:creationId xmlns:a16="http://schemas.microsoft.com/office/drawing/2014/main" id="{93B7F5F9-AC4C-4CA4-ABAB-271F6B44A017}"/>
-              </a:ext>
-            </a:extLst>
-          </p:cNvPr>
-          <p:cNvSpPr>
-            <a:spLocks noGrp="1"/>
-          </p:cNvSpPr>
-          <p:nvPr>
-            <p:ph type="body" sz="quarter" idx="18"/>
-          </p:nvPr>
-        </p:nvSpPr>
-        <p:spPr/>
-        <p:txBody>
-          <a:bodyPr/>
-          <a:lstStyle/>
-          <a:p>
-            <a:r>
-              <a:rPr lang="en-ZA" dirty="0"/>
-              <a:t>Lorem </a:t>
-            </a:r>
-            <a:r>
-              <a:rPr lang="en-ZA" noProof="1"/>
-              <a:t>ipsum dolor sit amet, consectetur adipiscing elit. </a:t>
-            </a:r>
-          </a:p>
-          <a:p>
-            <a:endParaRPr lang="en-ZA" dirty="0"/>
-          </a:p>
-        </p:txBody>
-      </p:sp>
-      <p:pic>
-        <p:nvPicPr>
-          <p:cNvPr id="23" name="Picture Placeholder 22" descr="Group">
-            <a:extLst>
-              <a:ext uri="{FF2B5EF4-FFF2-40B4-BE49-F238E27FC236}">
-                <a16:creationId xmlns:a16="http://schemas.microsoft.com/office/drawing/2014/main" id="{E25DFC4C-7C37-49B1-B6A5-9145D8251251}"/>
-              </a:ext>
-            </a:extLst>
-          </p:cNvPr>
-          <p:cNvPicPr>
-            <a:picLocks noGrp="1" noChangeAspect="1"/>
-          </p:cNvPicPr>
-          <p:nvPr>
-            <p:ph type="pic" sz="quarter" idx="48"/>
-          </p:nvPr>
-        </p:nvPicPr>
-        <p:blipFill>
-          <a:blip r:embed="rId4" cstate="screen">
-            <a:extLst>
-              <a:ext uri="{28A0092B-C50C-407E-A947-70E740481C1C}">
-                <a14:useLocalDpi xmlns:a14="http://schemas.microsoft.com/office/drawing/2010/main"/>
-              </a:ext>
-              <a:ext uri="{96DAC541-7B7A-43D3-8B79-37D633B846F1}">
-                <asvg:svgBlip xmlns:asvg="http://schemas.microsoft.com/office/drawing/2016/SVG/main" r:embed="rId5"/>
-              </a:ext>
-            </a:extLst>
-          </a:blip>
-          <a:srcRect/>
-          <a:stretch>
-            <a:fillRect/>
-          </a:stretch>
-        </p:blipFill>
-        <p:spPr/>
-      </p:pic>
-      <p:sp>
-        <p:nvSpPr>
-          <p:cNvPr id="7" name="Text Placeholder 6">
-            <a:extLst>
-              <a:ext uri="{FF2B5EF4-FFF2-40B4-BE49-F238E27FC236}">
-                <a16:creationId xmlns:a16="http://schemas.microsoft.com/office/drawing/2014/main" id="{C1FE4ACF-78F8-4143-A8FF-BB1CAF035FCF}"/>
-              </a:ext>
-            </a:extLst>
-          </p:cNvPr>
-          <p:cNvSpPr>
-            <a:spLocks noGrp="1"/>
-          </p:cNvSpPr>
-          <p:nvPr>
-            <p:ph type="body" sz="quarter" idx="33"/>
-          </p:nvPr>
-        </p:nvSpPr>
-        <p:spPr/>
-        <p:txBody>
-          <a:bodyPr/>
-          <a:lstStyle/>
-          <a:p>
-            <a:r>
-              <a:rPr lang="en-ZA" dirty="0"/>
-              <a:t>Finance</a:t>
-            </a:r>
-          </a:p>
-        </p:txBody>
-      </p:sp>
-      <p:sp>
-        <p:nvSpPr>
-          <p:cNvPr id="8" name="Text Placeholder 7">
-            <a:extLst>
-              <a:ext uri="{FF2B5EF4-FFF2-40B4-BE49-F238E27FC236}">
-                <a16:creationId xmlns:a16="http://schemas.microsoft.com/office/drawing/2014/main" id="{A71739BB-184A-4F2F-A194-E2AC54472610}"/>
-              </a:ext>
-            </a:extLst>
-          </p:cNvPr>
-          <p:cNvSpPr>
-            <a:spLocks noGrp="1"/>
-          </p:cNvSpPr>
-          <p:nvPr>
-            <p:ph type="body" sz="quarter" idx="34"/>
-          </p:nvPr>
-        </p:nvSpPr>
-        <p:spPr/>
-        <p:txBody>
-          <a:bodyPr/>
-          <a:lstStyle/>
-          <a:p>
-            <a:r>
-              <a:rPr lang="en-ZA" dirty="0"/>
-              <a:t>Lorem </a:t>
-            </a:r>
-            <a:r>
-              <a:rPr lang="en-ZA" noProof="1"/>
-              <a:t>ipsum dolor sit amet, consectetur adipiscing elit. </a:t>
-            </a:r>
-          </a:p>
-          <a:p>
-            <a:endParaRPr lang="en-ZA" dirty="0"/>
-          </a:p>
-        </p:txBody>
-      </p:sp>
-      <p:pic>
-        <p:nvPicPr>
-          <p:cNvPr id="25" name="Picture Placeholder 24" descr="Repeat">
-            <a:extLst>
-              <a:ext uri="{FF2B5EF4-FFF2-40B4-BE49-F238E27FC236}">
-                <a16:creationId xmlns:a16="http://schemas.microsoft.com/office/drawing/2014/main" id="{A959DDB7-1BF9-4963-9901-AE8A8DFB8302}"/>
-              </a:ext>
-            </a:extLst>
-          </p:cNvPr>
-          <p:cNvPicPr>
-            <a:picLocks noGrp="1" noChangeAspect="1"/>
-          </p:cNvPicPr>
-          <p:nvPr>
-            <p:ph type="pic" sz="quarter" idx="49"/>
-          </p:nvPr>
-        </p:nvPicPr>
-        <p:blipFill>
-          <a:blip r:embed="rId6">
-            <a:extLst>
-              <a:ext uri="{28A0092B-C50C-407E-A947-70E740481C1C}">
-                <a14:useLocalDpi xmlns:a14="http://schemas.microsoft.com/office/drawing/2010/main"/>
-              </a:ext>
-              <a:ext uri="{96DAC541-7B7A-43D3-8B79-37D633B846F1}">
-                <asvg:svgBlip xmlns:asvg="http://schemas.microsoft.com/office/drawing/2016/SVG/main" r:embed="rId7"/>
-              </a:ext>
-            </a:extLst>
-          </a:blip>
-          <a:srcRect/>
-          <a:stretch>
-            <a:fillRect/>
-          </a:stretch>
-        </p:blipFill>
-        <p:spPr/>
-      </p:pic>
-      <p:sp>
-        <p:nvSpPr>
-          <p:cNvPr id="9" name="Text Placeholder 8">
-            <a:extLst>
-              <a:ext uri="{FF2B5EF4-FFF2-40B4-BE49-F238E27FC236}">
-                <a16:creationId xmlns:a16="http://schemas.microsoft.com/office/drawing/2014/main" id="{1F1C8737-2F2E-4041-B588-265FBBB08170}"/>
-              </a:ext>
-            </a:extLst>
-          </p:cNvPr>
-          <p:cNvSpPr>
-            <a:spLocks noGrp="1"/>
-          </p:cNvSpPr>
-          <p:nvPr>
-            <p:ph type="body" sz="quarter" idx="35"/>
-          </p:nvPr>
-        </p:nvSpPr>
-        <p:spPr/>
-        <p:txBody>
-          <a:bodyPr/>
-          <a:lstStyle/>
-          <a:p>
-            <a:r>
-              <a:rPr lang="en-ZA" dirty="0"/>
-              <a:t>Invest</a:t>
-            </a:r>
-          </a:p>
-        </p:txBody>
-      </p:sp>
-      <p:sp>
-        <p:nvSpPr>
-          <p:cNvPr id="10" name="Text Placeholder 9">
-            <a:extLst>
-              <a:ext uri="{FF2B5EF4-FFF2-40B4-BE49-F238E27FC236}">
-                <a16:creationId xmlns:a16="http://schemas.microsoft.com/office/drawing/2014/main" id="{76E85709-7A8D-448D-80D2-31C8C1E22A72}"/>
-              </a:ext>
-            </a:extLst>
-          </p:cNvPr>
-          <p:cNvSpPr>
-            <a:spLocks noGrp="1"/>
-          </p:cNvSpPr>
-          <p:nvPr>
-            <p:ph type="body" sz="quarter" idx="36"/>
-          </p:nvPr>
-        </p:nvSpPr>
-        <p:spPr/>
-        <p:txBody>
-          <a:bodyPr/>
-          <a:lstStyle/>
-          <a:p>
-            <a:r>
-              <a:rPr lang="en-ZA" dirty="0"/>
-              <a:t>Lorem </a:t>
-            </a:r>
-            <a:r>
-              <a:rPr lang="en-ZA" noProof="1"/>
-              <a:t>ipsum dolor sit amet, consectetur adipiscing elit. </a:t>
-            </a:r>
-          </a:p>
-          <a:p>
-            <a:endParaRPr lang="en-ZA" dirty="0"/>
-          </a:p>
-        </p:txBody>
-      </p:sp>
-      <p:sp>
-        <p:nvSpPr>
-          <p:cNvPr id="3" name="Slide Number Placeholder 2">
-            <a:extLst>
-              <a:ext uri="{FF2B5EF4-FFF2-40B4-BE49-F238E27FC236}">
-                <a16:creationId xmlns:a16="http://schemas.microsoft.com/office/drawing/2014/main" id="{87D3768A-5307-49F8-B634-ACCA9B7C4886}"/>
-              </a:ext>
-            </a:extLst>
-          </p:cNvPr>
-          <p:cNvSpPr>
-            <a:spLocks noGrp="1"/>
-          </p:cNvSpPr>
-          <p:nvPr>
-            <p:ph type="sldNum" sz="quarter" idx="51"/>
-          </p:nvPr>
-        </p:nvSpPr>
-        <p:spPr/>
-        <p:txBody>
-          <a:bodyPr/>
-          <a:lstStyle/>
-          <a:p>
-            <a:r>
-              <a:rPr lang="en-ZA" dirty="0"/>
-              <a:t>page </a:t>
-            </a:r>
-            <a:fld id="{19B51A1E-902D-48AF-9020-955120F399B6}" type="slidenum">
-              <a:rPr lang="en-ZA" smtClean="0"/>
-              <a:pPr/>
-              <a:t>7</a:t>
-            </a:fld>
-            <a:endParaRPr lang="en-ZA" dirty="0"/>
-          </a:p>
-        </p:txBody>
-      </p:sp>
-      <p:sp>
-        <p:nvSpPr>
-          <p:cNvPr id="2" name="Title 1">
-            <a:extLst>
-              <a:ext uri="{FF2B5EF4-FFF2-40B4-BE49-F238E27FC236}">
-                <a16:creationId xmlns:a16="http://schemas.microsoft.com/office/drawing/2014/main" id="{4211B054-7855-4114-9BCE-0130BF9C0105}"/>
-              </a:ext>
-            </a:extLst>
-          </p:cNvPr>
-          <p:cNvSpPr>
-            <a:spLocks noGrp="1"/>
-          </p:cNvSpPr>
-          <p:nvPr>
-            <p:ph type="title"/>
-          </p:nvPr>
-        </p:nvSpPr>
-        <p:spPr/>
-        <p:txBody>
-          <a:bodyPr/>
-          <a:lstStyle/>
-          <a:p>
-            <a:r>
-              <a:rPr lang="en-ZA" dirty="0"/>
-              <a:t>Business Model</a:t>
-            </a:r>
-          </a:p>
-        </p:txBody>
-      </p:sp>
-      <p:sp>
-        <p:nvSpPr>
-          <p:cNvPr id="4" name="Text Placeholder 3">
-            <a:extLst>
-              <a:ext uri="{FF2B5EF4-FFF2-40B4-BE49-F238E27FC236}">
-                <a16:creationId xmlns:a16="http://schemas.microsoft.com/office/drawing/2014/main" id="{A129710F-626E-47E6-9916-873AC71C7279}"/>
-              </a:ext>
-            </a:extLst>
-          </p:cNvPr>
-          <p:cNvSpPr>
-            <a:spLocks noGrp="1"/>
-          </p:cNvSpPr>
-          <p:nvPr>
-            <p:ph type="body" sz="quarter" idx="13"/>
-          </p:nvPr>
-        </p:nvSpPr>
-        <p:spPr/>
-        <p:txBody>
-          <a:bodyPr/>
-          <a:lstStyle/>
-          <a:p>
-            <a:r>
-              <a:rPr lang="en-ZA" dirty="0"/>
-              <a:t>Lorem ipsum dolor sit amet, consectetur adipiscing elit. </a:t>
-            </a:r>
-          </a:p>
-        </p:txBody>
-      </p:sp>
-    </p:spTree>
-    <p:extLst>
-      <p:ext uri="{BB962C8B-B14F-4D97-AF65-F5344CB8AC3E}">
-        <p14:creationId xmlns:p14="http://schemas.microsoft.com/office/powerpoint/2010/main" val="2690967490"/>
+        <p14:creationId xmlns:p14="http://schemas.microsoft.com/office/powerpoint/2010/main" val="868562009"/>
       </p:ext>
     </p:extLst>
   </p:cSld>
@@ -23278,10 +23507,10 @@
       </p:grpSpPr>
       <p:pic>
         <p:nvPicPr>
-          <p:cNvPr id="24" name="Picture Placeholder 23" descr="Profile Photo">
-            <a:extLst>
-              <a:ext uri="{FF2B5EF4-FFF2-40B4-BE49-F238E27FC236}">
-                <a16:creationId xmlns:a16="http://schemas.microsoft.com/office/drawing/2014/main" id="{FC371A7F-EE65-4195-86A1-8ECED0B4207A}"/>
+          <p:cNvPr id="27" name="Picture Placeholder 26" descr="Teacher">
+            <a:extLst>
+              <a:ext uri="{FF2B5EF4-FFF2-40B4-BE49-F238E27FC236}">
+                <a16:creationId xmlns:a16="http://schemas.microsoft.com/office/drawing/2014/main" id="{EF145220-68FE-4BC3-8DF6-074CABEAC097}"/>
               </a:ext>
             </a:extLst>
           </p:cNvPr>
@@ -23289,15 +23518,17 @@
             <a:picLocks noGrp="1" noChangeAspect="1"/>
           </p:cNvPicPr>
           <p:nvPr>
-            <p:ph type="pic" sz="quarter" idx="41"/>
+            <p:ph type="pic" sz="quarter" idx="45"/>
           </p:nvPr>
         </p:nvPicPr>
         <p:blipFill>
-          <a:blip r:embed="rId2" cstate="screen">
-            <a:grayscl/>
+          <a:blip r:embed="rId2">
             <a:extLst>
               <a:ext uri="{28A0092B-C50C-407E-A947-70E740481C1C}">
                 <a14:useLocalDpi xmlns:a14="http://schemas.microsoft.com/office/drawing/2010/main"/>
+              </a:ext>
+              <a:ext uri="{96DAC541-7B7A-43D3-8B79-37D633B846F1}">
+                <asvg:svgBlip xmlns:asvg="http://schemas.microsoft.com/office/drawing/2016/SVG/main" r:embed="rId3"/>
               </a:ext>
             </a:extLst>
           </a:blip>
@@ -23313,7 +23544,7 @@
           <p:cNvPr id="6" name="Text Placeholder 5">
             <a:extLst>
               <a:ext uri="{FF2B5EF4-FFF2-40B4-BE49-F238E27FC236}">
-                <a16:creationId xmlns:a16="http://schemas.microsoft.com/office/drawing/2014/main" id="{CA4E43DC-79BE-45E7-A216-2671BD944C67}"/>
+                <a16:creationId xmlns:a16="http://schemas.microsoft.com/office/drawing/2014/main" id="{1D5F34C1-576F-4BF7-8C9C-D507F213AE68}"/>
               </a:ext>
             </a:extLst>
           </p:cNvPr>
@@ -23331,7 +23562,7 @@
           <a:p>
             <a:r>
               <a:rPr lang="en-ZA" dirty="0"/>
-              <a:t>Mirjam Nilsson</a:t>
+              <a:t>Prioritize</a:t>
             </a:r>
           </a:p>
         </p:txBody>
@@ -23341,7 +23572,7 @@
           <p:cNvPr id="7" name="Text Placeholder 6">
             <a:extLst>
               <a:ext uri="{FF2B5EF4-FFF2-40B4-BE49-F238E27FC236}">
-                <a16:creationId xmlns:a16="http://schemas.microsoft.com/office/drawing/2014/main" id="{D4BFA3CF-DB91-465B-9E17-6332187729B0}"/>
+                <a16:creationId xmlns:a16="http://schemas.microsoft.com/office/drawing/2014/main" id="{FBE93992-F65E-48D7-971D-FA51E969BEFE}"/>
               </a:ext>
             </a:extLst>
           </p:cNvPr>
@@ -23359,17 +23590,21 @@
           <a:p>
             <a:r>
               <a:rPr lang="en-ZA" dirty="0"/>
-              <a:t>COO</a:t>
-            </a:r>
+              <a:t>Reminding dementia patients about daily tasks</a:t>
+            </a:r>
+            <a:endParaRPr lang="en-ZA" noProof="1"/>
+          </a:p>
+          <a:p>
+            <a:endParaRPr lang="en-ZA" dirty="0"/>
           </a:p>
         </p:txBody>
       </p:sp>
       <p:pic>
         <p:nvPicPr>
-          <p:cNvPr id="26" name="Picture Placeholder 25" descr="Profile Photo">
-            <a:extLst>
-              <a:ext uri="{FF2B5EF4-FFF2-40B4-BE49-F238E27FC236}">
-                <a16:creationId xmlns:a16="http://schemas.microsoft.com/office/drawing/2014/main" id="{A83B3A1A-1842-4B27-A578-D179E6A77E14}"/>
+          <p:cNvPr id="29" name="Picture Placeholder 28" descr="Lecturer">
+            <a:extLst>
+              <a:ext uri="{FF2B5EF4-FFF2-40B4-BE49-F238E27FC236}">
+                <a16:creationId xmlns:a16="http://schemas.microsoft.com/office/drawing/2014/main" id="{344FCB42-636B-4918-8866-D50ACA206D8C}"/>
               </a:ext>
             </a:extLst>
           </p:cNvPr>
@@ -23377,103 +23612,17 @@
             <a:picLocks noGrp="1" noChangeAspect="1"/>
           </p:cNvPicPr>
           <p:nvPr>
-            <p:ph type="pic" sz="quarter" idx="42"/>
-          </p:nvPr>
-        </p:nvPicPr>
-        <p:blipFill>
-          <a:blip r:embed="rId3" cstate="screen">
-            <a:grayscl/>
-            <a:extLst>
-              <a:ext uri="{28A0092B-C50C-407E-A947-70E740481C1C}">
-                <a14:useLocalDpi xmlns:a14="http://schemas.microsoft.com/office/drawing/2010/main"/>
-              </a:ext>
-            </a:extLst>
-          </a:blip>
-          <a:srcRect l="65" r="65"/>
-          <a:stretch>
-            <a:fillRect/>
-          </a:stretch>
-        </p:blipFill>
-        <p:spPr/>
-      </p:pic>
-      <p:sp>
-        <p:nvSpPr>
-          <p:cNvPr id="9" name="Text Placeholder 8">
-            <a:extLst>
-              <a:ext uri="{FF2B5EF4-FFF2-40B4-BE49-F238E27FC236}">
-                <a16:creationId xmlns:a16="http://schemas.microsoft.com/office/drawing/2014/main" id="{52501EAB-3443-481B-9C04-A7B933F36285}"/>
-              </a:ext>
-            </a:extLst>
-          </p:cNvPr>
-          <p:cNvSpPr>
-            <a:spLocks noGrp="1"/>
-          </p:cNvSpPr>
-          <p:nvPr>
-            <p:ph type="body" sz="quarter" idx="49"/>
-          </p:nvPr>
-        </p:nvSpPr>
-        <p:spPr/>
-        <p:txBody>
-          <a:bodyPr/>
-          <a:lstStyle/>
-          <a:p>
-            <a:r>
-              <a:rPr lang="en-ZA" dirty="0"/>
-              <a:t>Victoria Lindqvist</a:t>
-            </a:r>
-          </a:p>
-        </p:txBody>
-      </p:sp>
-      <p:sp>
-        <p:nvSpPr>
-          <p:cNvPr id="10" name="Text Placeholder 9">
-            <a:extLst>
-              <a:ext uri="{FF2B5EF4-FFF2-40B4-BE49-F238E27FC236}">
-                <a16:creationId xmlns:a16="http://schemas.microsoft.com/office/drawing/2014/main" id="{12184F99-4DD3-4944-ABFC-1BAC53C2B447}"/>
-              </a:ext>
-            </a:extLst>
-          </p:cNvPr>
-          <p:cNvSpPr>
-            <a:spLocks noGrp="1"/>
-          </p:cNvSpPr>
-          <p:nvPr>
-            <p:ph type="body" sz="quarter" idx="50"/>
-          </p:nvPr>
-        </p:nvSpPr>
-        <p:spPr/>
-        <p:txBody>
-          <a:bodyPr/>
-          <a:lstStyle/>
-          <a:p>
-            <a:r>
-              <a:rPr lang="en-ZA" dirty="0"/>
-              <a:t>COB</a:t>
-            </a:r>
-          </a:p>
-        </p:txBody>
-      </p:sp>
-      <p:pic>
-        <p:nvPicPr>
-          <p:cNvPr id="28" name="Picture Placeholder 27" descr="Profile Photo">
-            <a:extLst>
-              <a:ext uri="{FF2B5EF4-FFF2-40B4-BE49-F238E27FC236}">
-                <a16:creationId xmlns:a16="http://schemas.microsoft.com/office/drawing/2014/main" id="{A0FEAE46-9AE4-4548-A546-E3A75A1EE344}"/>
-              </a:ext>
-            </a:extLst>
-          </p:cNvPr>
-          <p:cNvPicPr>
-            <a:picLocks noGrp="1" noChangeAspect="1"/>
-          </p:cNvPicPr>
-          <p:nvPr>
-            <p:ph type="pic" sz="quarter" idx="43"/>
+            <p:ph type="pic" sz="quarter" idx="47"/>
           </p:nvPr>
         </p:nvPicPr>
         <p:blipFill>
           <a:blip r:embed="rId4" cstate="screen">
-            <a:grayscl/>
             <a:extLst>
               <a:ext uri="{28A0092B-C50C-407E-A947-70E740481C1C}">
                 <a14:useLocalDpi xmlns:a14="http://schemas.microsoft.com/office/drawing/2010/main"/>
+              </a:ext>
+              <a:ext uri="{96DAC541-7B7A-43D3-8B79-37D633B846F1}">
+                <asvg:svgBlip xmlns:asvg="http://schemas.microsoft.com/office/drawing/2016/SVG/main" r:embed="rId5"/>
               </a:ext>
             </a:extLst>
           </a:blip>
@@ -23486,18 +23635,18 @@
       </p:pic>
       <p:sp>
         <p:nvSpPr>
-          <p:cNvPr id="12" name="Text Placeholder 11">
-            <a:extLst>
-              <a:ext uri="{FF2B5EF4-FFF2-40B4-BE49-F238E27FC236}">
-                <a16:creationId xmlns:a16="http://schemas.microsoft.com/office/drawing/2014/main" id="{E7EDDEA1-898C-4B9E-891D-BE99BDBE1059}"/>
-              </a:ext>
-            </a:extLst>
-          </p:cNvPr>
-          <p:cNvSpPr>
-            <a:spLocks noGrp="1"/>
-          </p:cNvSpPr>
-          <p:nvPr>
-            <p:ph type="body" sz="quarter" idx="51"/>
+          <p:cNvPr id="8" name="Text Placeholder 7">
+            <a:extLst>
+              <a:ext uri="{FF2B5EF4-FFF2-40B4-BE49-F238E27FC236}">
+                <a16:creationId xmlns:a16="http://schemas.microsoft.com/office/drawing/2014/main" id="{8CB0B4A0-79F2-4CB5-BBB6-FEEBD8465250}"/>
+              </a:ext>
+            </a:extLst>
+          </p:cNvPr>
+          <p:cNvSpPr>
+            <a:spLocks noGrp="1"/>
+          </p:cNvSpPr>
+          <p:nvPr>
+            <p:ph type="body" sz="quarter" idx="33"/>
           </p:nvPr>
         </p:nvSpPr>
         <p:spPr/>
@@ -23507,25 +23656,25 @@
           <a:p>
             <a:r>
               <a:rPr lang="en-ZA" dirty="0"/>
-              <a:t>Alexander Martensson</a:t>
-            </a:r>
-          </a:p>
-        </p:txBody>
-      </p:sp>
-      <p:sp>
-        <p:nvSpPr>
-          <p:cNvPr id="13" name="Text Placeholder 12">
-            <a:extLst>
-              <a:ext uri="{FF2B5EF4-FFF2-40B4-BE49-F238E27FC236}">
-                <a16:creationId xmlns:a16="http://schemas.microsoft.com/office/drawing/2014/main" id="{0960DE56-ADD5-4F3F-BFE6-076D46045B33}"/>
-              </a:ext>
-            </a:extLst>
-          </p:cNvPr>
-          <p:cNvSpPr>
-            <a:spLocks noGrp="1"/>
-          </p:cNvSpPr>
-          <p:nvPr>
-            <p:ph type="body" sz="quarter" idx="52"/>
+              <a:t>Authorize</a:t>
+            </a:r>
+          </a:p>
+        </p:txBody>
+      </p:sp>
+      <p:sp>
+        <p:nvSpPr>
+          <p:cNvPr id="9" name="Text Placeholder 8">
+            <a:extLst>
+              <a:ext uri="{FF2B5EF4-FFF2-40B4-BE49-F238E27FC236}">
+                <a16:creationId xmlns:a16="http://schemas.microsoft.com/office/drawing/2014/main" id="{66810F29-B4A6-4A97-903D-F931D52ACA7F}"/>
+              </a:ext>
+            </a:extLst>
+          </p:cNvPr>
+          <p:cNvSpPr>
+            <a:spLocks noGrp="1"/>
+          </p:cNvSpPr>
+          <p:nvPr>
+            <p:ph type="body" sz="quarter" idx="34"/>
           </p:nvPr>
         </p:nvSpPr>
         <p:spPr/>
@@ -23535,17 +23684,21 @@
           <a:p>
             <a:r>
               <a:rPr lang="en-ZA" dirty="0"/>
-              <a:t>CFO</a:t>
-            </a:r>
+              <a:t>Having someone who controls the tasks</a:t>
+            </a:r>
+            <a:endParaRPr lang="en-ZA" noProof="1"/>
+          </a:p>
+          <a:p>
+            <a:endParaRPr lang="en-ZA" dirty="0"/>
           </a:p>
         </p:txBody>
       </p:sp>
       <p:pic>
         <p:nvPicPr>
-          <p:cNvPr id="30" name="Picture Placeholder 29" descr="Profile Photo">
-            <a:extLst>
-              <a:ext uri="{FF2B5EF4-FFF2-40B4-BE49-F238E27FC236}">
-                <a16:creationId xmlns:a16="http://schemas.microsoft.com/office/drawing/2014/main" id="{3FA97161-1437-4446-8F3D-9F9A8F4AA454}"/>
+          <p:cNvPr id="31" name="Picture Placeholder 30" descr="Coins">
+            <a:extLst>
+              <a:ext uri="{FF2B5EF4-FFF2-40B4-BE49-F238E27FC236}">
+                <a16:creationId xmlns:a16="http://schemas.microsoft.com/office/drawing/2014/main" id="{A1AA205C-54CC-4A28-9B43-520D5A97DD74}"/>
               </a:ext>
             </a:extLst>
           </p:cNvPr>
@@ -23553,15 +23706,17 @@
             <a:picLocks noGrp="1" noChangeAspect="1"/>
           </p:cNvPicPr>
           <p:nvPr>
-            <p:ph type="pic" sz="quarter" idx="55"/>
+            <p:ph type="pic" sz="quarter" idx="48"/>
           </p:nvPr>
         </p:nvPicPr>
         <p:blipFill>
-          <a:blip r:embed="rId5" cstate="screen">
-            <a:grayscl/>
+          <a:blip r:embed="rId6" cstate="screen">
             <a:extLst>
               <a:ext uri="{28A0092B-C50C-407E-A947-70E740481C1C}">
                 <a14:useLocalDpi xmlns:a14="http://schemas.microsoft.com/office/drawing/2010/main"/>
+              </a:ext>
+              <a:ext uri="{96DAC541-7B7A-43D3-8B79-37D633B846F1}">
+                <asvg:svgBlip xmlns:asvg="http://schemas.microsoft.com/office/drawing/2016/SVG/main" r:embed="rId7"/>
               </a:ext>
             </a:extLst>
           </a:blip>
@@ -23574,18 +23729,18 @@
       </p:pic>
       <p:sp>
         <p:nvSpPr>
-          <p:cNvPr id="15" name="Text Placeholder 14">
-            <a:extLst>
-              <a:ext uri="{FF2B5EF4-FFF2-40B4-BE49-F238E27FC236}">
-                <a16:creationId xmlns:a16="http://schemas.microsoft.com/office/drawing/2014/main" id="{1A277DA6-6AF7-4645-85B6-E2DD818E96E1}"/>
-              </a:ext>
-            </a:extLst>
-          </p:cNvPr>
-          <p:cNvSpPr>
-            <a:spLocks noGrp="1"/>
-          </p:cNvSpPr>
-          <p:nvPr>
-            <p:ph type="body" sz="quarter" idx="53"/>
+          <p:cNvPr id="10" name="Text Placeholder 9">
+            <a:extLst>
+              <a:ext uri="{FF2B5EF4-FFF2-40B4-BE49-F238E27FC236}">
+                <a16:creationId xmlns:a16="http://schemas.microsoft.com/office/drawing/2014/main" id="{68053976-DF5A-4CE2-94FB-5F70C9064260}"/>
+              </a:ext>
+            </a:extLst>
+          </p:cNvPr>
+          <p:cNvSpPr>
+            <a:spLocks noGrp="1"/>
+          </p:cNvSpPr>
+          <p:nvPr>
+            <p:ph type="body" sz="quarter" idx="35"/>
           </p:nvPr>
         </p:nvSpPr>
         <p:spPr/>
@@ -23595,25 +23750,25 @@
           <a:p>
             <a:r>
               <a:rPr lang="en-ZA" dirty="0"/>
-              <a:t>Angelica Astrom</a:t>
-            </a:r>
-          </a:p>
-        </p:txBody>
-      </p:sp>
-      <p:sp>
-        <p:nvSpPr>
-          <p:cNvPr id="16" name="Text Placeholder 15">
-            <a:extLst>
-              <a:ext uri="{FF2B5EF4-FFF2-40B4-BE49-F238E27FC236}">
-                <a16:creationId xmlns:a16="http://schemas.microsoft.com/office/drawing/2014/main" id="{8F93D0B3-1EBC-4A31-B6D5-EB3DA64B9FBF}"/>
-              </a:ext>
-            </a:extLst>
-          </p:cNvPr>
-          <p:cNvSpPr>
-            <a:spLocks noGrp="1"/>
-          </p:cNvSpPr>
-          <p:nvPr>
-            <p:ph type="body" sz="quarter" idx="54"/>
+              <a:t>Monetize</a:t>
+            </a:r>
+          </a:p>
+        </p:txBody>
+      </p:sp>
+      <p:sp>
+        <p:nvSpPr>
+          <p:cNvPr id="11" name="Text Placeholder 10">
+            <a:extLst>
+              <a:ext uri="{FF2B5EF4-FFF2-40B4-BE49-F238E27FC236}">
+                <a16:creationId xmlns:a16="http://schemas.microsoft.com/office/drawing/2014/main" id="{89256EF6-3CDE-4ADE-8753-BF5040E3C65B}"/>
+              </a:ext>
+            </a:extLst>
+          </p:cNvPr>
+          <p:cNvSpPr>
+            <a:spLocks noGrp="1"/>
+          </p:cNvSpPr>
+          <p:nvPr>
+            <p:ph type="body" sz="quarter" idx="36"/>
           </p:nvPr>
         </p:nvSpPr>
         <p:spPr/>
@@ -23623,17 +23778,21 @@
           <a:p>
             <a:r>
               <a:rPr lang="en-ZA" dirty="0"/>
-              <a:t>Head of Operations</a:t>
-            </a:r>
+              <a:t>Reducing the cost of daily care </a:t>
+            </a:r>
+            <a:endParaRPr lang="en-ZA" noProof="1"/>
+          </a:p>
+          <a:p>
+            <a:endParaRPr lang="en-ZA" dirty="0"/>
           </a:p>
         </p:txBody>
       </p:sp>
       <p:pic>
         <p:nvPicPr>
-          <p:cNvPr id="32" name="Picture Placeholder 31" descr="Profile Photo">
-            <a:extLst>
-              <a:ext uri="{FF2B5EF4-FFF2-40B4-BE49-F238E27FC236}">
-                <a16:creationId xmlns:a16="http://schemas.microsoft.com/office/drawing/2014/main" id="{BBB096B6-0847-4F89-83D8-A1DADF7112F6}"/>
+          <p:cNvPr id="33" name="Picture Placeholder 32" descr="Fibre optic wires">
+            <a:extLst>
+              <a:ext uri="{FF2B5EF4-FFF2-40B4-BE49-F238E27FC236}">
+                <a16:creationId xmlns:a16="http://schemas.microsoft.com/office/drawing/2014/main" id="{B21FC1DB-B2B2-4AAC-9181-840F2A673C0C}"/>
               </a:ext>
             </a:extLst>
           </p:cNvPr>
@@ -23641,12 +23800,11 @@
             <a:picLocks noGrp="1" noChangeAspect="1"/>
           </p:cNvPicPr>
           <p:nvPr>
-            <p:ph type="pic" sz="quarter" idx="56"/>
+            <p:ph type="pic" sz="quarter" idx="10"/>
           </p:nvPr>
         </p:nvPicPr>
         <p:blipFill>
-          <a:blip r:embed="rId6" cstate="screen">
-            <a:grayscl/>
+          <a:blip r:embed="rId8" cstate="screen">
             <a:extLst>
               <a:ext uri="{28A0092B-C50C-407E-A947-70E740481C1C}">
                 <a14:useLocalDpi xmlns:a14="http://schemas.microsoft.com/office/drawing/2010/main"/>
@@ -23662,190 +23820,18 @@
       </p:pic>
       <p:sp>
         <p:nvSpPr>
-          <p:cNvPr id="18" name="Text Placeholder 17">
-            <a:extLst>
-              <a:ext uri="{FF2B5EF4-FFF2-40B4-BE49-F238E27FC236}">
-                <a16:creationId xmlns:a16="http://schemas.microsoft.com/office/drawing/2014/main" id="{29A93B4B-935D-4D19-8CC5-5D8CC08FD022}"/>
-              </a:ext>
-            </a:extLst>
-          </p:cNvPr>
-          <p:cNvSpPr>
-            <a:spLocks noGrp="1"/>
-          </p:cNvSpPr>
-          <p:nvPr>
-            <p:ph type="body" sz="quarter" idx="58"/>
-          </p:nvPr>
-        </p:nvSpPr>
-        <p:spPr/>
-        <p:txBody>
-          <a:bodyPr/>
-          <a:lstStyle/>
-          <a:p>
-            <a:r>
-              <a:rPr lang="en-ZA" dirty="0"/>
-              <a:t>Mira Karlsson</a:t>
-            </a:r>
-          </a:p>
-        </p:txBody>
-      </p:sp>
-      <p:sp>
-        <p:nvSpPr>
-          <p:cNvPr id="19" name="Text Placeholder 18">
-            <a:extLst>
-              <a:ext uri="{FF2B5EF4-FFF2-40B4-BE49-F238E27FC236}">
-                <a16:creationId xmlns:a16="http://schemas.microsoft.com/office/drawing/2014/main" id="{0F949A24-E239-4AB3-A3FC-EDFF83BDE9CA}"/>
-              </a:ext>
-            </a:extLst>
-          </p:cNvPr>
-          <p:cNvSpPr>
-            <a:spLocks noGrp="1"/>
-          </p:cNvSpPr>
-          <p:nvPr>
-            <p:ph type="body" sz="quarter" idx="59"/>
-          </p:nvPr>
-        </p:nvSpPr>
-        <p:spPr/>
-        <p:txBody>
-          <a:bodyPr/>
-          <a:lstStyle/>
-          <a:p>
-            <a:r>
-              <a:rPr lang="en-ZA" dirty="0"/>
-              <a:t>Head of Technical</a:t>
-            </a:r>
-          </a:p>
-        </p:txBody>
-      </p:sp>
-      <p:pic>
-        <p:nvPicPr>
-          <p:cNvPr id="34" name="Picture Placeholder 33" descr="Profile Photo">
-            <a:extLst>
-              <a:ext uri="{FF2B5EF4-FFF2-40B4-BE49-F238E27FC236}">
-                <a16:creationId xmlns:a16="http://schemas.microsoft.com/office/drawing/2014/main" id="{2A7A440D-D1A9-486C-9C65-A36D410B9465}"/>
-              </a:ext>
-            </a:extLst>
-          </p:cNvPr>
-          <p:cNvPicPr>
-            <a:picLocks noGrp="1" noChangeAspect="1"/>
-          </p:cNvPicPr>
-          <p:nvPr>
-            <p:ph type="pic" sz="quarter" idx="57"/>
-          </p:nvPr>
-        </p:nvPicPr>
-        <p:blipFill>
-          <a:blip r:embed="rId7" cstate="screen">
-            <a:grayscl/>
-            <a:extLst>
-              <a:ext uri="{28A0092B-C50C-407E-A947-70E740481C1C}">
-                <a14:useLocalDpi xmlns:a14="http://schemas.microsoft.com/office/drawing/2010/main"/>
-              </a:ext>
-            </a:extLst>
-          </a:blip>
-          <a:srcRect/>
-          <a:stretch>
-            <a:fillRect/>
-          </a:stretch>
-        </p:blipFill>
-        <p:spPr/>
-      </p:pic>
-      <p:sp>
-        <p:nvSpPr>
-          <p:cNvPr id="21" name="Text Placeholder 20">
-            <a:extLst>
-              <a:ext uri="{FF2B5EF4-FFF2-40B4-BE49-F238E27FC236}">
-                <a16:creationId xmlns:a16="http://schemas.microsoft.com/office/drawing/2014/main" id="{C30081B2-8CBF-44F8-A13B-DEFA7589439A}"/>
-              </a:ext>
-            </a:extLst>
-          </p:cNvPr>
-          <p:cNvSpPr>
-            <a:spLocks noGrp="1"/>
-          </p:cNvSpPr>
-          <p:nvPr>
-            <p:ph type="body" sz="quarter" idx="60"/>
-          </p:nvPr>
-        </p:nvSpPr>
-        <p:spPr/>
-        <p:txBody>
-          <a:bodyPr/>
-          <a:lstStyle/>
-          <a:p>
-            <a:r>
-              <a:rPr lang="en-ZA" dirty="0"/>
-              <a:t>Flora Berggren</a:t>
-            </a:r>
-          </a:p>
-        </p:txBody>
-      </p:sp>
-      <p:sp>
-        <p:nvSpPr>
-          <p:cNvPr id="22" name="Text Placeholder 21">
-            <a:extLst>
-              <a:ext uri="{FF2B5EF4-FFF2-40B4-BE49-F238E27FC236}">
-                <a16:creationId xmlns:a16="http://schemas.microsoft.com/office/drawing/2014/main" id="{4B311816-FA44-451E-99BA-593D9A59D4AB}"/>
-              </a:ext>
-            </a:extLst>
-          </p:cNvPr>
-          <p:cNvSpPr>
-            <a:spLocks noGrp="1"/>
-          </p:cNvSpPr>
-          <p:nvPr>
-            <p:ph type="body" sz="quarter" idx="61"/>
-          </p:nvPr>
-        </p:nvSpPr>
-        <p:spPr/>
-        <p:txBody>
-          <a:bodyPr/>
-          <a:lstStyle/>
-          <a:p>
-            <a:r>
-              <a:rPr lang="en-ZA" dirty="0"/>
-              <a:t>Creative Director</a:t>
-            </a:r>
-          </a:p>
-        </p:txBody>
-      </p:sp>
-      <p:sp>
-        <p:nvSpPr>
-          <p:cNvPr id="3" name="Title 2">
-            <a:extLst>
-              <a:ext uri="{FF2B5EF4-FFF2-40B4-BE49-F238E27FC236}">
-                <a16:creationId xmlns:a16="http://schemas.microsoft.com/office/drawing/2014/main" id="{96D7CEBE-50B8-4649-B7B3-12F0A067544E}"/>
-              </a:ext>
-            </a:extLst>
-          </p:cNvPr>
-          <p:cNvSpPr>
-            <a:spLocks noGrp="1"/>
-          </p:cNvSpPr>
-          <p:nvPr>
-            <p:ph type="title"/>
-          </p:nvPr>
-        </p:nvSpPr>
-        <p:spPr/>
-        <p:txBody>
-          <a:bodyPr/>
-          <a:lstStyle/>
-          <a:p>
-            <a:r>
-              <a:rPr lang="en-ZA" dirty="0"/>
-              <a:t>Team</a:t>
-            </a:r>
-          </a:p>
-        </p:txBody>
-      </p:sp>
-      <p:sp>
-        <p:nvSpPr>
-          <p:cNvPr id="2" name="Slide Number Placeholder 1">
-            <a:extLst>
-              <a:ext uri="{FF2B5EF4-FFF2-40B4-BE49-F238E27FC236}">
-                <a16:creationId xmlns:a16="http://schemas.microsoft.com/office/drawing/2014/main" id="{1083AE5C-EF68-4A2B-9566-EDAB608739BA}"/>
-              </a:ext>
-            </a:extLst>
-          </p:cNvPr>
-          <p:cNvSpPr>
-            <a:spLocks noGrp="1"/>
-          </p:cNvSpPr>
-          <p:nvPr>
-            <p:ph type="sldNum" sz="quarter" idx="63"/>
+          <p:cNvPr id="5" name="Slide Number Placeholder 4">
+            <a:extLst>
+              <a:ext uri="{FF2B5EF4-FFF2-40B4-BE49-F238E27FC236}">
+                <a16:creationId xmlns:a16="http://schemas.microsoft.com/office/drawing/2014/main" id="{350FC2AC-377D-452C-9D03-2F9F7AC5B560}"/>
+              </a:ext>
+            </a:extLst>
+          </p:cNvPr>
+          <p:cNvSpPr>
+            <a:spLocks noGrp="1"/>
+          </p:cNvSpPr>
+          <p:nvPr>
+            <p:ph type="sldNum" sz="quarter" idx="50"/>
           </p:nvPr>
         </p:nvSpPr>
         <p:spPr/>
@@ -23868,162 +23854,61 @@
       </p:sp>
       <p:sp>
         <p:nvSpPr>
-          <p:cNvPr id="64" name="Oval 63" descr="Glowing Orb">
-            <a:extLst>
-              <a:ext uri="{FF2B5EF4-FFF2-40B4-BE49-F238E27FC236}">
-                <a16:creationId xmlns:a16="http://schemas.microsoft.com/office/drawing/2014/main" id="{DE52A067-CAF7-484C-A382-836FBA8786F9}"/>
-              </a:ext>
-            </a:extLst>
-          </p:cNvPr>
-          <p:cNvSpPr/>
-          <p:nvPr/>
-        </p:nvSpPr>
-        <p:spPr>
-          <a:xfrm>
-            <a:off x="9213030" y="3933372"/>
-            <a:ext cx="77685" cy="77685"/>
-          </a:xfrm>
-          <a:prstGeom prst="ellipse">
-            <a:avLst/>
-          </a:prstGeom>
-          <a:gradFill flip="none" rotWithShape="1">
-            <a:gsLst>
-              <a:gs pos="0">
-                <a:srgbClr val="FFFFFF"/>
-              </a:gs>
-              <a:gs pos="70000">
-                <a:schemeClr val="accent2">
-                  <a:lumMod val="20000"/>
-                  <a:lumOff val="80000"/>
-                </a:schemeClr>
-              </a:gs>
-              <a:gs pos="65000">
-                <a:srgbClr val="F7FFFF"/>
-              </a:gs>
-            </a:gsLst>
-            <a:path path="circle">
-              <a:fillToRect l="50000" t="50000" r="50000" b="50000"/>
-            </a:path>
-            <a:tileRect/>
-          </a:gradFill>
-          <a:ln>
-            <a:noFill/>
-          </a:ln>
-          <a:effectLst>
-            <a:glow rad="165100">
-              <a:schemeClr val="accent2">
-                <a:satMod val="175000"/>
-                <a:alpha val="40000"/>
-              </a:schemeClr>
-            </a:glow>
-          </a:effectLst>
-        </p:spPr>
-        <p:style>
-          <a:lnRef idx="2">
-            <a:schemeClr val="accent1">
-              <a:shade val="50000"/>
-            </a:schemeClr>
-          </a:lnRef>
-          <a:fillRef idx="1">
-            <a:schemeClr val="accent1"/>
-          </a:fillRef>
-          <a:effectRef idx="0">
-            <a:schemeClr val="accent1"/>
-          </a:effectRef>
-          <a:fontRef idx="minor">
-            <a:schemeClr val="lt1"/>
-          </a:fontRef>
-        </p:style>
-        <p:txBody>
-          <a:bodyPr rtlCol="0" anchor="ctr"/>
+          <p:cNvPr id="3" name="Title 2">
+            <a:extLst>
+              <a:ext uri="{FF2B5EF4-FFF2-40B4-BE49-F238E27FC236}">
+                <a16:creationId xmlns:a16="http://schemas.microsoft.com/office/drawing/2014/main" id="{87C2AC9A-0FD0-4DA8-99B4-C440A1D15DA4}"/>
+              </a:ext>
+            </a:extLst>
+          </p:cNvPr>
+          <p:cNvSpPr>
+            <a:spLocks noGrp="1"/>
+          </p:cNvSpPr>
+          <p:nvPr>
+            <p:ph type="ctrTitle"/>
+          </p:nvPr>
+        </p:nvSpPr>
+        <p:spPr/>
+        <p:txBody>
+          <a:bodyPr/>
           <a:lstStyle/>
           <a:p>
-            <a:pPr algn="ctr"/>
-            <a:endParaRPr lang="en-ZA" dirty="0"/>
-          </a:p>
-        </p:txBody>
-      </p:sp>
-      <p:sp>
-        <p:nvSpPr>
-          <p:cNvPr id="65" name="Oval 64" descr="Glowing Orb">
-            <a:extLst>
-              <a:ext uri="{FF2B5EF4-FFF2-40B4-BE49-F238E27FC236}">
-                <a16:creationId xmlns:a16="http://schemas.microsoft.com/office/drawing/2014/main" id="{AD2377F1-9AF2-47EB-9582-454EB0C422F5}"/>
-              </a:ext>
-            </a:extLst>
-          </p:cNvPr>
-          <p:cNvSpPr/>
-          <p:nvPr/>
-        </p:nvSpPr>
-        <p:spPr>
-          <a:xfrm>
-            <a:off x="5601158" y="3321271"/>
-            <a:ext cx="77685" cy="77685"/>
-          </a:xfrm>
-          <a:prstGeom prst="ellipse">
-            <a:avLst/>
-          </a:prstGeom>
-          <a:gradFill flip="none" rotWithShape="1">
-            <a:gsLst>
-              <a:gs pos="0">
-                <a:srgbClr val="FFFFFF"/>
-              </a:gs>
-              <a:gs pos="70000">
-                <a:schemeClr val="accent2">
-                  <a:lumMod val="20000"/>
-                  <a:lumOff val="80000"/>
-                </a:schemeClr>
-              </a:gs>
-              <a:gs pos="65000">
-                <a:srgbClr val="F7FFFF"/>
-              </a:gs>
-            </a:gsLst>
-            <a:path path="circle">
-              <a:fillToRect l="50000" t="50000" r="50000" b="50000"/>
-            </a:path>
-            <a:tileRect/>
-          </a:gradFill>
-          <a:ln>
-            <a:noFill/>
-          </a:ln>
-          <a:effectLst>
-            <a:glow rad="165100">
-              <a:schemeClr val="accent2">
-                <a:satMod val="175000"/>
-                <a:alpha val="40000"/>
-              </a:schemeClr>
-            </a:glow>
-          </a:effectLst>
-        </p:spPr>
-        <p:style>
-          <a:lnRef idx="2">
-            <a:schemeClr val="accent1">
-              <a:shade val="50000"/>
-            </a:schemeClr>
-          </a:lnRef>
-          <a:fillRef idx="1">
-            <a:schemeClr val="accent1"/>
-          </a:fillRef>
-          <a:effectRef idx="0">
-            <a:schemeClr val="accent1"/>
-          </a:effectRef>
-          <a:fontRef idx="minor">
-            <a:schemeClr val="lt1"/>
-          </a:fontRef>
-        </p:style>
-        <p:txBody>
-          <a:bodyPr rtlCol="0" anchor="ctr"/>
+            <a:r>
+              <a:rPr lang="en-ZA" dirty="0"/>
+              <a:t>Solution</a:t>
+            </a:r>
+          </a:p>
+        </p:txBody>
+      </p:sp>
+      <p:sp>
+        <p:nvSpPr>
+          <p:cNvPr id="4" name="Subtitle 3">
+            <a:extLst>
+              <a:ext uri="{FF2B5EF4-FFF2-40B4-BE49-F238E27FC236}">
+                <a16:creationId xmlns:a16="http://schemas.microsoft.com/office/drawing/2014/main" id="{F28FED25-4DDC-4D72-A54E-3E227B420317}"/>
+              </a:ext>
+            </a:extLst>
+          </p:cNvPr>
+          <p:cNvSpPr>
+            <a:spLocks noGrp="1"/>
+          </p:cNvSpPr>
+          <p:nvPr>
+            <p:ph type="subTitle" idx="1"/>
+          </p:nvPr>
+        </p:nvSpPr>
+        <p:spPr/>
+        <p:txBody>
+          <a:bodyPr/>
           <a:lstStyle/>
           <a:p>
-            <a:pPr algn="ctr"/>
-            <a:endParaRPr lang="en-ZA" dirty="0"/>
+            <a:endParaRPr lang="en-ZA" noProof="1"/>
           </a:p>
         </p:txBody>
       </p:sp>
     </p:spTree>
     <p:extLst>
       <p:ext uri="{BB962C8B-B14F-4D97-AF65-F5344CB8AC3E}">
-        <p14:creationId xmlns:p14="http://schemas.microsoft.com/office/powerpoint/2010/main" val="214253364"/>
+        <p14:creationId xmlns:p14="http://schemas.microsoft.com/office/powerpoint/2010/main" val="3378458110"/>
       </p:ext>
     </p:extLst>
   </p:cSld>
@@ -24050,20 +23935,51 @@
           <a:chExt cx="0" cy="0"/>
         </a:xfrm>
       </p:grpSpPr>
+      <p:pic>
+        <p:nvPicPr>
+          <p:cNvPr id="58" name="Picture Placeholder 57" descr="Scientific experiment">
+            <a:extLst>
+              <a:ext uri="{FF2B5EF4-FFF2-40B4-BE49-F238E27FC236}">
+                <a16:creationId xmlns:a16="http://schemas.microsoft.com/office/drawing/2014/main" id="{BAEF06B8-4E9A-492A-A9B8-2C7DB901FCB3}"/>
+              </a:ext>
+            </a:extLst>
+          </p:cNvPr>
+          <p:cNvPicPr>
+            <a:picLocks noGrp="1" noChangeAspect="1"/>
+          </p:cNvPicPr>
+          <p:nvPr>
+            <p:ph type="pic" sz="quarter" idx="10"/>
+          </p:nvPr>
+        </p:nvPicPr>
+        <p:blipFill>
+          <a:blip r:embed="rId2" cstate="screen">
+            <a:extLst>
+              <a:ext uri="{28A0092B-C50C-407E-A947-70E740481C1C}">
+                <a14:useLocalDpi xmlns:a14="http://schemas.microsoft.com/office/drawing/2010/main"/>
+              </a:ext>
+            </a:extLst>
+          </a:blip>
+          <a:srcRect/>
+          <a:stretch>
+            <a:fillRect/>
+          </a:stretch>
+        </p:blipFill>
+        <p:spPr/>
+      </p:pic>
       <p:sp>
         <p:nvSpPr>
           <p:cNvPr id="5" name="Slide Number Placeholder 4">
             <a:extLst>
               <a:ext uri="{FF2B5EF4-FFF2-40B4-BE49-F238E27FC236}">
-                <a16:creationId xmlns:a16="http://schemas.microsoft.com/office/drawing/2014/main" id="{1CF390BA-F9E5-4A53-AE84-CFF647158688}"/>
-              </a:ext>
-            </a:extLst>
-          </p:cNvPr>
-          <p:cNvSpPr>
-            <a:spLocks noGrp="1"/>
-          </p:cNvSpPr>
-          <p:nvPr>
-            <p:ph type="sldNum" sz="quarter" idx="12"/>
+                <a16:creationId xmlns:a16="http://schemas.microsoft.com/office/drawing/2014/main" id="{620431BB-7E59-4D2E-B4E7-CA454CF90122}"/>
+              </a:ext>
+            </a:extLst>
+          </p:cNvPr>
+          <p:cNvSpPr>
+            <a:spLocks noGrp="1"/>
+          </p:cNvSpPr>
+          <p:nvPr>
+            <p:ph type="sldNum" sz="quarter" idx="50"/>
           </p:nvPr>
         </p:nvSpPr>
         <p:spPr/>
@@ -24086,18 +24002,18 @@
       </p:sp>
       <p:sp>
         <p:nvSpPr>
-          <p:cNvPr id="6" name="Content Placeholder 5">
-            <a:extLst>
-              <a:ext uri="{FF2B5EF4-FFF2-40B4-BE49-F238E27FC236}">
-                <a16:creationId xmlns:a16="http://schemas.microsoft.com/office/drawing/2014/main" id="{F9513B8E-BE7A-486A-9F5A-9FEE77C9ED27}"/>
-              </a:ext>
-            </a:extLst>
-          </p:cNvPr>
-          <p:cNvSpPr>
-            <a:spLocks noGrp="1"/>
-          </p:cNvSpPr>
-          <p:nvPr>
-            <p:ph idx="13"/>
+          <p:cNvPr id="3" name="Title 2">
+            <a:extLst>
+              <a:ext uri="{FF2B5EF4-FFF2-40B4-BE49-F238E27FC236}">
+                <a16:creationId xmlns:a16="http://schemas.microsoft.com/office/drawing/2014/main" id="{09D4394E-B587-4CD9-96D1-650A82CA0197}"/>
+              </a:ext>
+            </a:extLst>
+          </p:cNvPr>
+          <p:cNvSpPr>
+            <a:spLocks noGrp="1"/>
+          </p:cNvSpPr>
+          <p:nvPr>
+            <p:ph type="ctrTitle"/>
           </p:nvPr>
         </p:nvSpPr>
         <p:spPr/>
@@ -24106,26 +24022,26 @@
           <a:lstStyle/>
           <a:p>
             <a:r>
-              <a:rPr lang="en-ZA" noProof="1"/>
-              <a:t>We aim to improve the lives of our audience by </a:t>
-            </a:r>
-          </a:p>
-        </p:txBody>
-      </p:sp>
-      <p:sp>
-        <p:nvSpPr>
-          <p:cNvPr id="3" name="Title 2">
-            <a:extLst>
-              <a:ext uri="{FF2B5EF4-FFF2-40B4-BE49-F238E27FC236}">
-                <a16:creationId xmlns:a16="http://schemas.microsoft.com/office/drawing/2014/main" id="{DF5E3BD5-1051-4A50-9F18-DFC536C0E08E}"/>
-              </a:ext>
-            </a:extLst>
-          </p:cNvPr>
-          <p:cNvSpPr>
-            <a:spLocks noGrp="1"/>
-          </p:cNvSpPr>
-          <p:nvPr>
-            <p:ph type="ctrTitle"/>
+              <a:rPr lang="en-ZA" dirty="0"/>
+              <a:t>Product</a:t>
+            </a:r>
+          </a:p>
+        </p:txBody>
+      </p:sp>
+      <p:sp>
+        <p:nvSpPr>
+          <p:cNvPr id="4" name="Subtitle 3">
+            <a:extLst>
+              <a:ext uri="{FF2B5EF4-FFF2-40B4-BE49-F238E27FC236}">
+                <a16:creationId xmlns:a16="http://schemas.microsoft.com/office/drawing/2014/main" id="{C154CB10-3BB7-4C3D-9275-80A6E79BD7C8}"/>
+              </a:ext>
+            </a:extLst>
+          </p:cNvPr>
+          <p:cNvSpPr>
+            <a:spLocks noGrp="1"/>
+          </p:cNvSpPr>
+          <p:nvPr>
+            <p:ph type="subTitle" idx="1"/>
           </p:nvPr>
         </p:nvSpPr>
         <p:spPr/>
@@ -24133,379 +24049,413 @@
           <a:bodyPr/>
           <a:lstStyle/>
           <a:p>
-            <a:r>
-              <a:rPr lang="en-ZA" dirty="0"/>
-              <a:t>Summary</a:t>
-            </a:r>
-          </a:p>
-        </p:txBody>
-      </p:sp>
-      <p:sp>
-        <p:nvSpPr>
-          <p:cNvPr id="4" name="Subtitle 3">
-            <a:extLst>
-              <a:ext uri="{FF2B5EF4-FFF2-40B4-BE49-F238E27FC236}">
-                <a16:creationId xmlns:a16="http://schemas.microsoft.com/office/drawing/2014/main" id="{EC56582A-55F9-4B18-95E7-DD8795CF21B9}"/>
-              </a:ext>
-            </a:extLst>
-          </p:cNvPr>
-          <p:cNvSpPr>
-            <a:spLocks noGrp="1"/>
-          </p:cNvSpPr>
-          <p:nvPr>
-            <p:ph type="subTitle" idx="1"/>
-          </p:nvPr>
-        </p:nvSpPr>
-        <p:spPr/>
+            <a:endParaRPr lang="en-ZA" noProof="1"/>
+          </a:p>
+        </p:txBody>
+      </p:sp>
+      <p:pic>
+        <p:nvPicPr>
+          <p:cNvPr id="31" name="Picture Placeholder 30" descr="Bullseye">
+            <a:extLst>
+              <a:ext uri="{FF2B5EF4-FFF2-40B4-BE49-F238E27FC236}">
+                <a16:creationId xmlns:a16="http://schemas.microsoft.com/office/drawing/2014/main" id="{146C3774-1A16-4CEA-B0D9-21F4D70DD683}"/>
+              </a:ext>
+            </a:extLst>
+          </p:cNvPr>
+          <p:cNvPicPr>
+            <a:picLocks noGrp="1" noChangeAspect="1"/>
+          </p:cNvPicPr>
+          <p:nvPr>
+            <p:ph type="pic" sz="quarter" idx="52"/>
+          </p:nvPr>
+        </p:nvPicPr>
+        <p:blipFill>
+          <a:blip r:embed="rId3" cstate="screen">
+            <a:extLst>
+              <a:ext uri="{28A0092B-C50C-407E-A947-70E740481C1C}">
+                <a14:useLocalDpi xmlns:a14="http://schemas.microsoft.com/office/drawing/2010/main"/>
+              </a:ext>
+              <a:ext uri="{96DAC541-7B7A-43D3-8B79-37D633B846F1}">
+                <asvg:svgBlip xmlns:asvg="http://schemas.microsoft.com/office/drawing/2016/SVG/main" r:embed="rId4"/>
+              </a:ext>
+            </a:extLst>
+          </a:blip>
+          <a:srcRect/>
+          <a:stretch>
+            <a:fillRect/>
+          </a:stretch>
+        </p:blipFill>
+        <p:spPr>
+          <a:xfrm>
+            <a:off x="7178372" y="1079357"/>
+            <a:ext cx="621792" cy="621792"/>
+          </a:xfrm>
+        </p:spPr>
+      </p:pic>
+      <p:sp>
+        <p:nvSpPr>
+          <p:cNvPr id="6" name="Text Placeholder 5">
+            <a:extLst>
+              <a:ext uri="{FF2B5EF4-FFF2-40B4-BE49-F238E27FC236}">
+                <a16:creationId xmlns:a16="http://schemas.microsoft.com/office/drawing/2014/main" id="{84D1680A-25DD-42DD-B066-2294665CF235}"/>
+              </a:ext>
+            </a:extLst>
+          </p:cNvPr>
+          <p:cNvSpPr>
+            <a:spLocks noGrp="1"/>
+          </p:cNvSpPr>
+          <p:nvPr>
+            <p:ph type="body" sz="quarter" idx="17"/>
+          </p:nvPr>
+        </p:nvSpPr>
+        <p:spPr>
+          <a:xfrm>
+            <a:off x="6679268" y="2331629"/>
+            <a:ext cx="1620000" cy="252000"/>
+          </a:xfrm>
+        </p:spPr>
         <p:txBody>
           <a:bodyPr/>
           <a:lstStyle/>
           <a:p>
             <a:r>
               <a:rPr lang="en-ZA" dirty="0"/>
-              <a:t>Take a step to make their lives better</a:t>
-            </a:r>
-          </a:p>
-        </p:txBody>
-      </p:sp>
-      <p:grpSp>
-        <p:nvGrpSpPr>
-          <p:cNvPr id="12" name="Group 11" descr="decorative element">
-            <a:extLst>
-              <a:ext uri="{FF2B5EF4-FFF2-40B4-BE49-F238E27FC236}">
-                <a16:creationId xmlns:a16="http://schemas.microsoft.com/office/drawing/2014/main" id="{24760C03-A974-4492-8BDC-3A3B1DA41C3B}"/>
-              </a:ext>
-              <a:ext uri="{C183D7F6-B498-43B3-948B-1728B52AA6E4}">
-                <adec:decorative xmlns:adec="http://schemas.microsoft.com/office/drawing/2017/decorative" val="1"/>
-              </a:ext>
-            </a:extLst>
-          </p:cNvPr>
-          <p:cNvGrpSpPr/>
-          <p:nvPr/>
-        </p:nvGrpSpPr>
-        <p:grpSpPr>
-          <a:xfrm>
-            <a:off x="9220200" y="1125275"/>
-            <a:ext cx="2381250" cy="2335471"/>
-            <a:chOff x="1952144" y="833521"/>
-            <a:chExt cx="2846074" cy="2791358"/>
-          </a:xfrm>
-        </p:grpSpPr>
-        <p:sp>
-          <p:nvSpPr>
-            <p:cNvPr id="13" name="Oval 12">
-              <a:extLst>
-                <a:ext uri="{FF2B5EF4-FFF2-40B4-BE49-F238E27FC236}">
-                  <a16:creationId xmlns:a16="http://schemas.microsoft.com/office/drawing/2014/main" id="{82663A09-922C-4254-9D30-7A8E6E2694A8}"/>
-                </a:ext>
-              </a:extLst>
-            </p:cNvPr>
-            <p:cNvSpPr/>
-            <p:nvPr userDrawn="1"/>
-          </p:nvSpPr>
-          <p:spPr>
-            <a:xfrm>
-              <a:off x="3775686" y="2602347"/>
-              <a:ext cx="1022532" cy="1022532"/>
-            </a:xfrm>
-            <a:prstGeom prst="ellipse">
-              <a:avLst/>
-            </a:prstGeom>
-            <a:noFill/>
-            <a:ln w="3175">
-              <a:solidFill>
-                <a:schemeClr val="bg1"/>
-              </a:solidFill>
-            </a:ln>
-            <a:effectLst>
-              <a:glow rad="165100">
-                <a:schemeClr val="bg1">
-                  <a:alpha val="9000"/>
-                </a:schemeClr>
-              </a:glow>
-            </a:effectLst>
-          </p:spPr>
-          <p:style>
-            <a:lnRef idx="2">
-              <a:schemeClr val="accent1">
-                <a:shade val="50000"/>
-              </a:schemeClr>
-            </a:lnRef>
-            <a:fillRef idx="1">
-              <a:schemeClr val="accent1"/>
-            </a:fillRef>
-            <a:effectRef idx="0">
-              <a:schemeClr val="accent1"/>
-            </a:effectRef>
-            <a:fontRef idx="minor">
-              <a:schemeClr val="lt1"/>
-            </a:fontRef>
-          </p:style>
-          <p:txBody>
-            <a:bodyPr rot="0" spcFirstLastPara="0" vertOverflow="overflow" horzOverflow="overflow" vert="horz" wrap="square" lIns="91440" tIns="45720" rIns="91440" bIns="45720" numCol="1" spcCol="0" rtlCol="0" fromWordArt="0" anchor="ctr" anchorCtr="0" forceAA="0" compatLnSpc="1">
-              <a:prstTxWarp prst="textNoShape">
-                <a:avLst/>
-              </a:prstTxWarp>
-              <a:noAutofit/>
-            </a:bodyPr>
-            <a:lstStyle/>
-            <a:p>
-              <a:pPr algn="ctr"/>
-              <a:endParaRPr lang="en-ZA" dirty="0"/>
-            </a:p>
-          </p:txBody>
-        </p:sp>
-        <p:sp>
-          <p:nvSpPr>
-            <p:cNvPr id="14" name="Oval 13">
-              <a:extLst>
-                <a:ext uri="{FF2B5EF4-FFF2-40B4-BE49-F238E27FC236}">
-                  <a16:creationId xmlns:a16="http://schemas.microsoft.com/office/drawing/2014/main" id="{C045C08B-B7E1-453E-BC2E-F22D7AC53DC5}"/>
-                </a:ext>
-              </a:extLst>
-            </p:cNvPr>
-            <p:cNvSpPr/>
-            <p:nvPr userDrawn="1"/>
-          </p:nvSpPr>
-          <p:spPr>
-            <a:xfrm>
-              <a:off x="2172489" y="1005639"/>
-              <a:ext cx="399819" cy="406102"/>
-            </a:xfrm>
-            <a:prstGeom prst="ellipse">
-              <a:avLst/>
-            </a:prstGeom>
-            <a:noFill/>
-            <a:ln w="3175">
-              <a:solidFill>
-                <a:schemeClr val="bg1"/>
-              </a:solidFill>
-            </a:ln>
-            <a:effectLst>
-              <a:glow rad="114300">
-                <a:schemeClr val="bg1">
-                  <a:alpha val="15000"/>
-                </a:schemeClr>
-              </a:glow>
-            </a:effectLst>
-          </p:spPr>
-          <p:style>
-            <a:lnRef idx="2">
-              <a:schemeClr val="accent1">
-                <a:shade val="50000"/>
-              </a:schemeClr>
-            </a:lnRef>
-            <a:fillRef idx="1">
-              <a:schemeClr val="accent1"/>
-            </a:fillRef>
-            <a:effectRef idx="0">
-              <a:schemeClr val="accent1"/>
-            </a:effectRef>
-            <a:fontRef idx="minor">
-              <a:schemeClr val="lt1"/>
-            </a:fontRef>
-          </p:style>
-          <p:txBody>
-            <a:bodyPr rot="0" spcFirstLastPara="0" vertOverflow="overflow" horzOverflow="overflow" vert="horz" wrap="square" lIns="91440" tIns="45720" rIns="91440" bIns="45720" numCol="1" spcCol="0" rtlCol="0" fromWordArt="0" anchor="ctr" anchorCtr="0" forceAA="0" compatLnSpc="1">
-              <a:prstTxWarp prst="textNoShape">
-                <a:avLst/>
-              </a:prstTxWarp>
-              <a:noAutofit/>
-            </a:bodyPr>
-            <a:lstStyle/>
-            <a:p>
-              <a:pPr algn="ctr"/>
-              <a:endParaRPr lang="en-ZA" dirty="0"/>
-            </a:p>
-          </p:txBody>
-        </p:sp>
-        <p:sp>
-          <p:nvSpPr>
-            <p:cNvPr id="15" name="Oval 14">
-              <a:extLst>
-                <a:ext uri="{FF2B5EF4-FFF2-40B4-BE49-F238E27FC236}">
-                  <a16:creationId xmlns:a16="http://schemas.microsoft.com/office/drawing/2014/main" id="{E7A6E3CD-53B5-46DB-988D-203236BF22B0}"/>
-                </a:ext>
-              </a:extLst>
-            </p:cNvPr>
-            <p:cNvSpPr/>
-            <p:nvPr userDrawn="1"/>
-          </p:nvSpPr>
-          <p:spPr>
-            <a:xfrm>
-              <a:off x="4257769" y="3084430"/>
-              <a:ext cx="58366" cy="58366"/>
-            </a:xfrm>
-            <a:prstGeom prst="ellipse">
-              <a:avLst/>
-            </a:prstGeom>
-            <a:gradFill flip="none" rotWithShape="1">
-              <a:gsLst>
-                <a:gs pos="0">
-                  <a:srgbClr val="FFFFFF"/>
-                </a:gs>
-                <a:gs pos="70000">
-                  <a:schemeClr val="accent2">
-                    <a:lumMod val="20000"/>
-                    <a:lumOff val="80000"/>
-                  </a:schemeClr>
-                </a:gs>
-                <a:gs pos="65000">
-                  <a:srgbClr val="F7FFFF"/>
-                </a:gs>
-              </a:gsLst>
-              <a:path path="circle">
-                <a:fillToRect l="50000" t="50000" r="50000" b="50000"/>
-              </a:path>
-              <a:tileRect/>
-            </a:gradFill>
-            <a:ln>
-              <a:noFill/>
-            </a:ln>
-            <a:effectLst>
-              <a:glow rad="165100">
-                <a:schemeClr val="accent2">
-                  <a:satMod val="175000"/>
-                  <a:alpha val="40000"/>
-                </a:schemeClr>
-              </a:glow>
-            </a:effectLst>
-          </p:spPr>
-          <p:style>
-            <a:lnRef idx="2">
-              <a:schemeClr val="accent1">
-                <a:shade val="50000"/>
-              </a:schemeClr>
-            </a:lnRef>
-            <a:fillRef idx="1">
-              <a:schemeClr val="accent1"/>
-            </a:fillRef>
-            <a:effectRef idx="0">
-              <a:schemeClr val="accent1"/>
-            </a:effectRef>
-            <a:fontRef idx="minor">
-              <a:schemeClr val="lt1"/>
-            </a:fontRef>
-          </p:style>
-          <p:txBody>
-            <a:bodyPr rtlCol="0" anchor="ctr"/>
-            <a:lstStyle/>
-            <a:p>
-              <a:pPr algn="ctr"/>
-              <a:endParaRPr lang="en-ZA" dirty="0"/>
-            </a:p>
-          </p:txBody>
-        </p:sp>
-        <p:sp>
-          <p:nvSpPr>
-            <p:cNvPr id="16" name="Oval 15">
-              <a:extLst>
-                <a:ext uri="{FF2B5EF4-FFF2-40B4-BE49-F238E27FC236}">
-                  <a16:creationId xmlns:a16="http://schemas.microsoft.com/office/drawing/2014/main" id="{57E3E48F-4C52-4C35-B945-1A097E0030DC}"/>
-                </a:ext>
-              </a:extLst>
-            </p:cNvPr>
-            <p:cNvSpPr/>
-            <p:nvPr userDrawn="1"/>
-          </p:nvSpPr>
-          <p:spPr>
-            <a:xfrm>
-              <a:off x="1952144" y="833521"/>
-              <a:ext cx="2678654" cy="2720745"/>
-            </a:xfrm>
-            <a:prstGeom prst="ellipse">
-              <a:avLst/>
-            </a:prstGeom>
-            <a:noFill/>
-            <a:ln w="111125">
-              <a:solidFill>
-                <a:schemeClr val="bg1">
-                  <a:alpha val="6000"/>
-                </a:schemeClr>
-              </a:solidFill>
-            </a:ln>
-            <a:effectLst/>
-          </p:spPr>
-          <p:style>
-            <a:lnRef idx="2">
-              <a:schemeClr val="accent1">
-                <a:shade val="50000"/>
-              </a:schemeClr>
-            </a:lnRef>
-            <a:fillRef idx="1">
-              <a:schemeClr val="accent1"/>
-            </a:fillRef>
-            <a:effectRef idx="0">
-              <a:schemeClr val="accent1"/>
-            </a:effectRef>
-            <a:fontRef idx="minor">
-              <a:schemeClr val="lt1"/>
-            </a:fontRef>
-          </p:style>
-          <p:txBody>
-            <a:bodyPr rot="0" spcFirstLastPara="0" vertOverflow="overflow" horzOverflow="overflow" vert="horz" wrap="square" lIns="91440" tIns="45720" rIns="91440" bIns="45720" numCol="1" spcCol="0" rtlCol="0" fromWordArt="0" anchor="ctr" anchorCtr="0" forceAA="0" compatLnSpc="1">
-              <a:prstTxWarp prst="textNoShape">
-                <a:avLst/>
-              </a:prstTxWarp>
-              <a:noAutofit/>
-            </a:bodyPr>
-            <a:lstStyle/>
-            <a:p>
-              <a:pPr algn="ctr"/>
-              <a:endParaRPr lang="en-ZA" dirty="0"/>
-            </a:p>
-          </p:txBody>
-        </p:sp>
-        <p:cxnSp>
-          <p:nvCxnSpPr>
-            <p:cNvPr id="17" name="Straight Connector 16">
-              <a:extLst>
-                <a:ext uri="{FF2B5EF4-FFF2-40B4-BE49-F238E27FC236}">
-                  <a16:creationId xmlns:a16="http://schemas.microsoft.com/office/drawing/2014/main" id="{F5E22542-B340-4287-91C8-BED785B7355D}"/>
-                </a:ext>
-              </a:extLst>
-            </p:cNvPr>
-            <p:cNvCxnSpPr>
-              <a:cxnSpLocks/>
-            </p:cNvCxnSpPr>
-            <p:nvPr userDrawn="1"/>
-          </p:nvCxnSpPr>
-          <p:spPr>
-            <a:xfrm>
-              <a:off x="2085771" y="923049"/>
-              <a:ext cx="2332466" cy="2332466"/>
-            </a:xfrm>
-            <a:prstGeom prst="line">
-              <a:avLst/>
-            </a:prstGeom>
-            <a:ln>
-              <a:solidFill>
-                <a:schemeClr val="bg2">
-                  <a:alpha val="30000"/>
-                </a:schemeClr>
-              </a:solidFill>
-            </a:ln>
-          </p:spPr>
-          <p:style>
-            <a:lnRef idx="1">
-              <a:schemeClr val="accent1"/>
-            </a:lnRef>
-            <a:fillRef idx="0">
-              <a:schemeClr val="accent1"/>
-            </a:fillRef>
-            <a:effectRef idx="0">
-              <a:schemeClr val="accent1"/>
-            </a:effectRef>
-            <a:fontRef idx="minor">
-              <a:schemeClr val="tx1"/>
-            </a:fontRef>
-          </p:style>
-        </p:cxnSp>
-      </p:grpSp>
+              <a:t>Unique </a:t>
+            </a:r>
+          </a:p>
+        </p:txBody>
+      </p:sp>
+      <p:sp>
+        <p:nvSpPr>
+          <p:cNvPr id="7" name="Text Placeholder 6">
+            <a:extLst>
+              <a:ext uri="{FF2B5EF4-FFF2-40B4-BE49-F238E27FC236}">
+                <a16:creationId xmlns:a16="http://schemas.microsoft.com/office/drawing/2014/main" id="{1FBEF8A3-3B79-4A1D-83CE-3501D6E1EC52}"/>
+              </a:ext>
+            </a:extLst>
+          </p:cNvPr>
+          <p:cNvSpPr>
+            <a:spLocks noGrp="1"/>
+          </p:cNvSpPr>
+          <p:nvPr>
+            <p:ph type="body" sz="quarter" idx="18"/>
+          </p:nvPr>
+        </p:nvSpPr>
+        <p:spPr>
+          <a:xfrm>
+            <a:off x="6492240" y="2702598"/>
+            <a:ext cx="2026679" cy="434302"/>
+          </a:xfrm>
+        </p:spPr>
+        <p:txBody>
+          <a:bodyPr/>
+          <a:lstStyle/>
+          <a:p>
+            <a:r>
+              <a:rPr lang="en-ZA" dirty="0"/>
+              <a:t>Provides a personalised experience to the customer</a:t>
+            </a:r>
+          </a:p>
+        </p:txBody>
+      </p:sp>
+      <p:pic>
+        <p:nvPicPr>
+          <p:cNvPr id="33" name="Picture Placeholder 32" descr="Lecturer">
+            <a:extLst>
+              <a:ext uri="{FF2B5EF4-FFF2-40B4-BE49-F238E27FC236}">
+                <a16:creationId xmlns:a16="http://schemas.microsoft.com/office/drawing/2014/main" id="{34FE467F-DFCB-454B-9B3B-9C4BF433B3C6}"/>
+              </a:ext>
+            </a:extLst>
+          </p:cNvPr>
+          <p:cNvPicPr>
+            <a:picLocks noGrp="1" noChangeAspect="1"/>
+          </p:cNvPicPr>
+          <p:nvPr>
+            <p:ph type="pic" sz="quarter" idx="53"/>
+          </p:nvPr>
+        </p:nvPicPr>
+        <p:blipFill>
+          <a:blip r:embed="rId5" cstate="screen">
+            <a:extLst>
+              <a:ext uri="{28A0092B-C50C-407E-A947-70E740481C1C}">
+                <a14:useLocalDpi xmlns:a14="http://schemas.microsoft.com/office/drawing/2010/main"/>
+              </a:ext>
+              <a:ext uri="{96DAC541-7B7A-43D3-8B79-37D633B846F1}">
+                <asvg:svgBlip xmlns:asvg="http://schemas.microsoft.com/office/drawing/2016/SVG/main" r:embed="rId6"/>
+              </a:ext>
+            </a:extLst>
+          </a:blip>
+          <a:srcRect/>
+          <a:stretch>
+            <a:fillRect/>
+          </a:stretch>
+        </p:blipFill>
+        <p:spPr/>
+      </p:pic>
+      <p:sp>
+        <p:nvSpPr>
+          <p:cNvPr id="8" name="Text Placeholder 7">
+            <a:extLst>
+              <a:ext uri="{FF2B5EF4-FFF2-40B4-BE49-F238E27FC236}">
+                <a16:creationId xmlns:a16="http://schemas.microsoft.com/office/drawing/2014/main" id="{4F157E51-898F-41B4-8235-6C34BBCD749E}"/>
+              </a:ext>
+            </a:extLst>
+          </p:cNvPr>
+          <p:cNvSpPr>
+            <a:spLocks noGrp="1"/>
+          </p:cNvSpPr>
+          <p:nvPr>
+            <p:ph type="body" sz="quarter" idx="33"/>
+          </p:nvPr>
+        </p:nvSpPr>
+        <p:spPr/>
+        <p:txBody>
+          <a:bodyPr/>
+          <a:lstStyle/>
+          <a:p>
+            <a:r>
+              <a:rPr lang="en-ZA" dirty="0"/>
+              <a:t>First to Market</a:t>
+            </a:r>
+          </a:p>
+        </p:txBody>
+      </p:sp>
+      <p:sp>
+        <p:nvSpPr>
+          <p:cNvPr id="9" name="Text Placeholder 8">
+            <a:extLst>
+              <a:ext uri="{FF2B5EF4-FFF2-40B4-BE49-F238E27FC236}">
+                <a16:creationId xmlns:a16="http://schemas.microsoft.com/office/drawing/2014/main" id="{8724B20D-50EC-427F-9E2C-81625A7AC444}"/>
+              </a:ext>
+            </a:extLst>
+          </p:cNvPr>
+          <p:cNvSpPr>
+            <a:spLocks noGrp="1"/>
+          </p:cNvSpPr>
+          <p:nvPr>
+            <p:ph type="body" sz="quarter" idx="34"/>
+          </p:nvPr>
+        </p:nvSpPr>
+        <p:spPr/>
+        <p:txBody>
+          <a:bodyPr/>
+          <a:lstStyle/>
+          <a:p>
+            <a:r>
+              <a:rPr lang="en-ZA" noProof="1"/>
+              <a:t>An all new experience utilizing familarity</a:t>
+            </a:r>
+          </a:p>
+          <a:p>
+            <a:endParaRPr lang="en-ZA" noProof="1"/>
+          </a:p>
+          <a:p>
+            <a:endParaRPr lang="en-ZA" dirty="0"/>
+          </a:p>
+        </p:txBody>
+      </p:sp>
+      <p:pic>
+        <p:nvPicPr>
+          <p:cNvPr id="35" name="Picture Placeholder 34">
+            <a:extLst>
+              <a:ext uri="{FF2B5EF4-FFF2-40B4-BE49-F238E27FC236}">
+                <a16:creationId xmlns:a16="http://schemas.microsoft.com/office/drawing/2014/main" id="{7AF56B60-D53D-40A4-82F9-B1DEB9644A3D}"/>
+              </a:ext>
+            </a:extLst>
+          </p:cNvPr>
+          <p:cNvPicPr>
+            <a:picLocks noGrp="1" noChangeAspect="1"/>
+          </p:cNvPicPr>
+          <p:nvPr>
+            <p:ph type="pic" sz="quarter" idx="54"/>
+          </p:nvPr>
+        </p:nvPicPr>
+        <p:blipFill>
+          <a:blip r:embed="rId7"/>
+          <a:stretch>
+            <a:fillRect/>
+          </a:stretch>
+        </p:blipFill>
+        <p:spPr>
+          <a:xfrm>
+            <a:off x="6518899" y="4340034"/>
+            <a:ext cx="2000020" cy="252000"/>
+          </a:xfrm>
+        </p:spPr>
+      </p:pic>
+      <p:sp>
+        <p:nvSpPr>
+          <p:cNvPr id="12" name="Text Placeholder 11">
+            <a:extLst>
+              <a:ext uri="{FF2B5EF4-FFF2-40B4-BE49-F238E27FC236}">
+                <a16:creationId xmlns:a16="http://schemas.microsoft.com/office/drawing/2014/main" id="{6FDE267D-5AD5-4C76-A976-43EDB64DB1F3}"/>
+              </a:ext>
+            </a:extLst>
+          </p:cNvPr>
+          <p:cNvSpPr>
+            <a:spLocks noGrp="1"/>
+          </p:cNvSpPr>
+          <p:nvPr>
+            <p:ph type="body" sz="quarter" idx="45"/>
+          </p:nvPr>
+        </p:nvSpPr>
+        <p:spPr/>
+        <p:txBody>
+          <a:bodyPr/>
+          <a:lstStyle/>
+          <a:p>
+            <a:r>
+              <a:rPr lang="en-ZA" dirty="0"/>
+              <a:t>Bose API</a:t>
+            </a:r>
+          </a:p>
+        </p:txBody>
+      </p:sp>
+      <p:sp>
+        <p:nvSpPr>
+          <p:cNvPr id="13" name="Text Placeholder 12">
+            <a:extLst>
+              <a:ext uri="{FF2B5EF4-FFF2-40B4-BE49-F238E27FC236}">
+                <a16:creationId xmlns:a16="http://schemas.microsoft.com/office/drawing/2014/main" id="{DF58DB01-FA52-44DB-A820-8E4A194D9F8C}"/>
+              </a:ext>
+            </a:extLst>
+          </p:cNvPr>
+          <p:cNvSpPr>
+            <a:spLocks noGrp="1"/>
+          </p:cNvSpPr>
+          <p:nvPr>
+            <p:ph type="body" sz="quarter" idx="46"/>
+          </p:nvPr>
+        </p:nvSpPr>
+        <p:spPr>
+          <a:xfrm>
+            <a:off x="6741858" y="5721826"/>
+            <a:ext cx="2026679" cy="434302"/>
+          </a:xfrm>
+        </p:spPr>
+        <p:txBody>
+          <a:bodyPr/>
+          <a:lstStyle/>
+          <a:p>
+            <a:r>
+              <a:rPr lang="en-ZA" dirty="0"/>
+              <a:t>We use the Bose</a:t>
+            </a:r>
+            <a:r>
+              <a:rPr lang="en-US" dirty="0"/>
+              <a:t>® </a:t>
+            </a:r>
+            <a:r>
+              <a:rPr lang="en-US" dirty="0" err="1"/>
+              <a:t>SoundTouch</a:t>
+            </a:r>
+            <a:r>
+              <a:rPr lang="en-US" dirty="0"/>
+              <a:t> Audio Notification API</a:t>
+            </a:r>
+            <a:endParaRPr lang="en-ZA" dirty="0"/>
+          </a:p>
+        </p:txBody>
+      </p:sp>
+      <p:pic>
+        <p:nvPicPr>
+          <p:cNvPr id="37" name="Picture Placeholder 36">
+            <a:extLst>
+              <a:ext uri="{FF2B5EF4-FFF2-40B4-BE49-F238E27FC236}">
+                <a16:creationId xmlns:a16="http://schemas.microsoft.com/office/drawing/2014/main" id="{1701A2E9-D331-4627-A32A-658F1BDB82EF}"/>
+              </a:ext>
+            </a:extLst>
+          </p:cNvPr>
+          <p:cNvPicPr>
+            <a:picLocks noGrp="1" noChangeAspect="1"/>
+          </p:cNvPicPr>
+          <p:nvPr>
+            <p:ph type="pic" sz="quarter" idx="55"/>
+          </p:nvPr>
+        </p:nvPicPr>
+        <p:blipFill>
+          <a:blip r:embed="rId8"/>
+          <a:stretch>
+            <a:fillRect/>
+          </a:stretch>
+        </p:blipFill>
+        <p:spPr>
+          <a:xfrm>
+            <a:off x="9736212" y="4148792"/>
+            <a:ext cx="621792" cy="621792"/>
+          </a:xfrm>
+        </p:spPr>
+      </p:pic>
+      <p:sp>
+        <p:nvSpPr>
+          <p:cNvPr id="14" name="Text Placeholder 13">
+            <a:extLst>
+              <a:ext uri="{FF2B5EF4-FFF2-40B4-BE49-F238E27FC236}">
+                <a16:creationId xmlns:a16="http://schemas.microsoft.com/office/drawing/2014/main" id="{ADDC6D72-DCF6-41AE-B39D-609AE438F22B}"/>
+              </a:ext>
+            </a:extLst>
+          </p:cNvPr>
+          <p:cNvSpPr>
+            <a:spLocks noGrp="1"/>
+          </p:cNvSpPr>
+          <p:nvPr>
+            <p:ph type="body" sz="quarter" idx="47"/>
+          </p:nvPr>
+        </p:nvSpPr>
+        <p:spPr>
+          <a:xfrm>
+            <a:off x="9029777" y="5329272"/>
+            <a:ext cx="2042775" cy="252000"/>
+          </a:xfrm>
+        </p:spPr>
+        <p:txBody>
+          <a:bodyPr/>
+          <a:lstStyle/>
+          <a:p>
+            <a:r>
+              <a:rPr lang="en-ZA" dirty="0"/>
+              <a:t>Google Calendar API</a:t>
+            </a:r>
+          </a:p>
+        </p:txBody>
+      </p:sp>
+      <p:sp>
+        <p:nvSpPr>
+          <p:cNvPr id="15" name="Text Placeholder 14">
+            <a:extLst>
+              <a:ext uri="{FF2B5EF4-FFF2-40B4-BE49-F238E27FC236}">
+                <a16:creationId xmlns:a16="http://schemas.microsoft.com/office/drawing/2014/main" id="{A1B6F490-8CEC-444D-ADC0-E8B315EA3B54}"/>
+              </a:ext>
+            </a:extLst>
+          </p:cNvPr>
+          <p:cNvSpPr>
+            <a:spLocks noGrp="1"/>
+          </p:cNvSpPr>
+          <p:nvPr>
+            <p:ph type="body" sz="quarter" idx="48"/>
+          </p:nvPr>
+        </p:nvSpPr>
+        <p:spPr>
+          <a:xfrm>
+            <a:off x="9227127" y="5705658"/>
+            <a:ext cx="1845425" cy="434302"/>
+          </a:xfrm>
+        </p:spPr>
+        <p:txBody>
+          <a:bodyPr/>
+          <a:lstStyle/>
+          <a:p>
+            <a:r>
+              <a:rPr lang="en-ZA" dirty="0"/>
+              <a:t>We use the Google Calendar API for  reminders</a:t>
+            </a:r>
+          </a:p>
+        </p:txBody>
+      </p:sp>
     </p:spTree>
     <p:extLst>
       <p:ext uri="{BB962C8B-B14F-4D97-AF65-F5344CB8AC3E}">
-        <p14:creationId xmlns:p14="http://schemas.microsoft.com/office/powerpoint/2010/main" val="3190245698"/>
+        <p14:creationId xmlns:p14="http://schemas.microsoft.com/office/powerpoint/2010/main" val="4002911784"/>
       </p:ext>
     </p:extLst>
   </p:cSld>
@@ -25421,6 +25371,14 @@
 </file>
 
 <file path=customXml/item2.xml><?xml version="1.0" encoding="utf-8"?>
+<p:properties xmlns:p="http://schemas.microsoft.com/office/2006/metadata/properties" xmlns:xsi="http://www.w3.org/2001/XMLSchema-instance" xmlns:pc="http://schemas.microsoft.com/office/infopath/2007/PartnerControls">
+  <documentManagement>
+    <MediaServiceKeyPoints xmlns="71af3243-3dd4-4a8d-8c0d-dd76da1f02a5" xsi:nil="true"/>
+  </documentManagement>
+</p:properties>
+</file>
+
+<file path=customXml/item3.xml><?xml version="1.0" encoding="utf-8"?>
 <ct:contentTypeSchema xmlns:ct="http://schemas.microsoft.com/office/2006/metadata/contentType" xmlns:ma="http://schemas.microsoft.com/office/2006/metadata/properties/metaAttributes" ct:_="" ma:_="" ma:contentTypeName="Document" ma:contentTypeID="0x01010079F111ED35F8CC479449609E8A0923A6" ma:contentTypeVersion="10" ma:contentTypeDescription="Create a new document." ma:contentTypeScope="" ma:versionID="e39e7e9e36de66d473ce04bb4ab2dbb8">
   <xsd:schema xmlns:xsd="http://www.w3.org/2001/XMLSchema" xmlns:xs="http://www.w3.org/2001/XMLSchema" xmlns:p="http://schemas.microsoft.com/office/2006/metadata/properties" xmlns:ns2="71af3243-3dd4-4a8d-8c0d-dd76da1f02a5" xmlns:ns3="16c05727-aa75-4e4a-9b5f-8a80a1165891" targetNamespace="http://schemas.microsoft.com/office/2006/metadata/properties" ma:root="true" ma:fieldsID="19dc5994665da46609c24125788630d8" ns2:_="" ns3:_="">
     <xsd:import namespace="71af3243-3dd4-4a8d-8c0d-dd76da1f02a5"/>
@@ -25625,14 +25583,6 @@
 </ct:contentTypeSchema>
 </file>
 
-<file path=customXml/item3.xml><?xml version="1.0" encoding="utf-8"?>
-<p:properties xmlns:p="http://schemas.microsoft.com/office/2006/metadata/properties" xmlns:xsi="http://www.w3.org/2001/XMLSchema-instance" xmlns:pc="http://schemas.microsoft.com/office/infopath/2007/PartnerControls">
-  <documentManagement>
-    <MediaServiceKeyPoints xmlns="71af3243-3dd4-4a8d-8c0d-dd76da1f02a5" xsi:nil="true"/>
-  </documentManagement>
-</p:properties>
-</file>
-
 <file path=customXml/itemProps1.xml><?xml version="1.0" encoding="utf-8"?>
 <ds:datastoreItem xmlns:ds="http://schemas.openxmlformats.org/officeDocument/2006/customXml" ds:itemID="{80BB2B2B-C092-4034-8027-ED80E70B81A9}">
   <ds:schemaRefs>
@@ -25642,6 +25592,23 @@
 </file>
 
 <file path=customXml/itemProps2.xml><?xml version="1.0" encoding="utf-8"?>
+<ds:datastoreItem xmlns:ds="http://schemas.openxmlformats.org/officeDocument/2006/customXml" ds:itemID="{9A2E6E59-6E17-40F8-B412-65DEC6629148}">
+  <ds:schemaRefs>
+    <ds:schemaRef ds:uri="http://purl.org/dc/terms/"/>
+    <ds:schemaRef ds:uri="http://schemas.openxmlformats.org/package/2006/metadata/core-properties"/>
+    <ds:schemaRef ds:uri="16c05727-aa75-4e4a-9b5f-8a80a1165891"/>
+    <ds:schemaRef ds:uri="http://purl.org/dc/dcmitype/"/>
+    <ds:schemaRef ds:uri="http://schemas.microsoft.com/office/infopath/2007/PartnerControls"/>
+    <ds:schemaRef ds:uri="http://purl.org/dc/elements/1.1/"/>
+    <ds:schemaRef ds:uri="http://schemas.microsoft.com/office/2006/metadata/properties"/>
+    <ds:schemaRef ds:uri="http://schemas.microsoft.com/office/2006/documentManagement/types"/>
+    <ds:schemaRef ds:uri="71af3243-3dd4-4a8d-8c0d-dd76da1f02a5"/>
+    <ds:schemaRef ds:uri="http://www.w3.org/XML/1998/namespace"/>
+  </ds:schemaRefs>
+</ds:datastoreItem>
+</file>
+
+<file path=customXml/itemProps3.xml><?xml version="1.0" encoding="utf-8"?>
 <ds:datastoreItem xmlns:ds="http://schemas.openxmlformats.org/officeDocument/2006/customXml" ds:itemID="{40BD0185-E894-43F5-A381-22FE8094B9A3}">
   <ds:schemaRefs>
     <ds:schemaRef ds:uri="http://schemas.microsoft.com/office/2006/metadata/contentType"/>
@@ -25658,21 +25625,4 @@
     <ds:schemaRef ds:uri="http://schemas.microsoft.com/internal/obd"/>
   </ds:schemaRefs>
 </ds:datastoreItem>
-</file>
-
-<file path=customXml/itemProps3.xml><?xml version="1.0" encoding="utf-8"?>
-<ds:datastoreItem xmlns:ds="http://schemas.openxmlformats.org/officeDocument/2006/customXml" ds:itemID="{9A2E6E59-6E17-40F8-B412-65DEC6629148}">
-  <ds:schemaRefs>
-    <ds:schemaRef ds:uri="http://purl.org/dc/terms/"/>
-    <ds:schemaRef ds:uri="http://schemas.openxmlformats.org/package/2006/metadata/core-properties"/>
-    <ds:schemaRef ds:uri="16c05727-aa75-4e4a-9b5f-8a80a1165891"/>
-    <ds:schemaRef ds:uri="http://schemas.microsoft.com/office/2006/documentManagement/types"/>
-    <ds:schemaRef ds:uri="http://schemas.microsoft.com/office/infopath/2007/PartnerControls"/>
-    <ds:schemaRef ds:uri="http://purl.org/dc/elements/1.1/"/>
-    <ds:schemaRef ds:uri="http://schemas.microsoft.com/office/2006/metadata/properties"/>
-    <ds:schemaRef ds:uri="71af3243-3dd4-4a8d-8c0d-dd76da1f02a5"/>
-    <ds:schemaRef ds:uri="http://www.w3.org/XML/1998/namespace"/>
-    <ds:schemaRef ds:uri="http://purl.org/dc/dcmitype/"/>
-  </ds:schemaRefs>
-</ds:datastoreItem>
 </file>
--- a/PITCH/Pitch.pptx
+++ b/PITCH/Pitch.pptx
@@ -404,7 +404,7 @@
           <a:p>
             <a:fld id="{19EDBDA2-4480-4D82-8886-1B64A7ECBBAC}" type="datetimeFigureOut">
               <a:rPr lang="en-ZA" smtClean="0"/>
-              <a:t>2018/11/10</a:t>
+              <a:t>2018/11/11</a:t>
             </a:fld>
             <a:endParaRPr lang="en-ZA" dirty="0"/>
           </a:p>
@@ -20574,7 +20574,7 @@
       </p:sp>
       <p:pic>
         <p:nvPicPr>
-          <p:cNvPr id="28" name="Picture Placeholder 27" descr="Profile Photo">
+          <p:cNvPr id="28" name="Picture Placeholder 27">
             <a:extLst>
               <a:ext uri="{FF2B5EF4-FFF2-40B4-BE49-F238E27FC236}">
                 <a16:creationId xmlns:a16="http://schemas.microsoft.com/office/drawing/2014/main" id="{A0FEAE46-9AE4-4548-A546-E3A75A1EE344}"/>
@@ -20589,20 +20589,17 @@
           </p:nvPr>
         </p:nvPicPr>
         <p:blipFill>
-          <a:blip r:embed="rId4" cstate="screen">
-            <a:grayscl/>
-            <a:extLst>
-              <a:ext uri="{28A0092B-C50C-407E-A947-70E740481C1C}">
-                <a14:useLocalDpi xmlns:a14="http://schemas.microsoft.com/office/drawing/2010/main"/>
-              </a:ext>
-            </a:extLst>
-          </a:blip>
-          <a:srcRect/>
+          <a:blip r:embed="rId4"/>
           <a:stretch>
             <a:fillRect/>
           </a:stretch>
         </p:blipFill>
-        <p:spPr/>
+        <p:spPr>
+          <a:xfrm>
+            <a:off x="8643308" y="2256300"/>
+            <a:ext cx="1217130" cy="1217130"/>
+          </a:xfrm>
+        </p:spPr>
       </p:pic>
       <p:sp>
         <p:nvSpPr>
@@ -20640,7 +20637,7 @@
       </p:sp>
       <p:pic>
         <p:nvPicPr>
-          <p:cNvPr id="30" name="Picture Placeholder 29" descr="Profile Photo">
+          <p:cNvPr id="30" name="Picture Placeholder 29">
             <a:extLst>
               <a:ext uri="{FF2B5EF4-FFF2-40B4-BE49-F238E27FC236}">
                 <a16:creationId xmlns:a16="http://schemas.microsoft.com/office/drawing/2014/main" id="{3FA97161-1437-4446-8F3D-9F9A8F4AA454}"/>
@@ -20655,20 +20652,17 @@
           </p:nvPr>
         </p:nvPicPr>
         <p:blipFill>
-          <a:blip r:embed="rId5" cstate="screen">
-            <a:grayscl/>
-            <a:extLst>
-              <a:ext uri="{28A0092B-C50C-407E-A947-70E740481C1C}">
-                <a14:useLocalDpi xmlns:a14="http://schemas.microsoft.com/office/drawing/2010/main"/>
-              </a:ext>
-            </a:extLst>
-          </a:blip>
-          <a:srcRect/>
+          <a:blip r:embed="rId5"/>
           <a:stretch>
             <a:fillRect/>
           </a:stretch>
         </p:blipFill>
-        <p:spPr/>
+        <p:spPr>
+          <a:xfrm>
+            <a:off x="624882" y="4023015"/>
+            <a:ext cx="1217130" cy="1217130"/>
+          </a:xfrm>
+        </p:spPr>
       </p:pic>
       <p:sp>
         <p:nvSpPr>
@@ -20693,7 +20687,7 @@
           <a:p>
             <a:r>
               <a:rPr lang="en-ZA" dirty="0"/>
-              <a:t>Anya</a:t>
+              <a:t>Anya Li</a:t>
             </a:r>
           </a:p>
         </p:txBody>
@@ -21137,7 +21131,7 @@
           <a:p>
             <a:r>
               <a:rPr lang="en-ZA" noProof="1"/>
-              <a:t> We also focus on UN Sustainable Goal of good health and well being of all humans.</a:t>
+              <a:t> We also focus on UN Sustainable Goal of good health and well being.</a:t>
             </a:r>
           </a:p>
         </p:txBody>
@@ -25371,14 +25365,6 @@
 </file>
 
 <file path=customXml/item2.xml><?xml version="1.0" encoding="utf-8"?>
-<p:properties xmlns:p="http://schemas.microsoft.com/office/2006/metadata/properties" xmlns:xsi="http://www.w3.org/2001/XMLSchema-instance" xmlns:pc="http://schemas.microsoft.com/office/infopath/2007/PartnerControls">
-  <documentManagement>
-    <MediaServiceKeyPoints xmlns="71af3243-3dd4-4a8d-8c0d-dd76da1f02a5" xsi:nil="true"/>
-  </documentManagement>
-</p:properties>
-</file>
-
-<file path=customXml/item3.xml><?xml version="1.0" encoding="utf-8"?>
 <ct:contentTypeSchema xmlns:ct="http://schemas.microsoft.com/office/2006/metadata/contentType" xmlns:ma="http://schemas.microsoft.com/office/2006/metadata/properties/metaAttributes" ct:_="" ma:_="" ma:contentTypeName="Document" ma:contentTypeID="0x01010079F111ED35F8CC479449609E8A0923A6" ma:contentTypeVersion="10" ma:contentTypeDescription="Create a new document." ma:contentTypeScope="" ma:versionID="e39e7e9e36de66d473ce04bb4ab2dbb8">
   <xsd:schema xmlns:xsd="http://www.w3.org/2001/XMLSchema" xmlns:xs="http://www.w3.org/2001/XMLSchema" xmlns:p="http://schemas.microsoft.com/office/2006/metadata/properties" xmlns:ns2="71af3243-3dd4-4a8d-8c0d-dd76da1f02a5" xmlns:ns3="16c05727-aa75-4e4a-9b5f-8a80a1165891" targetNamespace="http://schemas.microsoft.com/office/2006/metadata/properties" ma:root="true" ma:fieldsID="19dc5994665da46609c24125788630d8" ns2:_="" ns3:_="">
     <xsd:import namespace="71af3243-3dd4-4a8d-8c0d-dd76da1f02a5"/>
@@ -25583,6 +25569,14 @@
 </ct:contentTypeSchema>
 </file>
 
+<file path=customXml/item3.xml><?xml version="1.0" encoding="utf-8"?>
+<p:properties xmlns:p="http://schemas.microsoft.com/office/2006/metadata/properties" xmlns:xsi="http://www.w3.org/2001/XMLSchema-instance" xmlns:pc="http://schemas.microsoft.com/office/infopath/2007/PartnerControls">
+  <documentManagement>
+    <MediaServiceKeyPoints xmlns="71af3243-3dd4-4a8d-8c0d-dd76da1f02a5" xsi:nil="true"/>
+  </documentManagement>
+</p:properties>
+</file>
+
 <file path=customXml/itemProps1.xml><?xml version="1.0" encoding="utf-8"?>
 <ds:datastoreItem xmlns:ds="http://schemas.openxmlformats.org/officeDocument/2006/customXml" ds:itemID="{80BB2B2B-C092-4034-8027-ED80E70B81A9}">
   <ds:schemaRefs>
@@ -25592,23 +25586,6 @@
 </file>
 
 <file path=customXml/itemProps2.xml><?xml version="1.0" encoding="utf-8"?>
-<ds:datastoreItem xmlns:ds="http://schemas.openxmlformats.org/officeDocument/2006/customXml" ds:itemID="{9A2E6E59-6E17-40F8-B412-65DEC6629148}">
-  <ds:schemaRefs>
-    <ds:schemaRef ds:uri="http://purl.org/dc/terms/"/>
-    <ds:schemaRef ds:uri="http://schemas.openxmlformats.org/package/2006/metadata/core-properties"/>
-    <ds:schemaRef ds:uri="16c05727-aa75-4e4a-9b5f-8a80a1165891"/>
-    <ds:schemaRef ds:uri="http://purl.org/dc/dcmitype/"/>
-    <ds:schemaRef ds:uri="http://schemas.microsoft.com/office/infopath/2007/PartnerControls"/>
-    <ds:schemaRef ds:uri="http://purl.org/dc/elements/1.1/"/>
-    <ds:schemaRef ds:uri="http://schemas.microsoft.com/office/2006/metadata/properties"/>
-    <ds:schemaRef ds:uri="http://schemas.microsoft.com/office/2006/documentManagement/types"/>
-    <ds:schemaRef ds:uri="71af3243-3dd4-4a8d-8c0d-dd76da1f02a5"/>
-    <ds:schemaRef ds:uri="http://www.w3.org/XML/1998/namespace"/>
-  </ds:schemaRefs>
-</ds:datastoreItem>
-</file>
-
-<file path=customXml/itemProps3.xml><?xml version="1.0" encoding="utf-8"?>
 <ds:datastoreItem xmlns:ds="http://schemas.openxmlformats.org/officeDocument/2006/customXml" ds:itemID="{40BD0185-E894-43F5-A381-22FE8094B9A3}">
   <ds:schemaRefs>
     <ds:schemaRef ds:uri="http://schemas.microsoft.com/office/2006/metadata/contentType"/>
@@ -25625,4 +25602,21 @@
     <ds:schemaRef ds:uri="http://schemas.microsoft.com/internal/obd"/>
   </ds:schemaRefs>
 </ds:datastoreItem>
+</file>
+
+<file path=customXml/itemProps3.xml><?xml version="1.0" encoding="utf-8"?>
+<ds:datastoreItem xmlns:ds="http://schemas.openxmlformats.org/officeDocument/2006/customXml" ds:itemID="{9A2E6E59-6E17-40F8-B412-65DEC6629148}">
+  <ds:schemaRefs>
+    <ds:schemaRef ds:uri="http://purl.org/dc/terms/"/>
+    <ds:schemaRef ds:uri="http://schemas.openxmlformats.org/package/2006/metadata/core-properties"/>
+    <ds:schemaRef ds:uri="16c05727-aa75-4e4a-9b5f-8a80a1165891"/>
+    <ds:schemaRef ds:uri="http://purl.org/dc/dcmitype/"/>
+    <ds:schemaRef ds:uri="http://schemas.microsoft.com/office/infopath/2007/PartnerControls"/>
+    <ds:schemaRef ds:uri="http://purl.org/dc/elements/1.1/"/>
+    <ds:schemaRef ds:uri="http://schemas.microsoft.com/office/2006/metadata/properties"/>
+    <ds:schemaRef ds:uri="http://schemas.microsoft.com/office/2006/documentManagement/types"/>
+    <ds:schemaRef ds:uri="71af3243-3dd4-4a8d-8c0d-dd76da1f02a5"/>
+    <ds:schemaRef ds:uri="http://www.w3.org/XML/1998/namespace"/>
+  </ds:schemaRefs>
+</ds:datastoreItem>
 </file>